--- a/docs/reference/presentation_example.pptx
+++ b/docs/reference/presentation_example.pptx
@@ -1,14 +1,14 @@
 
 <file path=ppt/presentation.xml><?xml version="1.0" encoding="utf-8"?>
-<p:presentation xmlns:p="http://schemas.openxmlformats.org/presentationml/2006/main" xmlns:a="http://schemas.openxmlformats.org/drawingml/2006/main" xmlns:r="http://schemas.openxmlformats.org/officeDocument/2006/relationships" xmlns:mc="http://schemas.openxmlformats.org/markup-compatibility/2006" xmlns:c="http://schemas.openxmlformats.org/drawingml/2006/chart" xmlns:ns6="http://schemas.openxmlformats.org/drawingml/2006/chartDrawing" xmlns:dgm="http://schemas.openxmlformats.org/drawingml/2006/diagram" xmlns:pic="http://schemas.openxmlformats.org/drawingml/2006/picture" xmlns:wp="http://schemas.openxmlformats.org/drawingml/2006/wordprocessingDrawing" xmlns:xdr="http://schemas.openxmlformats.org/drawingml/2006/spreadsheetDrawing" xmlns:ns11="http://schemas.openxmlformats.org/drawingml/2006/compatibility" xmlns:ns12="http://schemas.openxmlformats.org/drawingml/2006/lockedCanvas" saveSubsetFonts="true">
+<p:presentation xmlns:p="http://schemas.openxmlformats.org/presentationml/2006/main" xmlns:r="http://schemas.openxmlformats.org/officeDocument/2006/relationships" xmlns:a="http://schemas.openxmlformats.org/drawingml/2006/main" xmlns:mc="http://schemas.openxmlformats.org/markup-compatibility/2006" xmlns:c="http://schemas.openxmlformats.org/drawingml/2006/chart" xmlns:ns6="http://schemas.openxmlformats.org/drawingml/2006/chartDrawing" xmlns:dgm="http://schemas.openxmlformats.org/drawingml/2006/diagram" xmlns:pic="http://schemas.openxmlformats.org/drawingml/2006/picture" xmlns:wp="http://schemas.openxmlformats.org/drawingml/2006/wordprocessingDrawing" xmlns:xdr="http://schemas.openxmlformats.org/drawingml/2006/spreadsheetDrawing" xmlns:ns11="http://schemas.openxmlformats.org/drawingml/2006/compatibility" xmlns:ns12="http://schemas.openxmlformats.org/drawingml/2006/lockedCanvas" saveSubsetFonts="true">
   <p:sldMasterIdLst>
     <p:sldMasterId id="2147483648" r:id="rId1"/>
   </p:sldMasterIdLst>
   <p:sldIdLst>
-    <p:sldId id="830983025" r:id="rId6"/>
-    <p:sldId id="1318484518" r:id="rId7"/>
-    <p:sldId id="1971778566" r:id="rId8"/>
-    <p:sldId id="1110958736" r:id="rId9"/>
+    <p:sldId id="1027259839" r:id="rId6"/>
+    <p:sldId id="146040286" r:id="rId7"/>
+    <p:sldId id="1188959533" r:id="rId8"/>
+    <p:sldId id="1124578752" r:id="rId9"/>
   </p:sldIdLst>
   <p:sldSz cx="12192000" cy="6858000"/>
   <p:notesSz cx="6858000" cy="9144000"/>
@@ -116,7 +116,7 @@
 </file>
 
 <file path=ppt/slideLayouts/slideLayout1.xml><?xml version="1.0" encoding="utf-8"?>
-<p:sldLayout xmlns:p="http://schemas.openxmlformats.org/presentationml/2006/main" xmlns:a="http://schemas.openxmlformats.org/drawingml/2006/main" xmlns:r="http://schemas.openxmlformats.org/officeDocument/2006/relationships" xmlns:mc="http://schemas.openxmlformats.org/markup-compatibility/2006" xmlns:c="http://schemas.openxmlformats.org/drawingml/2006/chart" xmlns:ns6="http://schemas.openxmlformats.org/drawingml/2006/chartDrawing" xmlns:dgm="http://schemas.openxmlformats.org/drawingml/2006/diagram" xmlns:pic="http://schemas.openxmlformats.org/drawingml/2006/picture" xmlns:wp="http://schemas.openxmlformats.org/drawingml/2006/wordprocessingDrawing" xmlns:xdr="http://schemas.openxmlformats.org/drawingml/2006/spreadsheetDrawing" xmlns:ns11="http://schemas.openxmlformats.org/drawingml/2006/compatibility" xmlns:ns12="http://schemas.openxmlformats.org/drawingml/2006/lockedCanvas" type="title" preserve="true">
+<p:sldLayout xmlns:p="http://schemas.openxmlformats.org/presentationml/2006/main" xmlns:r="http://schemas.openxmlformats.org/officeDocument/2006/relationships" xmlns:a="http://schemas.openxmlformats.org/drawingml/2006/main" xmlns:mc="http://schemas.openxmlformats.org/markup-compatibility/2006" xmlns:c="http://schemas.openxmlformats.org/drawingml/2006/chart" xmlns:ns6="http://schemas.openxmlformats.org/drawingml/2006/chartDrawing" xmlns:dgm="http://schemas.openxmlformats.org/drawingml/2006/diagram" xmlns:pic="http://schemas.openxmlformats.org/drawingml/2006/picture" xmlns:wp="http://schemas.openxmlformats.org/drawingml/2006/wordprocessingDrawing" xmlns:xdr="http://schemas.openxmlformats.org/drawingml/2006/spreadsheetDrawing" xmlns:ns11="http://schemas.openxmlformats.org/drawingml/2006/compatibility" xmlns:ns12="http://schemas.openxmlformats.org/drawingml/2006/lockedCanvas" type="title" preserve="true">
   <p:cSld name="Title Slide">
     <p:spTree>
       <p:nvGrpSpPr>
@@ -315,7 +315,7 @@
 </file>
 
 <file path=ppt/slideLayouts/slideLayout10.xml><?xml version="1.0" encoding="utf-8"?>
-<p:sldLayout xmlns:p="http://schemas.openxmlformats.org/presentationml/2006/main" xmlns:a="http://schemas.openxmlformats.org/drawingml/2006/main" xmlns:r="http://schemas.openxmlformats.org/officeDocument/2006/relationships" xmlns:mc="http://schemas.openxmlformats.org/markup-compatibility/2006" xmlns:c="http://schemas.openxmlformats.org/drawingml/2006/chart" xmlns:ns6="http://schemas.openxmlformats.org/drawingml/2006/chartDrawing" xmlns:dgm="http://schemas.openxmlformats.org/drawingml/2006/diagram" xmlns:pic="http://schemas.openxmlformats.org/drawingml/2006/picture" xmlns:wp="http://schemas.openxmlformats.org/drawingml/2006/wordprocessingDrawing" xmlns:xdr="http://schemas.openxmlformats.org/drawingml/2006/spreadsheetDrawing" xmlns:ns11="http://schemas.openxmlformats.org/drawingml/2006/compatibility" xmlns:ns12="http://schemas.openxmlformats.org/drawingml/2006/lockedCanvas" type="vertTitleAndTx" preserve="true">
+<p:sldLayout xmlns:p="http://schemas.openxmlformats.org/presentationml/2006/main" xmlns:r="http://schemas.openxmlformats.org/officeDocument/2006/relationships" xmlns:a="http://schemas.openxmlformats.org/drawingml/2006/main" xmlns:mc="http://schemas.openxmlformats.org/markup-compatibility/2006" xmlns:c="http://schemas.openxmlformats.org/drawingml/2006/chart" xmlns:ns6="http://schemas.openxmlformats.org/drawingml/2006/chartDrawing" xmlns:dgm="http://schemas.openxmlformats.org/drawingml/2006/diagram" xmlns:pic="http://schemas.openxmlformats.org/drawingml/2006/picture" xmlns:wp="http://schemas.openxmlformats.org/drawingml/2006/wordprocessingDrawing" xmlns:xdr="http://schemas.openxmlformats.org/drawingml/2006/spreadsheetDrawing" xmlns:ns11="http://schemas.openxmlformats.org/drawingml/2006/compatibility" xmlns:ns12="http://schemas.openxmlformats.org/drawingml/2006/lockedCanvas" type="vertTitleAndTx" preserve="true">
   <p:cSld name="Vertical Title and Text">
     <p:spTree>
       <p:nvGrpSpPr>
@@ -502,7 +502,7 @@
 </file>
 
 <file path=ppt/slideLayouts/slideLayout2.xml><?xml version="1.0" encoding="utf-8"?>
-<p:sldLayout xmlns:p="http://schemas.openxmlformats.org/presentationml/2006/main" xmlns:a="http://schemas.openxmlformats.org/drawingml/2006/main" xmlns:r="http://schemas.openxmlformats.org/officeDocument/2006/relationships" xmlns:mc="http://schemas.openxmlformats.org/markup-compatibility/2006" xmlns:c="http://schemas.openxmlformats.org/drawingml/2006/chart" xmlns:ns6="http://schemas.openxmlformats.org/drawingml/2006/chartDrawing" xmlns:dgm="http://schemas.openxmlformats.org/drawingml/2006/diagram" xmlns:pic="http://schemas.openxmlformats.org/drawingml/2006/picture" xmlns:wp="http://schemas.openxmlformats.org/drawingml/2006/wordprocessingDrawing" xmlns:xdr="http://schemas.openxmlformats.org/drawingml/2006/spreadsheetDrawing" xmlns:ns11="http://schemas.openxmlformats.org/drawingml/2006/compatibility" xmlns:ns12="http://schemas.openxmlformats.org/drawingml/2006/lockedCanvas" type="obj" preserve="true">
+<p:sldLayout xmlns:p="http://schemas.openxmlformats.org/presentationml/2006/main" xmlns:r="http://schemas.openxmlformats.org/officeDocument/2006/relationships" xmlns:a="http://schemas.openxmlformats.org/drawingml/2006/main" xmlns:mc="http://schemas.openxmlformats.org/markup-compatibility/2006" xmlns:c="http://schemas.openxmlformats.org/drawingml/2006/chart" xmlns:ns6="http://schemas.openxmlformats.org/drawingml/2006/chartDrawing" xmlns:dgm="http://schemas.openxmlformats.org/drawingml/2006/diagram" xmlns:pic="http://schemas.openxmlformats.org/drawingml/2006/picture" xmlns:wp="http://schemas.openxmlformats.org/drawingml/2006/wordprocessingDrawing" xmlns:xdr="http://schemas.openxmlformats.org/drawingml/2006/spreadsheetDrawing" xmlns:ns11="http://schemas.openxmlformats.org/drawingml/2006/compatibility" xmlns:ns12="http://schemas.openxmlformats.org/drawingml/2006/lockedCanvas" type="obj" preserve="true">
   <p:cSld name="Title and Content">
     <p:spTree>
       <p:nvGrpSpPr>
@@ -684,7 +684,7 @@
 </file>
 
 <file path=ppt/slideLayouts/slideLayout3.xml><?xml version="1.0" encoding="utf-8"?>
-<p:sldLayout xmlns:p="http://schemas.openxmlformats.org/presentationml/2006/main" xmlns:a="http://schemas.openxmlformats.org/drawingml/2006/main" xmlns:r="http://schemas.openxmlformats.org/officeDocument/2006/relationships" xmlns:mc="http://schemas.openxmlformats.org/markup-compatibility/2006" xmlns:c="http://schemas.openxmlformats.org/drawingml/2006/chart" xmlns:ns6="http://schemas.openxmlformats.org/drawingml/2006/chartDrawing" xmlns:dgm="http://schemas.openxmlformats.org/drawingml/2006/diagram" xmlns:pic="http://schemas.openxmlformats.org/drawingml/2006/picture" xmlns:wp="http://schemas.openxmlformats.org/drawingml/2006/wordprocessingDrawing" xmlns:xdr="http://schemas.openxmlformats.org/drawingml/2006/spreadsheetDrawing" xmlns:ns11="http://schemas.openxmlformats.org/drawingml/2006/compatibility" xmlns:ns12="http://schemas.openxmlformats.org/drawingml/2006/lockedCanvas" type="secHead" preserve="true">
+<p:sldLayout xmlns:p="http://schemas.openxmlformats.org/presentationml/2006/main" xmlns:r="http://schemas.openxmlformats.org/officeDocument/2006/relationships" xmlns:a="http://schemas.openxmlformats.org/drawingml/2006/main" xmlns:mc="http://schemas.openxmlformats.org/markup-compatibility/2006" xmlns:c="http://schemas.openxmlformats.org/drawingml/2006/chart" xmlns:ns6="http://schemas.openxmlformats.org/drawingml/2006/chartDrawing" xmlns:dgm="http://schemas.openxmlformats.org/drawingml/2006/diagram" xmlns:pic="http://schemas.openxmlformats.org/drawingml/2006/picture" xmlns:wp="http://schemas.openxmlformats.org/drawingml/2006/wordprocessingDrawing" xmlns:xdr="http://schemas.openxmlformats.org/drawingml/2006/spreadsheetDrawing" xmlns:ns11="http://schemas.openxmlformats.org/drawingml/2006/compatibility" xmlns:ns12="http://schemas.openxmlformats.org/drawingml/2006/lockedCanvas" type="secHead" preserve="true">
   <p:cSld name="Section Header">
     <p:spTree>
       <p:nvGrpSpPr>
@@ -937,7 +937,7 @@
 </file>
 
 <file path=ppt/slideLayouts/slideLayout4.xml><?xml version="1.0" encoding="utf-8"?>
-<p:sldLayout xmlns:p="http://schemas.openxmlformats.org/presentationml/2006/main" xmlns:a="http://schemas.openxmlformats.org/drawingml/2006/main" xmlns:r="http://schemas.openxmlformats.org/officeDocument/2006/relationships" xmlns:mc="http://schemas.openxmlformats.org/markup-compatibility/2006" xmlns:c="http://schemas.openxmlformats.org/drawingml/2006/chart" xmlns:ns6="http://schemas.openxmlformats.org/drawingml/2006/chartDrawing" xmlns:dgm="http://schemas.openxmlformats.org/drawingml/2006/diagram" xmlns:pic="http://schemas.openxmlformats.org/drawingml/2006/picture" xmlns:wp="http://schemas.openxmlformats.org/drawingml/2006/wordprocessingDrawing" xmlns:xdr="http://schemas.openxmlformats.org/drawingml/2006/spreadsheetDrawing" xmlns:ns11="http://schemas.openxmlformats.org/drawingml/2006/compatibility" xmlns:ns12="http://schemas.openxmlformats.org/drawingml/2006/lockedCanvas" type="twoObj" preserve="true">
+<p:sldLayout xmlns:p="http://schemas.openxmlformats.org/presentationml/2006/main" xmlns:r="http://schemas.openxmlformats.org/officeDocument/2006/relationships" xmlns:a="http://schemas.openxmlformats.org/drawingml/2006/main" xmlns:mc="http://schemas.openxmlformats.org/markup-compatibility/2006" xmlns:c="http://schemas.openxmlformats.org/drawingml/2006/chart" xmlns:ns6="http://schemas.openxmlformats.org/drawingml/2006/chartDrawing" xmlns:dgm="http://schemas.openxmlformats.org/drawingml/2006/diagram" xmlns:pic="http://schemas.openxmlformats.org/drawingml/2006/picture" xmlns:wp="http://schemas.openxmlformats.org/drawingml/2006/wordprocessingDrawing" xmlns:xdr="http://schemas.openxmlformats.org/drawingml/2006/spreadsheetDrawing" xmlns:ns11="http://schemas.openxmlformats.org/drawingml/2006/compatibility" xmlns:ns12="http://schemas.openxmlformats.org/drawingml/2006/lockedCanvas" type="twoObj" preserve="true">
   <p:cSld name="Two Content">
     <p:spTree>
       <p:nvGrpSpPr>
@@ -1176,7 +1176,7 @@
 </file>
 
 <file path=ppt/slideLayouts/slideLayout5.xml><?xml version="1.0" encoding="utf-8"?>
-<p:sldLayout xmlns:p="http://schemas.openxmlformats.org/presentationml/2006/main" xmlns:a="http://schemas.openxmlformats.org/drawingml/2006/main" xmlns:r="http://schemas.openxmlformats.org/officeDocument/2006/relationships" xmlns:mc="http://schemas.openxmlformats.org/markup-compatibility/2006" xmlns:c="http://schemas.openxmlformats.org/drawingml/2006/chart" xmlns:ns6="http://schemas.openxmlformats.org/drawingml/2006/chartDrawing" xmlns:dgm="http://schemas.openxmlformats.org/drawingml/2006/diagram" xmlns:pic="http://schemas.openxmlformats.org/drawingml/2006/picture" xmlns:wp="http://schemas.openxmlformats.org/drawingml/2006/wordprocessingDrawing" xmlns:xdr="http://schemas.openxmlformats.org/drawingml/2006/spreadsheetDrawing" xmlns:ns11="http://schemas.openxmlformats.org/drawingml/2006/compatibility" xmlns:ns12="http://schemas.openxmlformats.org/drawingml/2006/lockedCanvas" type="twoTxTwoObj" preserve="true">
+<p:sldLayout xmlns:p="http://schemas.openxmlformats.org/presentationml/2006/main" xmlns:r="http://schemas.openxmlformats.org/officeDocument/2006/relationships" xmlns:a="http://schemas.openxmlformats.org/drawingml/2006/main" xmlns:mc="http://schemas.openxmlformats.org/markup-compatibility/2006" xmlns:c="http://schemas.openxmlformats.org/drawingml/2006/chart" xmlns:ns6="http://schemas.openxmlformats.org/drawingml/2006/chartDrawing" xmlns:dgm="http://schemas.openxmlformats.org/drawingml/2006/diagram" xmlns:pic="http://schemas.openxmlformats.org/drawingml/2006/picture" xmlns:wp="http://schemas.openxmlformats.org/drawingml/2006/wordprocessingDrawing" xmlns:xdr="http://schemas.openxmlformats.org/drawingml/2006/spreadsheetDrawing" xmlns:ns11="http://schemas.openxmlformats.org/drawingml/2006/compatibility" xmlns:ns12="http://schemas.openxmlformats.org/drawingml/2006/lockedCanvas" type="twoTxTwoObj" preserve="true">
   <p:cSld name="Comparison">
     <p:spTree>
       <p:nvGrpSpPr>
@@ -1531,7 +1531,7 @@
 </file>
 
 <file path=ppt/slideLayouts/slideLayout6.xml><?xml version="1.0" encoding="utf-8"?>
-<p:sldLayout xmlns:p="http://schemas.openxmlformats.org/presentationml/2006/main" xmlns:a="http://schemas.openxmlformats.org/drawingml/2006/main" xmlns:r="http://schemas.openxmlformats.org/officeDocument/2006/relationships" xmlns:mc="http://schemas.openxmlformats.org/markup-compatibility/2006" xmlns:c="http://schemas.openxmlformats.org/drawingml/2006/chart" xmlns:ns6="http://schemas.openxmlformats.org/drawingml/2006/chartDrawing" xmlns:dgm="http://schemas.openxmlformats.org/drawingml/2006/diagram" xmlns:pic="http://schemas.openxmlformats.org/drawingml/2006/picture" xmlns:wp="http://schemas.openxmlformats.org/drawingml/2006/wordprocessingDrawing" xmlns:xdr="http://schemas.openxmlformats.org/drawingml/2006/spreadsheetDrawing" xmlns:ns11="http://schemas.openxmlformats.org/drawingml/2006/compatibility" xmlns:ns12="http://schemas.openxmlformats.org/drawingml/2006/lockedCanvas" type="titleOnly" preserve="true">
+<p:sldLayout xmlns:p="http://schemas.openxmlformats.org/presentationml/2006/main" xmlns:r="http://schemas.openxmlformats.org/officeDocument/2006/relationships" xmlns:a="http://schemas.openxmlformats.org/drawingml/2006/main" xmlns:mc="http://schemas.openxmlformats.org/markup-compatibility/2006" xmlns:c="http://schemas.openxmlformats.org/drawingml/2006/chart" xmlns:ns6="http://schemas.openxmlformats.org/drawingml/2006/chartDrawing" xmlns:dgm="http://schemas.openxmlformats.org/drawingml/2006/diagram" xmlns:pic="http://schemas.openxmlformats.org/drawingml/2006/picture" xmlns:wp="http://schemas.openxmlformats.org/drawingml/2006/wordprocessingDrawing" xmlns:xdr="http://schemas.openxmlformats.org/drawingml/2006/spreadsheetDrawing" xmlns:ns11="http://schemas.openxmlformats.org/drawingml/2006/compatibility" xmlns:ns12="http://schemas.openxmlformats.org/drawingml/2006/lockedCanvas" type="titleOnly" preserve="true">
   <p:cSld name="Title Only">
     <p:spTree>
       <p:nvGrpSpPr>
@@ -1656,7 +1656,7 @@
 </file>
 
 <file path=ppt/slideLayouts/slideLayout7.xml><?xml version="1.0" encoding="utf-8"?>
-<p:sldLayout xmlns:p="http://schemas.openxmlformats.org/presentationml/2006/main" xmlns:a="http://schemas.openxmlformats.org/drawingml/2006/main" xmlns:r="http://schemas.openxmlformats.org/officeDocument/2006/relationships" xmlns:mc="http://schemas.openxmlformats.org/markup-compatibility/2006" xmlns:c="http://schemas.openxmlformats.org/drawingml/2006/chart" xmlns:ns6="http://schemas.openxmlformats.org/drawingml/2006/chartDrawing" xmlns:dgm="http://schemas.openxmlformats.org/drawingml/2006/diagram" xmlns:pic="http://schemas.openxmlformats.org/drawingml/2006/picture" xmlns:wp="http://schemas.openxmlformats.org/drawingml/2006/wordprocessingDrawing" xmlns:xdr="http://schemas.openxmlformats.org/drawingml/2006/spreadsheetDrawing" xmlns:ns11="http://schemas.openxmlformats.org/drawingml/2006/compatibility" xmlns:ns12="http://schemas.openxmlformats.org/drawingml/2006/lockedCanvas" type="blank" preserve="true">
+<p:sldLayout xmlns:p="http://schemas.openxmlformats.org/presentationml/2006/main" xmlns:r="http://schemas.openxmlformats.org/officeDocument/2006/relationships" xmlns:a="http://schemas.openxmlformats.org/drawingml/2006/main" xmlns:mc="http://schemas.openxmlformats.org/markup-compatibility/2006" xmlns:c="http://schemas.openxmlformats.org/drawingml/2006/chart" xmlns:ns6="http://schemas.openxmlformats.org/drawingml/2006/chartDrawing" xmlns:dgm="http://schemas.openxmlformats.org/drawingml/2006/diagram" xmlns:pic="http://schemas.openxmlformats.org/drawingml/2006/picture" xmlns:wp="http://schemas.openxmlformats.org/drawingml/2006/wordprocessingDrawing" xmlns:xdr="http://schemas.openxmlformats.org/drawingml/2006/spreadsheetDrawing" xmlns:ns11="http://schemas.openxmlformats.org/drawingml/2006/compatibility" xmlns:ns12="http://schemas.openxmlformats.org/drawingml/2006/lockedCanvas" type="blank" preserve="true">
   <p:cSld name="Blank">
     <p:spTree>
       <p:nvGrpSpPr>
@@ -1758,7 +1758,7 @@
 </file>
 
 <file path=ppt/slideLayouts/slideLayout8.xml><?xml version="1.0" encoding="utf-8"?>
-<p:sldLayout xmlns:p="http://schemas.openxmlformats.org/presentationml/2006/main" xmlns:a="http://schemas.openxmlformats.org/drawingml/2006/main" xmlns:r="http://schemas.openxmlformats.org/officeDocument/2006/relationships" xmlns:mc="http://schemas.openxmlformats.org/markup-compatibility/2006" xmlns:c="http://schemas.openxmlformats.org/drawingml/2006/chart" xmlns:ns6="http://schemas.openxmlformats.org/drawingml/2006/chartDrawing" xmlns:dgm="http://schemas.openxmlformats.org/drawingml/2006/diagram" xmlns:pic="http://schemas.openxmlformats.org/drawingml/2006/picture" xmlns:wp="http://schemas.openxmlformats.org/drawingml/2006/wordprocessingDrawing" xmlns:xdr="http://schemas.openxmlformats.org/drawingml/2006/spreadsheetDrawing" xmlns:ns11="http://schemas.openxmlformats.org/drawingml/2006/compatibility" xmlns:ns12="http://schemas.openxmlformats.org/drawingml/2006/lockedCanvas" type="objTx" preserve="true">
+<p:sldLayout xmlns:p="http://schemas.openxmlformats.org/presentationml/2006/main" xmlns:r="http://schemas.openxmlformats.org/officeDocument/2006/relationships" xmlns:a="http://schemas.openxmlformats.org/drawingml/2006/main" xmlns:mc="http://schemas.openxmlformats.org/markup-compatibility/2006" xmlns:c="http://schemas.openxmlformats.org/drawingml/2006/chart" xmlns:ns6="http://schemas.openxmlformats.org/drawingml/2006/chartDrawing" xmlns:dgm="http://schemas.openxmlformats.org/drawingml/2006/diagram" xmlns:pic="http://schemas.openxmlformats.org/drawingml/2006/picture" xmlns:wp="http://schemas.openxmlformats.org/drawingml/2006/wordprocessingDrawing" xmlns:xdr="http://schemas.openxmlformats.org/drawingml/2006/spreadsheetDrawing" xmlns:ns11="http://schemas.openxmlformats.org/drawingml/2006/compatibility" xmlns:ns12="http://schemas.openxmlformats.org/drawingml/2006/lockedCanvas" type="objTx" preserve="true">
   <p:cSld name="Content with Caption">
     <p:spTree>
       <p:nvGrpSpPr>
@@ -2042,7 +2042,7 @@
 </file>
 
 <file path=ppt/slideLayouts/slideLayout9.xml><?xml version="1.0" encoding="utf-8"?>
-<p:sldLayout xmlns:p="http://schemas.openxmlformats.org/presentationml/2006/main" xmlns:a="http://schemas.openxmlformats.org/drawingml/2006/main" xmlns:r="http://schemas.openxmlformats.org/officeDocument/2006/relationships" xmlns:mc="http://schemas.openxmlformats.org/markup-compatibility/2006" xmlns:c="http://schemas.openxmlformats.org/drawingml/2006/chart" xmlns:ns6="http://schemas.openxmlformats.org/drawingml/2006/chartDrawing" xmlns:dgm="http://schemas.openxmlformats.org/drawingml/2006/diagram" xmlns:pic="http://schemas.openxmlformats.org/drawingml/2006/picture" xmlns:wp="http://schemas.openxmlformats.org/drawingml/2006/wordprocessingDrawing" xmlns:xdr="http://schemas.openxmlformats.org/drawingml/2006/spreadsheetDrawing" xmlns:ns11="http://schemas.openxmlformats.org/drawingml/2006/compatibility" xmlns:ns12="http://schemas.openxmlformats.org/drawingml/2006/lockedCanvas" type="vertTx" preserve="true">
+<p:sldLayout xmlns:p="http://schemas.openxmlformats.org/presentationml/2006/main" xmlns:r="http://schemas.openxmlformats.org/officeDocument/2006/relationships" xmlns:a="http://schemas.openxmlformats.org/drawingml/2006/main" xmlns:mc="http://schemas.openxmlformats.org/markup-compatibility/2006" xmlns:c="http://schemas.openxmlformats.org/drawingml/2006/chart" xmlns:ns6="http://schemas.openxmlformats.org/drawingml/2006/chartDrawing" xmlns:dgm="http://schemas.openxmlformats.org/drawingml/2006/diagram" xmlns:pic="http://schemas.openxmlformats.org/drawingml/2006/picture" xmlns:wp="http://schemas.openxmlformats.org/drawingml/2006/wordprocessingDrawing" xmlns:xdr="http://schemas.openxmlformats.org/drawingml/2006/spreadsheetDrawing" xmlns:ns11="http://schemas.openxmlformats.org/drawingml/2006/compatibility" xmlns:ns12="http://schemas.openxmlformats.org/drawingml/2006/lockedCanvas" type="vertTx" preserve="true">
   <p:cSld name="Title and Vertical Text">
     <p:spTree>
       <p:nvGrpSpPr>
@@ -2219,7 +2219,7 @@
 </file>
 
 <file path=ppt/slideMasters/slideMaster1.xml><?xml version="1.0" encoding="utf-8"?>
-<p:sldMaster xmlns:p="http://schemas.openxmlformats.org/presentationml/2006/main" xmlns:a="http://schemas.openxmlformats.org/drawingml/2006/main" xmlns:r="http://schemas.openxmlformats.org/officeDocument/2006/relationships" xmlns:mc="http://schemas.openxmlformats.org/markup-compatibility/2006" xmlns:c="http://schemas.openxmlformats.org/drawingml/2006/chart" xmlns:ns6="http://schemas.openxmlformats.org/drawingml/2006/chartDrawing" xmlns:dgm="http://schemas.openxmlformats.org/drawingml/2006/diagram" xmlns:pic="http://schemas.openxmlformats.org/drawingml/2006/picture" xmlns:wp="http://schemas.openxmlformats.org/drawingml/2006/wordprocessingDrawing" xmlns:xdr="http://schemas.openxmlformats.org/drawingml/2006/spreadsheetDrawing" xmlns:ns11="http://schemas.openxmlformats.org/drawingml/2006/compatibility" xmlns:ns12="http://schemas.openxmlformats.org/drawingml/2006/lockedCanvas">
+<p:sldMaster xmlns:p="http://schemas.openxmlformats.org/presentationml/2006/main" xmlns:r="http://schemas.openxmlformats.org/officeDocument/2006/relationships" xmlns:a="http://schemas.openxmlformats.org/drawingml/2006/main" xmlns:mc="http://schemas.openxmlformats.org/markup-compatibility/2006" xmlns:c="http://schemas.openxmlformats.org/drawingml/2006/chart" xmlns:ns6="http://schemas.openxmlformats.org/drawingml/2006/chartDrawing" xmlns:dgm="http://schemas.openxmlformats.org/drawingml/2006/diagram" xmlns:pic="http://schemas.openxmlformats.org/drawingml/2006/picture" xmlns:wp="http://schemas.openxmlformats.org/drawingml/2006/wordprocessingDrawing" xmlns:xdr="http://schemas.openxmlformats.org/drawingml/2006/spreadsheetDrawing" xmlns:ns11="http://schemas.openxmlformats.org/drawingml/2006/compatibility" xmlns:ns12="http://schemas.openxmlformats.org/drawingml/2006/lockedCanvas">
   <p:cSld>
     <p:bg>
       <p:bgRef idx="1001">
@@ -2765,7 +2765,7 @@
 </file>
 
 <file path=ppt/slides/slide1.xml><?xml version="1.0" encoding="utf-8"?>
-<p:sld xmlns:p="http://schemas.openxmlformats.org/presentationml/2006/main" xmlns:a="http://schemas.openxmlformats.org/drawingml/2006/main" xmlns:r="http://schemas.openxmlformats.org/officeDocument/2006/relationships" xmlns:mc="http://schemas.openxmlformats.org/markup-compatibility/2006" xmlns:c="http://schemas.openxmlformats.org/drawingml/2006/chart" xmlns:ns6="http://schemas.openxmlformats.org/drawingml/2006/chartDrawing" xmlns:dgm="http://schemas.openxmlformats.org/drawingml/2006/diagram" xmlns:pic="http://schemas.openxmlformats.org/drawingml/2006/picture" xmlns:wp="http://schemas.openxmlformats.org/drawingml/2006/wordprocessingDrawing" xmlns:xdr="http://schemas.openxmlformats.org/drawingml/2006/spreadsheetDrawing" xmlns:ns11="http://schemas.openxmlformats.org/drawingml/2006/compatibility" xmlns:ns12="http://schemas.openxmlformats.org/drawingml/2006/lockedCanvas">
+<p:sld xmlns:p="http://schemas.openxmlformats.org/presentationml/2006/main" xmlns:r="http://schemas.openxmlformats.org/officeDocument/2006/relationships" xmlns:a="http://schemas.openxmlformats.org/drawingml/2006/main" xmlns:mc="http://schemas.openxmlformats.org/markup-compatibility/2006" xmlns:c="http://schemas.openxmlformats.org/drawingml/2006/chart" xmlns:ns6="http://schemas.openxmlformats.org/drawingml/2006/chartDrawing" xmlns:dgm="http://schemas.openxmlformats.org/drawingml/2006/diagram" xmlns:pic="http://schemas.openxmlformats.org/drawingml/2006/picture" xmlns:wp="http://schemas.openxmlformats.org/drawingml/2006/wordprocessingDrawing" xmlns:xdr="http://schemas.openxmlformats.org/drawingml/2006/spreadsheetDrawing" xmlns:ns11="http://schemas.openxmlformats.org/drawingml/2006/compatibility" xmlns:ns12="http://schemas.openxmlformats.org/drawingml/2006/lockedCanvas">
   <p:cSld>
     <p:spTree>
       <p:nvGrpSpPr>
@@ -2827,7 +2827,7 @@
 </file>
 
 <file path=ppt/slides/slide2.xml><?xml version="1.0" encoding="utf-8"?>
-<p:sld xmlns:p="http://schemas.openxmlformats.org/presentationml/2006/main" xmlns:a="http://schemas.openxmlformats.org/drawingml/2006/main" xmlns:r="http://schemas.openxmlformats.org/officeDocument/2006/relationships" xmlns:mc="http://schemas.openxmlformats.org/markup-compatibility/2006" xmlns:c="http://schemas.openxmlformats.org/drawingml/2006/chart" xmlns:ns6="http://schemas.openxmlformats.org/drawingml/2006/chartDrawing" xmlns:dgm="http://schemas.openxmlformats.org/drawingml/2006/diagram" xmlns:pic="http://schemas.openxmlformats.org/drawingml/2006/picture" xmlns:wp="http://schemas.openxmlformats.org/drawingml/2006/wordprocessingDrawing" xmlns:xdr="http://schemas.openxmlformats.org/drawingml/2006/spreadsheetDrawing" xmlns:ns11="http://schemas.openxmlformats.org/drawingml/2006/compatibility" xmlns:ns12="http://schemas.openxmlformats.org/drawingml/2006/lockedCanvas">
+<p:sld xmlns:p="http://schemas.openxmlformats.org/presentationml/2006/main" xmlns:r="http://schemas.openxmlformats.org/officeDocument/2006/relationships" xmlns:a="http://schemas.openxmlformats.org/drawingml/2006/main" xmlns:mc="http://schemas.openxmlformats.org/markup-compatibility/2006" xmlns:c="http://schemas.openxmlformats.org/drawingml/2006/chart" xmlns:ns6="http://schemas.openxmlformats.org/drawingml/2006/chartDrawing" xmlns:dgm="http://schemas.openxmlformats.org/drawingml/2006/diagram" xmlns:pic="http://schemas.openxmlformats.org/drawingml/2006/picture" xmlns:wp="http://schemas.openxmlformats.org/drawingml/2006/wordprocessingDrawing" xmlns:xdr="http://schemas.openxmlformats.org/drawingml/2006/spreadsheetDrawing" xmlns:ns11="http://schemas.openxmlformats.org/drawingml/2006/compatibility" xmlns:ns12="http://schemas.openxmlformats.org/drawingml/2006/lockedCanvas">
   <p:cSld>
     <p:spTree>
       <p:nvGrpSpPr>
@@ -3008,7 +3008,7 @@
 </file>
 
 <file path=ppt/slides/slide3.xml><?xml version="1.0" encoding="utf-8"?>
-<p:sld xmlns:p="http://schemas.openxmlformats.org/presentationml/2006/main" xmlns:a="http://schemas.openxmlformats.org/drawingml/2006/main" xmlns:r="http://schemas.openxmlformats.org/officeDocument/2006/relationships" xmlns:mc="http://schemas.openxmlformats.org/markup-compatibility/2006" xmlns:c="http://schemas.openxmlformats.org/drawingml/2006/chart" xmlns:ns6="http://schemas.openxmlformats.org/drawingml/2006/chartDrawing" xmlns:dgm="http://schemas.openxmlformats.org/drawingml/2006/diagram" xmlns:pic="http://schemas.openxmlformats.org/drawingml/2006/picture" xmlns:wp="http://schemas.openxmlformats.org/drawingml/2006/wordprocessingDrawing" xmlns:xdr="http://schemas.openxmlformats.org/drawingml/2006/spreadsheetDrawing" xmlns:ns11="http://schemas.openxmlformats.org/drawingml/2006/compatibility" xmlns:ns12="http://schemas.openxmlformats.org/drawingml/2006/lockedCanvas">
+<p:sld xmlns:p="http://schemas.openxmlformats.org/presentationml/2006/main" xmlns:r="http://schemas.openxmlformats.org/officeDocument/2006/relationships" xmlns:a="http://schemas.openxmlformats.org/drawingml/2006/main" xmlns:mc="http://schemas.openxmlformats.org/markup-compatibility/2006" xmlns:c="http://schemas.openxmlformats.org/drawingml/2006/chart" xmlns:ns6="http://schemas.openxmlformats.org/drawingml/2006/chartDrawing" xmlns:dgm="http://schemas.openxmlformats.org/drawingml/2006/diagram" xmlns:pic="http://schemas.openxmlformats.org/drawingml/2006/picture" xmlns:wp="http://schemas.openxmlformats.org/drawingml/2006/wordprocessingDrawing" xmlns:xdr="http://schemas.openxmlformats.org/drawingml/2006/spreadsheetDrawing" xmlns:ns11="http://schemas.openxmlformats.org/drawingml/2006/compatibility" xmlns:ns12="http://schemas.openxmlformats.org/drawingml/2006/lockedCanvas">
   <p:cSld>
     <p:spTree>
       <p:nvGrpSpPr>
@@ -10787,7 +10787,7 @@
 </file>
 
 <file path=ppt/slides/slide4.xml><?xml version="1.0" encoding="utf-8"?>
-<p:sld xmlns:p="http://schemas.openxmlformats.org/presentationml/2006/main" xmlns:a="http://schemas.openxmlformats.org/drawingml/2006/main" xmlns:r="http://schemas.openxmlformats.org/officeDocument/2006/relationships" xmlns:mc="http://schemas.openxmlformats.org/markup-compatibility/2006" xmlns:c="http://schemas.openxmlformats.org/drawingml/2006/chart" xmlns:ns6="http://schemas.openxmlformats.org/drawingml/2006/chartDrawing" xmlns:dgm="http://schemas.openxmlformats.org/drawingml/2006/diagram" xmlns:pic="http://schemas.openxmlformats.org/drawingml/2006/picture" xmlns:wp="http://schemas.openxmlformats.org/drawingml/2006/wordprocessingDrawing" xmlns:xdr="http://schemas.openxmlformats.org/drawingml/2006/spreadsheetDrawing" xmlns:ns11="http://schemas.openxmlformats.org/drawingml/2006/compatibility" xmlns:ns12="http://schemas.openxmlformats.org/drawingml/2006/lockedCanvas">
+<p:sld xmlns:p="http://schemas.openxmlformats.org/presentationml/2006/main" xmlns:r="http://schemas.openxmlformats.org/officeDocument/2006/relationships" xmlns:a="http://schemas.openxmlformats.org/drawingml/2006/main" xmlns:mc="http://schemas.openxmlformats.org/markup-compatibility/2006" xmlns:c="http://schemas.openxmlformats.org/drawingml/2006/chart" xmlns:ns6="http://schemas.openxmlformats.org/drawingml/2006/chartDrawing" xmlns:dgm="http://schemas.openxmlformats.org/drawingml/2006/diagram" xmlns:pic="http://schemas.openxmlformats.org/drawingml/2006/picture" xmlns:wp="http://schemas.openxmlformats.org/drawingml/2006/wordprocessingDrawing" xmlns:xdr="http://schemas.openxmlformats.org/drawingml/2006/spreadsheetDrawing" xmlns:ns11="http://schemas.openxmlformats.org/drawingml/2006/compatibility" xmlns:ns12="http://schemas.openxmlformats.org/drawingml/2006/lockedCanvas">
   <p:cSld>
     <p:spTree>
       <p:nvGrpSpPr>

--- a/docs/reference/presentation_example.pptx
+++ b/docs/reference/presentation_example.pptx
@@ -1,14 +1,14 @@
 
 <file path=ppt/presentation.xml><?xml version="1.0" encoding="utf-8"?>
-<p:presentation xmlns:p="http://schemas.openxmlformats.org/presentationml/2006/main" xmlns:r="http://schemas.openxmlformats.org/officeDocument/2006/relationships" xmlns:a="http://schemas.openxmlformats.org/drawingml/2006/main" xmlns:mc="http://schemas.openxmlformats.org/markup-compatibility/2006" xmlns:c="http://schemas.openxmlformats.org/drawingml/2006/chart" xmlns:ns6="http://schemas.openxmlformats.org/drawingml/2006/chartDrawing" xmlns:dgm="http://schemas.openxmlformats.org/drawingml/2006/diagram" xmlns:pic="http://schemas.openxmlformats.org/drawingml/2006/picture" xmlns:wp="http://schemas.openxmlformats.org/drawingml/2006/wordprocessingDrawing" xmlns:xdr="http://schemas.openxmlformats.org/drawingml/2006/spreadsheetDrawing" xmlns:ns11="http://schemas.openxmlformats.org/drawingml/2006/compatibility" xmlns:ns12="http://schemas.openxmlformats.org/drawingml/2006/lockedCanvas" saveSubsetFonts="true">
+<p:presentation xmlns:p="http://schemas.openxmlformats.org/presentationml/2006/main" xmlns:a="http://schemas.openxmlformats.org/drawingml/2006/main" xmlns:r="http://schemas.openxmlformats.org/officeDocument/2006/relationships" xmlns:mc="http://schemas.openxmlformats.org/markup-compatibility/2006" xmlns:c="http://schemas.openxmlformats.org/drawingml/2006/chart" xmlns:ns6="http://schemas.openxmlformats.org/drawingml/2006/chartDrawing" xmlns:dgm="http://schemas.openxmlformats.org/drawingml/2006/diagram" xmlns:pic="http://schemas.openxmlformats.org/drawingml/2006/picture" xmlns:wp="http://schemas.openxmlformats.org/drawingml/2006/wordprocessingDrawing" xmlns:xdr="http://schemas.openxmlformats.org/drawingml/2006/spreadsheetDrawing" xmlns:ns11="http://schemas.openxmlformats.org/drawingml/2006/compatibility" xmlns:ns12="http://schemas.openxmlformats.org/drawingml/2006/lockedCanvas" saveSubsetFonts="true">
   <p:sldMasterIdLst>
     <p:sldMasterId id="2147483648" r:id="rId1"/>
   </p:sldMasterIdLst>
   <p:sldIdLst>
-    <p:sldId id="1027259839" r:id="rId6"/>
-    <p:sldId id="146040286" r:id="rId7"/>
-    <p:sldId id="1188959533" r:id="rId8"/>
-    <p:sldId id="1124578752" r:id="rId9"/>
+    <p:sldId id="703475284" r:id="rId6"/>
+    <p:sldId id="517516421" r:id="rId7"/>
+    <p:sldId id="578867322" r:id="rId8"/>
+    <p:sldId id="385189854" r:id="rId9"/>
   </p:sldIdLst>
   <p:sldSz cx="12192000" cy="6858000"/>
   <p:notesSz cx="6858000" cy="9144000"/>
@@ -116,7 +116,7 @@
 </file>
 
 <file path=ppt/slideLayouts/slideLayout1.xml><?xml version="1.0" encoding="utf-8"?>
-<p:sldLayout xmlns:p="http://schemas.openxmlformats.org/presentationml/2006/main" xmlns:r="http://schemas.openxmlformats.org/officeDocument/2006/relationships" xmlns:a="http://schemas.openxmlformats.org/drawingml/2006/main" xmlns:mc="http://schemas.openxmlformats.org/markup-compatibility/2006" xmlns:c="http://schemas.openxmlformats.org/drawingml/2006/chart" xmlns:ns6="http://schemas.openxmlformats.org/drawingml/2006/chartDrawing" xmlns:dgm="http://schemas.openxmlformats.org/drawingml/2006/diagram" xmlns:pic="http://schemas.openxmlformats.org/drawingml/2006/picture" xmlns:wp="http://schemas.openxmlformats.org/drawingml/2006/wordprocessingDrawing" xmlns:xdr="http://schemas.openxmlformats.org/drawingml/2006/spreadsheetDrawing" xmlns:ns11="http://schemas.openxmlformats.org/drawingml/2006/compatibility" xmlns:ns12="http://schemas.openxmlformats.org/drawingml/2006/lockedCanvas" type="title" preserve="true">
+<p:sldLayout xmlns:p="http://schemas.openxmlformats.org/presentationml/2006/main" xmlns:a="http://schemas.openxmlformats.org/drawingml/2006/main" xmlns:r="http://schemas.openxmlformats.org/officeDocument/2006/relationships" xmlns:mc="http://schemas.openxmlformats.org/markup-compatibility/2006" xmlns:c="http://schemas.openxmlformats.org/drawingml/2006/chart" xmlns:ns6="http://schemas.openxmlformats.org/drawingml/2006/chartDrawing" xmlns:dgm="http://schemas.openxmlformats.org/drawingml/2006/diagram" xmlns:pic="http://schemas.openxmlformats.org/drawingml/2006/picture" xmlns:wp="http://schemas.openxmlformats.org/drawingml/2006/wordprocessingDrawing" xmlns:xdr="http://schemas.openxmlformats.org/drawingml/2006/spreadsheetDrawing" xmlns:ns11="http://schemas.openxmlformats.org/drawingml/2006/compatibility" xmlns:ns12="http://schemas.openxmlformats.org/drawingml/2006/lockedCanvas" type="title" preserve="true">
   <p:cSld name="Title Slide">
     <p:spTree>
       <p:nvGrpSpPr>
@@ -315,7 +315,7 @@
 </file>
 
 <file path=ppt/slideLayouts/slideLayout10.xml><?xml version="1.0" encoding="utf-8"?>
-<p:sldLayout xmlns:p="http://schemas.openxmlformats.org/presentationml/2006/main" xmlns:r="http://schemas.openxmlformats.org/officeDocument/2006/relationships" xmlns:a="http://schemas.openxmlformats.org/drawingml/2006/main" xmlns:mc="http://schemas.openxmlformats.org/markup-compatibility/2006" xmlns:c="http://schemas.openxmlformats.org/drawingml/2006/chart" xmlns:ns6="http://schemas.openxmlformats.org/drawingml/2006/chartDrawing" xmlns:dgm="http://schemas.openxmlformats.org/drawingml/2006/diagram" xmlns:pic="http://schemas.openxmlformats.org/drawingml/2006/picture" xmlns:wp="http://schemas.openxmlformats.org/drawingml/2006/wordprocessingDrawing" xmlns:xdr="http://schemas.openxmlformats.org/drawingml/2006/spreadsheetDrawing" xmlns:ns11="http://schemas.openxmlformats.org/drawingml/2006/compatibility" xmlns:ns12="http://schemas.openxmlformats.org/drawingml/2006/lockedCanvas" type="vertTitleAndTx" preserve="true">
+<p:sldLayout xmlns:p="http://schemas.openxmlformats.org/presentationml/2006/main" xmlns:a="http://schemas.openxmlformats.org/drawingml/2006/main" xmlns:r="http://schemas.openxmlformats.org/officeDocument/2006/relationships" xmlns:mc="http://schemas.openxmlformats.org/markup-compatibility/2006" xmlns:c="http://schemas.openxmlformats.org/drawingml/2006/chart" xmlns:ns6="http://schemas.openxmlformats.org/drawingml/2006/chartDrawing" xmlns:dgm="http://schemas.openxmlformats.org/drawingml/2006/diagram" xmlns:pic="http://schemas.openxmlformats.org/drawingml/2006/picture" xmlns:wp="http://schemas.openxmlformats.org/drawingml/2006/wordprocessingDrawing" xmlns:xdr="http://schemas.openxmlformats.org/drawingml/2006/spreadsheetDrawing" xmlns:ns11="http://schemas.openxmlformats.org/drawingml/2006/compatibility" xmlns:ns12="http://schemas.openxmlformats.org/drawingml/2006/lockedCanvas" type="vertTitleAndTx" preserve="true">
   <p:cSld name="Vertical Title and Text">
     <p:spTree>
       <p:nvGrpSpPr>
@@ -502,7 +502,7 @@
 </file>
 
 <file path=ppt/slideLayouts/slideLayout2.xml><?xml version="1.0" encoding="utf-8"?>
-<p:sldLayout xmlns:p="http://schemas.openxmlformats.org/presentationml/2006/main" xmlns:r="http://schemas.openxmlformats.org/officeDocument/2006/relationships" xmlns:a="http://schemas.openxmlformats.org/drawingml/2006/main" xmlns:mc="http://schemas.openxmlformats.org/markup-compatibility/2006" xmlns:c="http://schemas.openxmlformats.org/drawingml/2006/chart" xmlns:ns6="http://schemas.openxmlformats.org/drawingml/2006/chartDrawing" xmlns:dgm="http://schemas.openxmlformats.org/drawingml/2006/diagram" xmlns:pic="http://schemas.openxmlformats.org/drawingml/2006/picture" xmlns:wp="http://schemas.openxmlformats.org/drawingml/2006/wordprocessingDrawing" xmlns:xdr="http://schemas.openxmlformats.org/drawingml/2006/spreadsheetDrawing" xmlns:ns11="http://schemas.openxmlformats.org/drawingml/2006/compatibility" xmlns:ns12="http://schemas.openxmlformats.org/drawingml/2006/lockedCanvas" type="obj" preserve="true">
+<p:sldLayout xmlns:p="http://schemas.openxmlformats.org/presentationml/2006/main" xmlns:a="http://schemas.openxmlformats.org/drawingml/2006/main" xmlns:r="http://schemas.openxmlformats.org/officeDocument/2006/relationships" xmlns:mc="http://schemas.openxmlformats.org/markup-compatibility/2006" xmlns:c="http://schemas.openxmlformats.org/drawingml/2006/chart" xmlns:ns6="http://schemas.openxmlformats.org/drawingml/2006/chartDrawing" xmlns:dgm="http://schemas.openxmlformats.org/drawingml/2006/diagram" xmlns:pic="http://schemas.openxmlformats.org/drawingml/2006/picture" xmlns:wp="http://schemas.openxmlformats.org/drawingml/2006/wordprocessingDrawing" xmlns:xdr="http://schemas.openxmlformats.org/drawingml/2006/spreadsheetDrawing" xmlns:ns11="http://schemas.openxmlformats.org/drawingml/2006/compatibility" xmlns:ns12="http://schemas.openxmlformats.org/drawingml/2006/lockedCanvas" type="obj" preserve="true">
   <p:cSld name="Title and Content">
     <p:spTree>
       <p:nvGrpSpPr>
@@ -684,7 +684,7 @@
 </file>
 
 <file path=ppt/slideLayouts/slideLayout3.xml><?xml version="1.0" encoding="utf-8"?>
-<p:sldLayout xmlns:p="http://schemas.openxmlformats.org/presentationml/2006/main" xmlns:r="http://schemas.openxmlformats.org/officeDocument/2006/relationships" xmlns:a="http://schemas.openxmlformats.org/drawingml/2006/main" xmlns:mc="http://schemas.openxmlformats.org/markup-compatibility/2006" xmlns:c="http://schemas.openxmlformats.org/drawingml/2006/chart" xmlns:ns6="http://schemas.openxmlformats.org/drawingml/2006/chartDrawing" xmlns:dgm="http://schemas.openxmlformats.org/drawingml/2006/diagram" xmlns:pic="http://schemas.openxmlformats.org/drawingml/2006/picture" xmlns:wp="http://schemas.openxmlformats.org/drawingml/2006/wordprocessingDrawing" xmlns:xdr="http://schemas.openxmlformats.org/drawingml/2006/spreadsheetDrawing" xmlns:ns11="http://schemas.openxmlformats.org/drawingml/2006/compatibility" xmlns:ns12="http://schemas.openxmlformats.org/drawingml/2006/lockedCanvas" type="secHead" preserve="true">
+<p:sldLayout xmlns:p="http://schemas.openxmlformats.org/presentationml/2006/main" xmlns:a="http://schemas.openxmlformats.org/drawingml/2006/main" xmlns:r="http://schemas.openxmlformats.org/officeDocument/2006/relationships" xmlns:mc="http://schemas.openxmlformats.org/markup-compatibility/2006" xmlns:c="http://schemas.openxmlformats.org/drawingml/2006/chart" xmlns:ns6="http://schemas.openxmlformats.org/drawingml/2006/chartDrawing" xmlns:dgm="http://schemas.openxmlformats.org/drawingml/2006/diagram" xmlns:pic="http://schemas.openxmlformats.org/drawingml/2006/picture" xmlns:wp="http://schemas.openxmlformats.org/drawingml/2006/wordprocessingDrawing" xmlns:xdr="http://schemas.openxmlformats.org/drawingml/2006/spreadsheetDrawing" xmlns:ns11="http://schemas.openxmlformats.org/drawingml/2006/compatibility" xmlns:ns12="http://schemas.openxmlformats.org/drawingml/2006/lockedCanvas" type="secHead" preserve="true">
   <p:cSld name="Section Header">
     <p:spTree>
       <p:nvGrpSpPr>
@@ -937,7 +937,7 @@
 </file>
 
 <file path=ppt/slideLayouts/slideLayout4.xml><?xml version="1.0" encoding="utf-8"?>
-<p:sldLayout xmlns:p="http://schemas.openxmlformats.org/presentationml/2006/main" xmlns:r="http://schemas.openxmlformats.org/officeDocument/2006/relationships" xmlns:a="http://schemas.openxmlformats.org/drawingml/2006/main" xmlns:mc="http://schemas.openxmlformats.org/markup-compatibility/2006" xmlns:c="http://schemas.openxmlformats.org/drawingml/2006/chart" xmlns:ns6="http://schemas.openxmlformats.org/drawingml/2006/chartDrawing" xmlns:dgm="http://schemas.openxmlformats.org/drawingml/2006/diagram" xmlns:pic="http://schemas.openxmlformats.org/drawingml/2006/picture" xmlns:wp="http://schemas.openxmlformats.org/drawingml/2006/wordprocessingDrawing" xmlns:xdr="http://schemas.openxmlformats.org/drawingml/2006/spreadsheetDrawing" xmlns:ns11="http://schemas.openxmlformats.org/drawingml/2006/compatibility" xmlns:ns12="http://schemas.openxmlformats.org/drawingml/2006/lockedCanvas" type="twoObj" preserve="true">
+<p:sldLayout xmlns:p="http://schemas.openxmlformats.org/presentationml/2006/main" xmlns:a="http://schemas.openxmlformats.org/drawingml/2006/main" xmlns:r="http://schemas.openxmlformats.org/officeDocument/2006/relationships" xmlns:mc="http://schemas.openxmlformats.org/markup-compatibility/2006" xmlns:c="http://schemas.openxmlformats.org/drawingml/2006/chart" xmlns:ns6="http://schemas.openxmlformats.org/drawingml/2006/chartDrawing" xmlns:dgm="http://schemas.openxmlformats.org/drawingml/2006/diagram" xmlns:pic="http://schemas.openxmlformats.org/drawingml/2006/picture" xmlns:wp="http://schemas.openxmlformats.org/drawingml/2006/wordprocessingDrawing" xmlns:xdr="http://schemas.openxmlformats.org/drawingml/2006/spreadsheetDrawing" xmlns:ns11="http://schemas.openxmlformats.org/drawingml/2006/compatibility" xmlns:ns12="http://schemas.openxmlformats.org/drawingml/2006/lockedCanvas" type="twoObj" preserve="true">
   <p:cSld name="Two Content">
     <p:spTree>
       <p:nvGrpSpPr>
@@ -1176,7 +1176,7 @@
 </file>
 
 <file path=ppt/slideLayouts/slideLayout5.xml><?xml version="1.0" encoding="utf-8"?>
-<p:sldLayout xmlns:p="http://schemas.openxmlformats.org/presentationml/2006/main" xmlns:r="http://schemas.openxmlformats.org/officeDocument/2006/relationships" xmlns:a="http://schemas.openxmlformats.org/drawingml/2006/main" xmlns:mc="http://schemas.openxmlformats.org/markup-compatibility/2006" xmlns:c="http://schemas.openxmlformats.org/drawingml/2006/chart" xmlns:ns6="http://schemas.openxmlformats.org/drawingml/2006/chartDrawing" xmlns:dgm="http://schemas.openxmlformats.org/drawingml/2006/diagram" xmlns:pic="http://schemas.openxmlformats.org/drawingml/2006/picture" xmlns:wp="http://schemas.openxmlformats.org/drawingml/2006/wordprocessingDrawing" xmlns:xdr="http://schemas.openxmlformats.org/drawingml/2006/spreadsheetDrawing" xmlns:ns11="http://schemas.openxmlformats.org/drawingml/2006/compatibility" xmlns:ns12="http://schemas.openxmlformats.org/drawingml/2006/lockedCanvas" type="twoTxTwoObj" preserve="true">
+<p:sldLayout xmlns:p="http://schemas.openxmlformats.org/presentationml/2006/main" xmlns:a="http://schemas.openxmlformats.org/drawingml/2006/main" xmlns:r="http://schemas.openxmlformats.org/officeDocument/2006/relationships" xmlns:mc="http://schemas.openxmlformats.org/markup-compatibility/2006" xmlns:c="http://schemas.openxmlformats.org/drawingml/2006/chart" xmlns:ns6="http://schemas.openxmlformats.org/drawingml/2006/chartDrawing" xmlns:dgm="http://schemas.openxmlformats.org/drawingml/2006/diagram" xmlns:pic="http://schemas.openxmlformats.org/drawingml/2006/picture" xmlns:wp="http://schemas.openxmlformats.org/drawingml/2006/wordprocessingDrawing" xmlns:xdr="http://schemas.openxmlformats.org/drawingml/2006/spreadsheetDrawing" xmlns:ns11="http://schemas.openxmlformats.org/drawingml/2006/compatibility" xmlns:ns12="http://schemas.openxmlformats.org/drawingml/2006/lockedCanvas" type="twoTxTwoObj" preserve="true">
   <p:cSld name="Comparison">
     <p:spTree>
       <p:nvGrpSpPr>
@@ -1531,7 +1531,7 @@
 </file>
 
 <file path=ppt/slideLayouts/slideLayout6.xml><?xml version="1.0" encoding="utf-8"?>
-<p:sldLayout xmlns:p="http://schemas.openxmlformats.org/presentationml/2006/main" xmlns:r="http://schemas.openxmlformats.org/officeDocument/2006/relationships" xmlns:a="http://schemas.openxmlformats.org/drawingml/2006/main" xmlns:mc="http://schemas.openxmlformats.org/markup-compatibility/2006" xmlns:c="http://schemas.openxmlformats.org/drawingml/2006/chart" xmlns:ns6="http://schemas.openxmlformats.org/drawingml/2006/chartDrawing" xmlns:dgm="http://schemas.openxmlformats.org/drawingml/2006/diagram" xmlns:pic="http://schemas.openxmlformats.org/drawingml/2006/picture" xmlns:wp="http://schemas.openxmlformats.org/drawingml/2006/wordprocessingDrawing" xmlns:xdr="http://schemas.openxmlformats.org/drawingml/2006/spreadsheetDrawing" xmlns:ns11="http://schemas.openxmlformats.org/drawingml/2006/compatibility" xmlns:ns12="http://schemas.openxmlformats.org/drawingml/2006/lockedCanvas" type="titleOnly" preserve="true">
+<p:sldLayout xmlns:p="http://schemas.openxmlformats.org/presentationml/2006/main" xmlns:a="http://schemas.openxmlformats.org/drawingml/2006/main" xmlns:r="http://schemas.openxmlformats.org/officeDocument/2006/relationships" xmlns:mc="http://schemas.openxmlformats.org/markup-compatibility/2006" xmlns:c="http://schemas.openxmlformats.org/drawingml/2006/chart" xmlns:ns6="http://schemas.openxmlformats.org/drawingml/2006/chartDrawing" xmlns:dgm="http://schemas.openxmlformats.org/drawingml/2006/diagram" xmlns:pic="http://schemas.openxmlformats.org/drawingml/2006/picture" xmlns:wp="http://schemas.openxmlformats.org/drawingml/2006/wordprocessingDrawing" xmlns:xdr="http://schemas.openxmlformats.org/drawingml/2006/spreadsheetDrawing" xmlns:ns11="http://schemas.openxmlformats.org/drawingml/2006/compatibility" xmlns:ns12="http://schemas.openxmlformats.org/drawingml/2006/lockedCanvas" type="titleOnly" preserve="true">
   <p:cSld name="Title Only">
     <p:spTree>
       <p:nvGrpSpPr>
@@ -1656,7 +1656,7 @@
 </file>
 
 <file path=ppt/slideLayouts/slideLayout7.xml><?xml version="1.0" encoding="utf-8"?>
-<p:sldLayout xmlns:p="http://schemas.openxmlformats.org/presentationml/2006/main" xmlns:r="http://schemas.openxmlformats.org/officeDocument/2006/relationships" xmlns:a="http://schemas.openxmlformats.org/drawingml/2006/main" xmlns:mc="http://schemas.openxmlformats.org/markup-compatibility/2006" xmlns:c="http://schemas.openxmlformats.org/drawingml/2006/chart" xmlns:ns6="http://schemas.openxmlformats.org/drawingml/2006/chartDrawing" xmlns:dgm="http://schemas.openxmlformats.org/drawingml/2006/diagram" xmlns:pic="http://schemas.openxmlformats.org/drawingml/2006/picture" xmlns:wp="http://schemas.openxmlformats.org/drawingml/2006/wordprocessingDrawing" xmlns:xdr="http://schemas.openxmlformats.org/drawingml/2006/spreadsheetDrawing" xmlns:ns11="http://schemas.openxmlformats.org/drawingml/2006/compatibility" xmlns:ns12="http://schemas.openxmlformats.org/drawingml/2006/lockedCanvas" type="blank" preserve="true">
+<p:sldLayout xmlns:p="http://schemas.openxmlformats.org/presentationml/2006/main" xmlns:a="http://schemas.openxmlformats.org/drawingml/2006/main" xmlns:r="http://schemas.openxmlformats.org/officeDocument/2006/relationships" xmlns:mc="http://schemas.openxmlformats.org/markup-compatibility/2006" xmlns:c="http://schemas.openxmlformats.org/drawingml/2006/chart" xmlns:ns6="http://schemas.openxmlformats.org/drawingml/2006/chartDrawing" xmlns:dgm="http://schemas.openxmlformats.org/drawingml/2006/diagram" xmlns:pic="http://schemas.openxmlformats.org/drawingml/2006/picture" xmlns:wp="http://schemas.openxmlformats.org/drawingml/2006/wordprocessingDrawing" xmlns:xdr="http://schemas.openxmlformats.org/drawingml/2006/spreadsheetDrawing" xmlns:ns11="http://schemas.openxmlformats.org/drawingml/2006/compatibility" xmlns:ns12="http://schemas.openxmlformats.org/drawingml/2006/lockedCanvas" type="blank" preserve="true">
   <p:cSld name="Blank">
     <p:spTree>
       <p:nvGrpSpPr>
@@ -1758,7 +1758,7 @@
 </file>
 
 <file path=ppt/slideLayouts/slideLayout8.xml><?xml version="1.0" encoding="utf-8"?>
-<p:sldLayout xmlns:p="http://schemas.openxmlformats.org/presentationml/2006/main" xmlns:r="http://schemas.openxmlformats.org/officeDocument/2006/relationships" xmlns:a="http://schemas.openxmlformats.org/drawingml/2006/main" xmlns:mc="http://schemas.openxmlformats.org/markup-compatibility/2006" xmlns:c="http://schemas.openxmlformats.org/drawingml/2006/chart" xmlns:ns6="http://schemas.openxmlformats.org/drawingml/2006/chartDrawing" xmlns:dgm="http://schemas.openxmlformats.org/drawingml/2006/diagram" xmlns:pic="http://schemas.openxmlformats.org/drawingml/2006/picture" xmlns:wp="http://schemas.openxmlformats.org/drawingml/2006/wordprocessingDrawing" xmlns:xdr="http://schemas.openxmlformats.org/drawingml/2006/spreadsheetDrawing" xmlns:ns11="http://schemas.openxmlformats.org/drawingml/2006/compatibility" xmlns:ns12="http://schemas.openxmlformats.org/drawingml/2006/lockedCanvas" type="objTx" preserve="true">
+<p:sldLayout xmlns:p="http://schemas.openxmlformats.org/presentationml/2006/main" xmlns:a="http://schemas.openxmlformats.org/drawingml/2006/main" xmlns:r="http://schemas.openxmlformats.org/officeDocument/2006/relationships" xmlns:mc="http://schemas.openxmlformats.org/markup-compatibility/2006" xmlns:c="http://schemas.openxmlformats.org/drawingml/2006/chart" xmlns:ns6="http://schemas.openxmlformats.org/drawingml/2006/chartDrawing" xmlns:dgm="http://schemas.openxmlformats.org/drawingml/2006/diagram" xmlns:pic="http://schemas.openxmlformats.org/drawingml/2006/picture" xmlns:wp="http://schemas.openxmlformats.org/drawingml/2006/wordprocessingDrawing" xmlns:xdr="http://schemas.openxmlformats.org/drawingml/2006/spreadsheetDrawing" xmlns:ns11="http://schemas.openxmlformats.org/drawingml/2006/compatibility" xmlns:ns12="http://schemas.openxmlformats.org/drawingml/2006/lockedCanvas" type="objTx" preserve="true">
   <p:cSld name="Content with Caption">
     <p:spTree>
       <p:nvGrpSpPr>
@@ -2042,7 +2042,7 @@
 </file>
 
 <file path=ppt/slideLayouts/slideLayout9.xml><?xml version="1.0" encoding="utf-8"?>
-<p:sldLayout xmlns:p="http://schemas.openxmlformats.org/presentationml/2006/main" xmlns:r="http://schemas.openxmlformats.org/officeDocument/2006/relationships" xmlns:a="http://schemas.openxmlformats.org/drawingml/2006/main" xmlns:mc="http://schemas.openxmlformats.org/markup-compatibility/2006" xmlns:c="http://schemas.openxmlformats.org/drawingml/2006/chart" xmlns:ns6="http://schemas.openxmlformats.org/drawingml/2006/chartDrawing" xmlns:dgm="http://schemas.openxmlformats.org/drawingml/2006/diagram" xmlns:pic="http://schemas.openxmlformats.org/drawingml/2006/picture" xmlns:wp="http://schemas.openxmlformats.org/drawingml/2006/wordprocessingDrawing" xmlns:xdr="http://schemas.openxmlformats.org/drawingml/2006/spreadsheetDrawing" xmlns:ns11="http://schemas.openxmlformats.org/drawingml/2006/compatibility" xmlns:ns12="http://schemas.openxmlformats.org/drawingml/2006/lockedCanvas" type="vertTx" preserve="true">
+<p:sldLayout xmlns:p="http://schemas.openxmlformats.org/presentationml/2006/main" xmlns:a="http://schemas.openxmlformats.org/drawingml/2006/main" xmlns:r="http://schemas.openxmlformats.org/officeDocument/2006/relationships" xmlns:mc="http://schemas.openxmlformats.org/markup-compatibility/2006" xmlns:c="http://schemas.openxmlformats.org/drawingml/2006/chart" xmlns:ns6="http://schemas.openxmlformats.org/drawingml/2006/chartDrawing" xmlns:dgm="http://schemas.openxmlformats.org/drawingml/2006/diagram" xmlns:pic="http://schemas.openxmlformats.org/drawingml/2006/picture" xmlns:wp="http://schemas.openxmlformats.org/drawingml/2006/wordprocessingDrawing" xmlns:xdr="http://schemas.openxmlformats.org/drawingml/2006/spreadsheetDrawing" xmlns:ns11="http://schemas.openxmlformats.org/drawingml/2006/compatibility" xmlns:ns12="http://schemas.openxmlformats.org/drawingml/2006/lockedCanvas" type="vertTx" preserve="true">
   <p:cSld name="Title and Vertical Text">
     <p:spTree>
       <p:nvGrpSpPr>
@@ -2219,7 +2219,7 @@
 </file>
 
 <file path=ppt/slideMasters/slideMaster1.xml><?xml version="1.0" encoding="utf-8"?>
-<p:sldMaster xmlns:p="http://schemas.openxmlformats.org/presentationml/2006/main" xmlns:r="http://schemas.openxmlformats.org/officeDocument/2006/relationships" xmlns:a="http://schemas.openxmlformats.org/drawingml/2006/main" xmlns:mc="http://schemas.openxmlformats.org/markup-compatibility/2006" xmlns:c="http://schemas.openxmlformats.org/drawingml/2006/chart" xmlns:ns6="http://schemas.openxmlformats.org/drawingml/2006/chartDrawing" xmlns:dgm="http://schemas.openxmlformats.org/drawingml/2006/diagram" xmlns:pic="http://schemas.openxmlformats.org/drawingml/2006/picture" xmlns:wp="http://schemas.openxmlformats.org/drawingml/2006/wordprocessingDrawing" xmlns:xdr="http://schemas.openxmlformats.org/drawingml/2006/spreadsheetDrawing" xmlns:ns11="http://schemas.openxmlformats.org/drawingml/2006/compatibility" xmlns:ns12="http://schemas.openxmlformats.org/drawingml/2006/lockedCanvas">
+<p:sldMaster xmlns:p="http://schemas.openxmlformats.org/presentationml/2006/main" xmlns:a="http://schemas.openxmlformats.org/drawingml/2006/main" xmlns:r="http://schemas.openxmlformats.org/officeDocument/2006/relationships" xmlns:mc="http://schemas.openxmlformats.org/markup-compatibility/2006" xmlns:c="http://schemas.openxmlformats.org/drawingml/2006/chart" xmlns:ns6="http://schemas.openxmlformats.org/drawingml/2006/chartDrawing" xmlns:dgm="http://schemas.openxmlformats.org/drawingml/2006/diagram" xmlns:pic="http://schemas.openxmlformats.org/drawingml/2006/picture" xmlns:wp="http://schemas.openxmlformats.org/drawingml/2006/wordprocessingDrawing" xmlns:xdr="http://schemas.openxmlformats.org/drawingml/2006/spreadsheetDrawing" xmlns:ns11="http://schemas.openxmlformats.org/drawingml/2006/compatibility" xmlns:ns12="http://schemas.openxmlformats.org/drawingml/2006/lockedCanvas">
   <p:cSld>
     <p:bg>
       <p:bgRef idx="1001">
@@ -2765,7 +2765,7 @@
 </file>
 
 <file path=ppt/slides/slide1.xml><?xml version="1.0" encoding="utf-8"?>
-<p:sld xmlns:p="http://schemas.openxmlformats.org/presentationml/2006/main" xmlns:r="http://schemas.openxmlformats.org/officeDocument/2006/relationships" xmlns:a="http://schemas.openxmlformats.org/drawingml/2006/main" xmlns:mc="http://schemas.openxmlformats.org/markup-compatibility/2006" xmlns:c="http://schemas.openxmlformats.org/drawingml/2006/chart" xmlns:ns6="http://schemas.openxmlformats.org/drawingml/2006/chartDrawing" xmlns:dgm="http://schemas.openxmlformats.org/drawingml/2006/diagram" xmlns:pic="http://schemas.openxmlformats.org/drawingml/2006/picture" xmlns:wp="http://schemas.openxmlformats.org/drawingml/2006/wordprocessingDrawing" xmlns:xdr="http://schemas.openxmlformats.org/drawingml/2006/spreadsheetDrawing" xmlns:ns11="http://schemas.openxmlformats.org/drawingml/2006/compatibility" xmlns:ns12="http://schemas.openxmlformats.org/drawingml/2006/lockedCanvas">
+<p:sld xmlns:p="http://schemas.openxmlformats.org/presentationml/2006/main" xmlns:a="http://schemas.openxmlformats.org/drawingml/2006/main" xmlns:r="http://schemas.openxmlformats.org/officeDocument/2006/relationships" xmlns:mc="http://schemas.openxmlformats.org/markup-compatibility/2006" xmlns:c="http://schemas.openxmlformats.org/drawingml/2006/chart" xmlns:ns6="http://schemas.openxmlformats.org/drawingml/2006/chartDrawing" xmlns:dgm="http://schemas.openxmlformats.org/drawingml/2006/diagram" xmlns:pic="http://schemas.openxmlformats.org/drawingml/2006/picture" xmlns:wp="http://schemas.openxmlformats.org/drawingml/2006/wordprocessingDrawing" xmlns:xdr="http://schemas.openxmlformats.org/drawingml/2006/spreadsheetDrawing" xmlns:ns11="http://schemas.openxmlformats.org/drawingml/2006/compatibility" xmlns:ns12="http://schemas.openxmlformats.org/drawingml/2006/lockedCanvas">
   <p:cSld>
     <p:spTree>
       <p:nvGrpSpPr>
@@ -2827,7 +2827,7 @@
 </file>
 
 <file path=ppt/slides/slide2.xml><?xml version="1.0" encoding="utf-8"?>
-<p:sld xmlns:p="http://schemas.openxmlformats.org/presentationml/2006/main" xmlns:r="http://schemas.openxmlformats.org/officeDocument/2006/relationships" xmlns:a="http://schemas.openxmlformats.org/drawingml/2006/main" xmlns:mc="http://schemas.openxmlformats.org/markup-compatibility/2006" xmlns:c="http://schemas.openxmlformats.org/drawingml/2006/chart" xmlns:ns6="http://schemas.openxmlformats.org/drawingml/2006/chartDrawing" xmlns:dgm="http://schemas.openxmlformats.org/drawingml/2006/diagram" xmlns:pic="http://schemas.openxmlformats.org/drawingml/2006/picture" xmlns:wp="http://schemas.openxmlformats.org/drawingml/2006/wordprocessingDrawing" xmlns:xdr="http://schemas.openxmlformats.org/drawingml/2006/spreadsheetDrawing" xmlns:ns11="http://schemas.openxmlformats.org/drawingml/2006/compatibility" xmlns:ns12="http://schemas.openxmlformats.org/drawingml/2006/lockedCanvas">
+<p:sld xmlns:p="http://schemas.openxmlformats.org/presentationml/2006/main" xmlns:a="http://schemas.openxmlformats.org/drawingml/2006/main" xmlns:r="http://schemas.openxmlformats.org/officeDocument/2006/relationships" xmlns:mc="http://schemas.openxmlformats.org/markup-compatibility/2006" xmlns:c="http://schemas.openxmlformats.org/drawingml/2006/chart" xmlns:ns6="http://schemas.openxmlformats.org/drawingml/2006/chartDrawing" xmlns:dgm="http://schemas.openxmlformats.org/drawingml/2006/diagram" xmlns:pic="http://schemas.openxmlformats.org/drawingml/2006/picture" xmlns:wp="http://schemas.openxmlformats.org/drawingml/2006/wordprocessingDrawing" xmlns:xdr="http://schemas.openxmlformats.org/drawingml/2006/spreadsheetDrawing" xmlns:ns11="http://schemas.openxmlformats.org/drawingml/2006/compatibility" xmlns:ns12="http://schemas.openxmlformats.org/drawingml/2006/lockedCanvas">
   <p:cSld>
     <p:spTree>
       <p:nvGrpSpPr>
@@ -3008,7 +3008,7 @@
 </file>
 
 <file path=ppt/slides/slide3.xml><?xml version="1.0" encoding="utf-8"?>
-<p:sld xmlns:p="http://schemas.openxmlformats.org/presentationml/2006/main" xmlns:r="http://schemas.openxmlformats.org/officeDocument/2006/relationships" xmlns:a="http://schemas.openxmlformats.org/drawingml/2006/main" xmlns:mc="http://schemas.openxmlformats.org/markup-compatibility/2006" xmlns:c="http://schemas.openxmlformats.org/drawingml/2006/chart" xmlns:ns6="http://schemas.openxmlformats.org/drawingml/2006/chartDrawing" xmlns:dgm="http://schemas.openxmlformats.org/drawingml/2006/diagram" xmlns:pic="http://schemas.openxmlformats.org/drawingml/2006/picture" xmlns:wp="http://schemas.openxmlformats.org/drawingml/2006/wordprocessingDrawing" xmlns:xdr="http://schemas.openxmlformats.org/drawingml/2006/spreadsheetDrawing" xmlns:ns11="http://schemas.openxmlformats.org/drawingml/2006/compatibility" xmlns:ns12="http://schemas.openxmlformats.org/drawingml/2006/lockedCanvas">
+<p:sld xmlns:p="http://schemas.openxmlformats.org/presentationml/2006/main" xmlns:a="http://schemas.openxmlformats.org/drawingml/2006/main" xmlns:r="http://schemas.openxmlformats.org/officeDocument/2006/relationships" xmlns:mc="http://schemas.openxmlformats.org/markup-compatibility/2006" xmlns:c="http://schemas.openxmlformats.org/drawingml/2006/chart" xmlns:ns6="http://schemas.openxmlformats.org/drawingml/2006/chartDrawing" xmlns:dgm="http://schemas.openxmlformats.org/drawingml/2006/diagram" xmlns:pic="http://schemas.openxmlformats.org/drawingml/2006/picture" xmlns:wp="http://schemas.openxmlformats.org/drawingml/2006/wordprocessingDrawing" xmlns:xdr="http://schemas.openxmlformats.org/drawingml/2006/spreadsheetDrawing" xmlns:ns11="http://schemas.openxmlformats.org/drawingml/2006/compatibility" xmlns:ns12="http://schemas.openxmlformats.org/drawingml/2006/lockedCanvas">
   <p:cSld>
     <p:spTree>
       <p:nvGrpSpPr>
@@ -10787,7 +10787,7 @@
 </file>
 
 <file path=ppt/slides/slide4.xml><?xml version="1.0" encoding="utf-8"?>
-<p:sld xmlns:p="http://schemas.openxmlformats.org/presentationml/2006/main" xmlns:r="http://schemas.openxmlformats.org/officeDocument/2006/relationships" xmlns:a="http://schemas.openxmlformats.org/drawingml/2006/main" xmlns:mc="http://schemas.openxmlformats.org/markup-compatibility/2006" xmlns:c="http://schemas.openxmlformats.org/drawingml/2006/chart" xmlns:ns6="http://schemas.openxmlformats.org/drawingml/2006/chartDrawing" xmlns:dgm="http://schemas.openxmlformats.org/drawingml/2006/diagram" xmlns:pic="http://schemas.openxmlformats.org/drawingml/2006/picture" xmlns:wp="http://schemas.openxmlformats.org/drawingml/2006/wordprocessingDrawing" xmlns:xdr="http://schemas.openxmlformats.org/drawingml/2006/spreadsheetDrawing" xmlns:ns11="http://schemas.openxmlformats.org/drawingml/2006/compatibility" xmlns:ns12="http://schemas.openxmlformats.org/drawingml/2006/lockedCanvas">
+<p:sld xmlns:p="http://schemas.openxmlformats.org/presentationml/2006/main" xmlns:a="http://schemas.openxmlformats.org/drawingml/2006/main" xmlns:r="http://schemas.openxmlformats.org/officeDocument/2006/relationships" xmlns:mc="http://schemas.openxmlformats.org/markup-compatibility/2006" xmlns:c="http://schemas.openxmlformats.org/drawingml/2006/chart" xmlns:ns6="http://schemas.openxmlformats.org/drawingml/2006/chartDrawing" xmlns:dgm="http://schemas.openxmlformats.org/drawingml/2006/diagram" xmlns:pic="http://schemas.openxmlformats.org/drawingml/2006/picture" xmlns:wp="http://schemas.openxmlformats.org/drawingml/2006/wordprocessingDrawing" xmlns:xdr="http://schemas.openxmlformats.org/drawingml/2006/spreadsheetDrawing" xmlns:ns11="http://schemas.openxmlformats.org/drawingml/2006/compatibility" xmlns:ns12="http://schemas.openxmlformats.org/drawingml/2006/lockedCanvas">
   <p:cSld>
     <p:spTree>
       <p:nvGrpSpPr>

--- a/docs/reference/presentation_example.pptx
+++ b/docs/reference/presentation_example.pptx
@@ -1,14 +1,14 @@
 
 <file path=ppt/presentation.xml><?xml version="1.0" encoding="utf-8"?>
-<p:presentation xmlns:p="http://schemas.openxmlformats.org/presentationml/2006/main" xmlns:a="http://schemas.openxmlformats.org/drawingml/2006/main" xmlns:r="http://schemas.openxmlformats.org/officeDocument/2006/relationships" xmlns:mc="http://schemas.openxmlformats.org/markup-compatibility/2006" xmlns:c="http://schemas.openxmlformats.org/drawingml/2006/chart" xmlns:ns6="http://schemas.openxmlformats.org/drawingml/2006/chartDrawing" xmlns:dgm="http://schemas.openxmlformats.org/drawingml/2006/diagram" xmlns:pic="http://schemas.openxmlformats.org/drawingml/2006/picture" xmlns:wp="http://schemas.openxmlformats.org/drawingml/2006/wordprocessingDrawing" xmlns:xdr="http://schemas.openxmlformats.org/drawingml/2006/spreadsheetDrawing" xmlns:ns11="http://schemas.openxmlformats.org/drawingml/2006/compatibility" xmlns:ns12="http://schemas.openxmlformats.org/drawingml/2006/lockedCanvas" saveSubsetFonts="true">
+<p:presentation xmlns:r="http://schemas.openxmlformats.org/officeDocument/2006/relationships" xmlns:a="http://schemas.openxmlformats.org/drawingml/2006/main" xmlns:p="http://schemas.openxmlformats.org/presentationml/2006/main" xmlns:mc="http://schemas.openxmlformats.org/markup-compatibility/2006" xmlns:c="http://schemas.openxmlformats.org/drawingml/2006/chart" xmlns:ns6="http://schemas.openxmlformats.org/drawingml/2006/chartDrawing" xmlns:dgm="http://schemas.openxmlformats.org/drawingml/2006/diagram" xmlns:pic="http://schemas.openxmlformats.org/drawingml/2006/picture" xmlns:wp="http://schemas.openxmlformats.org/drawingml/2006/wordprocessingDrawing" xmlns:xdr="http://schemas.openxmlformats.org/drawingml/2006/spreadsheetDrawing" xmlns:ns11="http://schemas.openxmlformats.org/drawingml/2006/compatibility" xmlns:ns12="http://schemas.openxmlformats.org/drawingml/2006/lockedCanvas" saveSubsetFonts="true">
   <p:sldMasterIdLst>
     <p:sldMasterId id="2147483648" r:id="rId1"/>
   </p:sldMasterIdLst>
   <p:sldIdLst>
-    <p:sldId id="703475284" r:id="rId6"/>
-    <p:sldId id="517516421" r:id="rId7"/>
-    <p:sldId id="578867322" r:id="rId8"/>
-    <p:sldId id="385189854" r:id="rId9"/>
+    <p:sldId id="687713578" r:id="rId6"/>
+    <p:sldId id="793889857" r:id="rId7"/>
+    <p:sldId id="153169318" r:id="rId8"/>
+    <p:sldId id="1108607314" r:id="rId9"/>
   </p:sldIdLst>
   <p:sldSz cx="12192000" cy="6858000"/>
   <p:notesSz cx="6858000" cy="9144000"/>
@@ -116,7 +116,7 @@
 </file>
 
 <file path=ppt/slideLayouts/slideLayout1.xml><?xml version="1.0" encoding="utf-8"?>
-<p:sldLayout xmlns:p="http://schemas.openxmlformats.org/presentationml/2006/main" xmlns:a="http://schemas.openxmlformats.org/drawingml/2006/main" xmlns:r="http://schemas.openxmlformats.org/officeDocument/2006/relationships" xmlns:mc="http://schemas.openxmlformats.org/markup-compatibility/2006" xmlns:c="http://schemas.openxmlformats.org/drawingml/2006/chart" xmlns:ns6="http://schemas.openxmlformats.org/drawingml/2006/chartDrawing" xmlns:dgm="http://schemas.openxmlformats.org/drawingml/2006/diagram" xmlns:pic="http://schemas.openxmlformats.org/drawingml/2006/picture" xmlns:wp="http://schemas.openxmlformats.org/drawingml/2006/wordprocessingDrawing" xmlns:xdr="http://schemas.openxmlformats.org/drawingml/2006/spreadsheetDrawing" xmlns:ns11="http://schemas.openxmlformats.org/drawingml/2006/compatibility" xmlns:ns12="http://schemas.openxmlformats.org/drawingml/2006/lockedCanvas" type="title" preserve="true">
+<p:sldLayout xmlns:r="http://schemas.openxmlformats.org/officeDocument/2006/relationships" xmlns:a="http://schemas.openxmlformats.org/drawingml/2006/main" xmlns:p="http://schemas.openxmlformats.org/presentationml/2006/main" xmlns:mc="http://schemas.openxmlformats.org/markup-compatibility/2006" xmlns:c="http://schemas.openxmlformats.org/drawingml/2006/chart" xmlns:ns6="http://schemas.openxmlformats.org/drawingml/2006/chartDrawing" xmlns:dgm="http://schemas.openxmlformats.org/drawingml/2006/diagram" xmlns:pic="http://schemas.openxmlformats.org/drawingml/2006/picture" xmlns:wp="http://schemas.openxmlformats.org/drawingml/2006/wordprocessingDrawing" xmlns:xdr="http://schemas.openxmlformats.org/drawingml/2006/spreadsheetDrawing" xmlns:ns11="http://schemas.openxmlformats.org/drawingml/2006/compatibility" xmlns:ns12="http://schemas.openxmlformats.org/drawingml/2006/lockedCanvas" type="title" preserve="true">
   <p:cSld name="Title Slide">
     <p:spTree>
       <p:nvGrpSpPr>
@@ -315,7 +315,7 @@
 </file>
 
 <file path=ppt/slideLayouts/slideLayout10.xml><?xml version="1.0" encoding="utf-8"?>
-<p:sldLayout xmlns:p="http://schemas.openxmlformats.org/presentationml/2006/main" xmlns:a="http://schemas.openxmlformats.org/drawingml/2006/main" xmlns:r="http://schemas.openxmlformats.org/officeDocument/2006/relationships" xmlns:mc="http://schemas.openxmlformats.org/markup-compatibility/2006" xmlns:c="http://schemas.openxmlformats.org/drawingml/2006/chart" xmlns:ns6="http://schemas.openxmlformats.org/drawingml/2006/chartDrawing" xmlns:dgm="http://schemas.openxmlformats.org/drawingml/2006/diagram" xmlns:pic="http://schemas.openxmlformats.org/drawingml/2006/picture" xmlns:wp="http://schemas.openxmlformats.org/drawingml/2006/wordprocessingDrawing" xmlns:xdr="http://schemas.openxmlformats.org/drawingml/2006/spreadsheetDrawing" xmlns:ns11="http://schemas.openxmlformats.org/drawingml/2006/compatibility" xmlns:ns12="http://schemas.openxmlformats.org/drawingml/2006/lockedCanvas" type="vertTitleAndTx" preserve="true">
+<p:sldLayout xmlns:r="http://schemas.openxmlformats.org/officeDocument/2006/relationships" xmlns:a="http://schemas.openxmlformats.org/drawingml/2006/main" xmlns:p="http://schemas.openxmlformats.org/presentationml/2006/main" xmlns:mc="http://schemas.openxmlformats.org/markup-compatibility/2006" xmlns:c="http://schemas.openxmlformats.org/drawingml/2006/chart" xmlns:ns6="http://schemas.openxmlformats.org/drawingml/2006/chartDrawing" xmlns:dgm="http://schemas.openxmlformats.org/drawingml/2006/diagram" xmlns:pic="http://schemas.openxmlformats.org/drawingml/2006/picture" xmlns:wp="http://schemas.openxmlformats.org/drawingml/2006/wordprocessingDrawing" xmlns:xdr="http://schemas.openxmlformats.org/drawingml/2006/spreadsheetDrawing" xmlns:ns11="http://schemas.openxmlformats.org/drawingml/2006/compatibility" xmlns:ns12="http://schemas.openxmlformats.org/drawingml/2006/lockedCanvas" type="vertTitleAndTx" preserve="true">
   <p:cSld name="Vertical Title and Text">
     <p:spTree>
       <p:nvGrpSpPr>
@@ -502,7 +502,7 @@
 </file>
 
 <file path=ppt/slideLayouts/slideLayout2.xml><?xml version="1.0" encoding="utf-8"?>
-<p:sldLayout xmlns:p="http://schemas.openxmlformats.org/presentationml/2006/main" xmlns:a="http://schemas.openxmlformats.org/drawingml/2006/main" xmlns:r="http://schemas.openxmlformats.org/officeDocument/2006/relationships" xmlns:mc="http://schemas.openxmlformats.org/markup-compatibility/2006" xmlns:c="http://schemas.openxmlformats.org/drawingml/2006/chart" xmlns:ns6="http://schemas.openxmlformats.org/drawingml/2006/chartDrawing" xmlns:dgm="http://schemas.openxmlformats.org/drawingml/2006/diagram" xmlns:pic="http://schemas.openxmlformats.org/drawingml/2006/picture" xmlns:wp="http://schemas.openxmlformats.org/drawingml/2006/wordprocessingDrawing" xmlns:xdr="http://schemas.openxmlformats.org/drawingml/2006/spreadsheetDrawing" xmlns:ns11="http://schemas.openxmlformats.org/drawingml/2006/compatibility" xmlns:ns12="http://schemas.openxmlformats.org/drawingml/2006/lockedCanvas" type="obj" preserve="true">
+<p:sldLayout xmlns:r="http://schemas.openxmlformats.org/officeDocument/2006/relationships" xmlns:a="http://schemas.openxmlformats.org/drawingml/2006/main" xmlns:p="http://schemas.openxmlformats.org/presentationml/2006/main" xmlns:mc="http://schemas.openxmlformats.org/markup-compatibility/2006" xmlns:c="http://schemas.openxmlformats.org/drawingml/2006/chart" xmlns:ns6="http://schemas.openxmlformats.org/drawingml/2006/chartDrawing" xmlns:dgm="http://schemas.openxmlformats.org/drawingml/2006/diagram" xmlns:pic="http://schemas.openxmlformats.org/drawingml/2006/picture" xmlns:wp="http://schemas.openxmlformats.org/drawingml/2006/wordprocessingDrawing" xmlns:xdr="http://schemas.openxmlformats.org/drawingml/2006/spreadsheetDrawing" xmlns:ns11="http://schemas.openxmlformats.org/drawingml/2006/compatibility" xmlns:ns12="http://schemas.openxmlformats.org/drawingml/2006/lockedCanvas" type="obj" preserve="true">
   <p:cSld name="Title and Content">
     <p:spTree>
       <p:nvGrpSpPr>
@@ -684,7 +684,7 @@
 </file>
 
 <file path=ppt/slideLayouts/slideLayout3.xml><?xml version="1.0" encoding="utf-8"?>
-<p:sldLayout xmlns:p="http://schemas.openxmlformats.org/presentationml/2006/main" xmlns:a="http://schemas.openxmlformats.org/drawingml/2006/main" xmlns:r="http://schemas.openxmlformats.org/officeDocument/2006/relationships" xmlns:mc="http://schemas.openxmlformats.org/markup-compatibility/2006" xmlns:c="http://schemas.openxmlformats.org/drawingml/2006/chart" xmlns:ns6="http://schemas.openxmlformats.org/drawingml/2006/chartDrawing" xmlns:dgm="http://schemas.openxmlformats.org/drawingml/2006/diagram" xmlns:pic="http://schemas.openxmlformats.org/drawingml/2006/picture" xmlns:wp="http://schemas.openxmlformats.org/drawingml/2006/wordprocessingDrawing" xmlns:xdr="http://schemas.openxmlformats.org/drawingml/2006/spreadsheetDrawing" xmlns:ns11="http://schemas.openxmlformats.org/drawingml/2006/compatibility" xmlns:ns12="http://schemas.openxmlformats.org/drawingml/2006/lockedCanvas" type="secHead" preserve="true">
+<p:sldLayout xmlns:r="http://schemas.openxmlformats.org/officeDocument/2006/relationships" xmlns:a="http://schemas.openxmlformats.org/drawingml/2006/main" xmlns:p="http://schemas.openxmlformats.org/presentationml/2006/main" xmlns:mc="http://schemas.openxmlformats.org/markup-compatibility/2006" xmlns:c="http://schemas.openxmlformats.org/drawingml/2006/chart" xmlns:ns6="http://schemas.openxmlformats.org/drawingml/2006/chartDrawing" xmlns:dgm="http://schemas.openxmlformats.org/drawingml/2006/diagram" xmlns:pic="http://schemas.openxmlformats.org/drawingml/2006/picture" xmlns:wp="http://schemas.openxmlformats.org/drawingml/2006/wordprocessingDrawing" xmlns:xdr="http://schemas.openxmlformats.org/drawingml/2006/spreadsheetDrawing" xmlns:ns11="http://schemas.openxmlformats.org/drawingml/2006/compatibility" xmlns:ns12="http://schemas.openxmlformats.org/drawingml/2006/lockedCanvas" type="secHead" preserve="true">
   <p:cSld name="Section Header">
     <p:spTree>
       <p:nvGrpSpPr>
@@ -937,7 +937,7 @@
 </file>
 
 <file path=ppt/slideLayouts/slideLayout4.xml><?xml version="1.0" encoding="utf-8"?>
-<p:sldLayout xmlns:p="http://schemas.openxmlformats.org/presentationml/2006/main" xmlns:a="http://schemas.openxmlformats.org/drawingml/2006/main" xmlns:r="http://schemas.openxmlformats.org/officeDocument/2006/relationships" xmlns:mc="http://schemas.openxmlformats.org/markup-compatibility/2006" xmlns:c="http://schemas.openxmlformats.org/drawingml/2006/chart" xmlns:ns6="http://schemas.openxmlformats.org/drawingml/2006/chartDrawing" xmlns:dgm="http://schemas.openxmlformats.org/drawingml/2006/diagram" xmlns:pic="http://schemas.openxmlformats.org/drawingml/2006/picture" xmlns:wp="http://schemas.openxmlformats.org/drawingml/2006/wordprocessingDrawing" xmlns:xdr="http://schemas.openxmlformats.org/drawingml/2006/spreadsheetDrawing" xmlns:ns11="http://schemas.openxmlformats.org/drawingml/2006/compatibility" xmlns:ns12="http://schemas.openxmlformats.org/drawingml/2006/lockedCanvas" type="twoObj" preserve="true">
+<p:sldLayout xmlns:r="http://schemas.openxmlformats.org/officeDocument/2006/relationships" xmlns:a="http://schemas.openxmlformats.org/drawingml/2006/main" xmlns:p="http://schemas.openxmlformats.org/presentationml/2006/main" xmlns:mc="http://schemas.openxmlformats.org/markup-compatibility/2006" xmlns:c="http://schemas.openxmlformats.org/drawingml/2006/chart" xmlns:ns6="http://schemas.openxmlformats.org/drawingml/2006/chartDrawing" xmlns:dgm="http://schemas.openxmlformats.org/drawingml/2006/diagram" xmlns:pic="http://schemas.openxmlformats.org/drawingml/2006/picture" xmlns:wp="http://schemas.openxmlformats.org/drawingml/2006/wordprocessingDrawing" xmlns:xdr="http://schemas.openxmlformats.org/drawingml/2006/spreadsheetDrawing" xmlns:ns11="http://schemas.openxmlformats.org/drawingml/2006/compatibility" xmlns:ns12="http://schemas.openxmlformats.org/drawingml/2006/lockedCanvas" type="twoObj" preserve="true">
   <p:cSld name="Two Content">
     <p:spTree>
       <p:nvGrpSpPr>
@@ -1176,7 +1176,7 @@
 </file>
 
 <file path=ppt/slideLayouts/slideLayout5.xml><?xml version="1.0" encoding="utf-8"?>
-<p:sldLayout xmlns:p="http://schemas.openxmlformats.org/presentationml/2006/main" xmlns:a="http://schemas.openxmlformats.org/drawingml/2006/main" xmlns:r="http://schemas.openxmlformats.org/officeDocument/2006/relationships" xmlns:mc="http://schemas.openxmlformats.org/markup-compatibility/2006" xmlns:c="http://schemas.openxmlformats.org/drawingml/2006/chart" xmlns:ns6="http://schemas.openxmlformats.org/drawingml/2006/chartDrawing" xmlns:dgm="http://schemas.openxmlformats.org/drawingml/2006/diagram" xmlns:pic="http://schemas.openxmlformats.org/drawingml/2006/picture" xmlns:wp="http://schemas.openxmlformats.org/drawingml/2006/wordprocessingDrawing" xmlns:xdr="http://schemas.openxmlformats.org/drawingml/2006/spreadsheetDrawing" xmlns:ns11="http://schemas.openxmlformats.org/drawingml/2006/compatibility" xmlns:ns12="http://schemas.openxmlformats.org/drawingml/2006/lockedCanvas" type="twoTxTwoObj" preserve="true">
+<p:sldLayout xmlns:r="http://schemas.openxmlformats.org/officeDocument/2006/relationships" xmlns:a="http://schemas.openxmlformats.org/drawingml/2006/main" xmlns:p="http://schemas.openxmlformats.org/presentationml/2006/main" xmlns:mc="http://schemas.openxmlformats.org/markup-compatibility/2006" xmlns:c="http://schemas.openxmlformats.org/drawingml/2006/chart" xmlns:ns6="http://schemas.openxmlformats.org/drawingml/2006/chartDrawing" xmlns:dgm="http://schemas.openxmlformats.org/drawingml/2006/diagram" xmlns:pic="http://schemas.openxmlformats.org/drawingml/2006/picture" xmlns:wp="http://schemas.openxmlformats.org/drawingml/2006/wordprocessingDrawing" xmlns:xdr="http://schemas.openxmlformats.org/drawingml/2006/spreadsheetDrawing" xmlns:ns11="http://schemas.openxmlformats.org/drawingml/2006/compatibility" xmlns:ns12="http://schemas.openxmlformats.org/drawingml/2006/lockedCanvas" type="twoTxTwoObj" preserve="true">
   <p:cSld name="Comparison">
     <p:spTree>
       <p:nvGrpSpPr>
@@ -1531,7 +1531,7 @@
 </file>
 
 <file path=ppt/slideLayouts/slideLayout6.xml><?xml version="1.0" encoding="utf-8"?>
-<p:sldLayout xmlns:p="http://schemas.openxmlformats.org/presentationml/2006/main" xmlns:a="http://schemas.openxmlformats.org/drawingml/2006/main" xmlns:r="http://schemas.openxmlformats.org/officeDocument/2006/relationships" xmlns:mc="http://schemas.openxmlformats.org/markup-compatibility/2006" xmlns:c="http://schemas.openxmlformats.org/drawingml/2006/chart" xmlns:ns6="http://schemas.openxmlformats.org/drawingml/2006/chartDrawing" xmlns:dgm="http://schemas.openxmlformats.org/drawingml/2006/diagram" xmlns:pic="http://schemas.openxmlformats.org/drawingml/2006/picture" xmlns:wp="http://schemas.openxmlformats.org/drawingml/2006/wordprocessingDrawing" xmlns:xdr="http://schemas.openxmlformats.org/drawingml/2006/spreadsheetDrawing" xmlns:ns11="http://schemas.openxmlformats.org/drawingml/2006/compatibility" xmlns:ns12="http://schemas.openxmlformats.org/drawingml/2006/lockedCanvas" type="titleOnly" preserve="true">
+<p:sldLayout xmlns:r="http://schemas.openxmlformats.org/officeDocument/2006/relationships" xmlns:a="http://schemas.openxmlformats.org/drawingml/2006/main" xmlns:p="http://schemas.openxmlformats.org/presentationml/2006/main" xmlns:mc="http://schemas.openxmlformats.org/markup-compatibility/2006" xmlns:c="http://schemas.openxmlformats.org/drawingml/2006/chart" xmlns:ns6="http://schemas.openxmlformats.org/drawingml/2006/chartDrawing" xmlns:dgm="http://schemas.openxmlformats.org/drawingml/2006/diagram" xmlns:pic="http://schemas.openxmlformats.org/drawingml/2006/picture" xmlns:wp="http://schemas.openxmlformats.org/drawingml/2006/wordprocessingDrawing" xmlns:xdr="http://schemas.openxmlformats.org/drawingml/2006/spreadsheetDrawing" xmlns:ns11="http://schemas.openxmlformats.org/drawingml/2006/compatibility" xmlns:ns12="http://schemas.openxmlformats.org/drawingml/2006/lockedCanvas" type="titleOnly" preserve="true">
   <p:cSld name="Title Only">
     <p:spTree>
       <p:nvGrpSpPr>
@@ -1656,7 +1656,7 @@
 </file>
 
 <file path=ppt/slideLayouts/slideLayout7.xml><?xml version="1.0" encoding="utf-8"?>
-<p:sldLayout xmlns:p="http://schemas.openxmlformats.org/presentationml/2006/main" xmlns:a="http://schemas.openxmlformats.org/drawingml/2006/main" xmlns:r="http://schemas.openxmlformats.org/officeDocument/2006/relationships" xmlns:mc="http://schemas.openxmlformats.org/markup-compatibility/2006" xmlns:c="http://schemas.openxmlformats.org/drawingml/2006/chart" xmlns:ns6="http://schemas.openxmlformats.org/drawingml/2006/chartDrawing" xmlns:dgm="http://schemas.openxmlformats.org/drawingml/2006/diagram" xmlns:pic="http://schemas.openxmlformats.org/drawingml/2006/picture" xmlns:wp="http://schemas.openxmlformats.org/drawingml/2006/wordprocessingDrawing" xmlns:xdr="http://schemas.openxmlformats.org/drawingml/2006/spreadsheetDrawing" xmlns:ns11="http://schemas.openxmlformats.org/drawingml/2006/compatibility" xmlns:ns12="http://schemas.openxmlformats.org/drawingml/2006/lockedCanvas" type="blank" preserve="true">
+<p:sldLayout xmlns:r="http://schemas.openxmlformats.org/officeDocument/2006/relationships" xmlns:a="http://schemas.openxmlformats.org/drawingml/2006/main" xmlns:p="http://schemas.openxmlformats.org/presentationml/2006/main" xmlns:mc="http://schemas.openxmlformats.org/markup-compatibility/2006" xmlns:c="http://schemas.openxmlformats.org/drawingml/2006/chart" xmlns:ns6="http://schemas.openxmlformats.org/drawingml/2006/chartDrawing" xmlns:dgm="http://schemas.openxmlformats.org/drawingml/2006/diagram" xmlns:pic="http://schemas.openxmlformats.org/drawingml/2006/picture" xmlns:wp="http://schemas.openxmlformats.org/drawingml/2006/wordprocessingDrawing" xmlns:xdr="http://schemas.openxmlformats.org/drawingml/2006/spreadsheetDrawing" xmlns:ns11="http://schemas.openxmlformats.org/drawingml/2006/compatibility" xmlns:ns12="http://schemas.openxmlformats.org/drawingml/2006/lockedCanvas" type="blank" preserve="true">
   <p:cSld name="Blank">
     <p:spTree>
       <p:nvGrpSpPr>
@@ -1758,7 +1758,7 @@
 </file>
 
 <file path=ppt/slideLayouts/slideLayout8.xml><?xml version="1.0" encoding="utf-8"?>
-<p:sldLayout xmlns:p="http://schemas.openxmlformats.org/presentationml/2006/main" xmlns:a="http://schemas.openxmlformats.org/drawingml/2006/main" xmlns:r="http://schemas.openxmlformats.org/officeDocument/2006/relationships" xmlns:mc="http://schemas.openxmlformats.org/markup-compatibility/2006" xmlns:c="http://schemas.openxmlformats.org/drawingml/2006/chart" xmlns:ns6="http://schemas.openxmlformats.org/drawingml/2006/chartDrawing" xmlns:dgm="http://schemas.openxmlformats.org/drawingml/2006/diagram" xmlns:pic="http://schemas.openxmlformats.org/drawingml/2006/picture" xmlns:wp="http://schemas.openxmlformats.org/drawingml/2006/wordprocessingDrawing" xmlns:xdr="http://schemas.openxmlformats.org/drawingml/2006/spreadsheetDrawing" xmlns:ns11="http://schemas.openxmlformats.org/drawingml/2006/compatibility" xmlns:ns12="http://schemas.openxmlformats.org/drawingml/2006/lockedCanvas" type="objTx" preserve="true">
+<p:sldLayout xmlns:r="http://schemas.openxmlformats.org/officeDocument/2006/relationships" xmlns:a="http://schemas.openxmlformats.org/drawingml/2006/main" xmlns:p="http://schemas.openxmlformats.org/presentationml/2006/main" xmlns:mc="http://schemas.openxmlformats.org/markup-compatibility/2006" xmlns:c="http://schemas.openxmlformats.org/drawingml/2006/chart" xmlns:ns6="http://schemas.openxmlformats.org/drawingml/2006/chartDrawing" xmlns:dgm="http://schemas.openxmlformats.org/drawingml/2006/diagram" xmlns:pic="http://schemas.openxmlformats.org/drawingml/2006/picture" xmlns:wp="http://schemas.openxmlformats.org/drawingml/2006/wordprocessingDrawing" xmlns:xdr="http://schemas.openxmlformats.org/drawingml/2006/spreadsheetDrawing" xmlns:ns11="http://schemas.openxmlformats.org/drawingml/2006/compatibility" xmlns:ns12="http://schemas.openxmlformats.org/drawingml/2006/lockedCanvas" type="objTx" preserve="true">
   <p:cSld name="Content with Caption">
     <p:spTree>
       <p:nvGrpSpPr>
@@ -2042,7 +2042,7 @@
 </file>
 
 <file path=ppt/slideLayouts/slideLayout9.xml><?xml version="1.0" encoding="utf-8"?>
-<p:sldLayout xmlns:p="http://schemas.openxmlformats.org/presentationml/2006/main" xmlns:a="http://schemas.openxmlformats.org/drawingml/2006/main" xmlns:r="http://schemas.openxmlformats.org/officeDocument/2006/relationships" xmlns:mc="http://schemas.openxmlformats.org/markup-compatibility/2006" xmlns:c="http://schemas.openxmlformats.org/drawingml/2006/chart" xmlns:ns6="http://schemas.openxmlformats.org/drawingml/2006/chartDrawing" xmlns:dgm="http://schemas.openxmlformats.org/drawingml/2006/diagram" xmlns:pic="http://schemas.openxmlformats.org/drawingml/2006/picture" xmlns:wp="http://schemas.openxmlformats.org/drawingml/2006/wordprocessingDrawing" xmlns:xdr="http://schemas.openxmlformats.org/drawingml/2006/spreadsheetDrawing" xmlns:ns11="http://schemas.openxmlformats.org/drawingml/2006/compatibility" xmlns:ns12="http://schemas.openxmlformats.org/drawingml/2006/lockedCanvas" type="vertTx" preserve="true">
+<p:sldLayout xmlns:r="http://schemas.openxmlformats.org/officeDocument/2006/relationships" xmlns:a="http://schemas.openxmlformats.org/drawingml/2006/main" xmlns:p="http://schemas.openxmlformats.org/presentationml/2006/main" xmlns:mc="http://schemas.openxmlformats.org/markup-compatibility/2006" xmlns:c="http://schemas.openxmlformats.org/drawingml/2006/chart" xmlns:ns6="http://schemas.openxmlformats.org/drawingml/2006/chartDrawing" xmlns:dgm="http://schemas.openxmlformats.org/drawingml/2006/diagram" xmlns:pic="http://schemas.openxmlformats.org/drawingml/2006/picture" xmlns:wp="http://schemas.openxmlformats.org/drawingml/2006/wordprocessingDrawing" xmlns:xdr="http://schemas.openxmlformats.org/drawingml/2006/spreadsheetDrawing" xmlns:ns11="http://schemas.openxmlformats.org/drawingml/2006/compatibility" xmlns:ns12="http://schemas.openxmlformats.org/drawingml/2006/lockedCanvas" type="vertTx" preserve="true">
   <p:cSld name="Title and Vertical Text">
     <p:spTree>
       <p:nvGrpSpPr>
@@ -2219,7 +2219,7 @@
 </file>
 
 <file path=ppt/slideMasters/slideMaster1.xml><?xml version="1.0" encoding="utf-8"?>
-<p:sldMaster xmlns:p="http://schemas.openxmlformats.org/presentationml/2006/main" xmlns:a="http://schemas.openxmlformats.org/drawingml/2006/main" xmlns:r="http://schemas.openxmlformats.org/officeDocument/2006/relationships" xmlns:mc="http://schemas.openxmlformats.org/markup-compatibility/2006" xmlns:c="http://schemas.openxmlformats.org/drawingml/2006/chart" xmlns:ns6="http://schemas.openxmlformats.org/drawingml/2006/chartDrawing" xmlns:dgm="http://schemas.openxmlformats.org/drawingml/2006/diagram" xmlns:pic="http://schemas.openxmlformats.org/drawingml/2006/picture" xmlns:wp="http://schemas.openxmlformats.org/drawingml/2006/wordprocessingDrawing" xmlns:xdr="http://schemas.openxmlformats.org/drawingml/2006/spreadsheetDrawing" xmlns:ns11="http://schemas.openxmlformats.org/drawingml/2006/compatibility" xmlns:ns12="http://schemas.openxmlformats.org/drawingml/2006/lockedCanvas">
+<p:sldMaster xmlns:r="http://schemas.openxmlformats.org/officeDocument/2006/relationships" xmlns:a="http://schemas.openxmlformats.org/drawingml/2006/main" xmlns:p="http://schemas.openxmlformats.org/presentationml/2006/main" xmlns:mc="http://schemas.openxmlformats.org/markup-compatibility/2006" xmlns:c="http://schemas.openxmlformats.org/drawingml/2006/chart" xmlns:ns6="http://schemas.openxmlformats.org/drawingml/2006/chartDrawing" xmlns:dgm="http://schemas.openxmlformats.org/drawingml/2006/diagram" xmlns:pic="http://schemas.openxmlformats.org/drawingml/2006/picture" xmlns:wp="http://schemas.openxmlformats.org/drawingml/2006/wordprocessingDrawing" xmlns:xdr="http://schemas.openxmlformats.org/drawingml/2006/spreadsheetDrawing" xmlns:ns11="http://schemas.openxmlformats.org/drawingml/2006/compatibility" xmlns:ns12="http://schemas.openxmlformats.org/drawingml/2006/lockedCanvas">
   <p:cSld>
     <p:bg>
       <p:bgRef idx="1001">
@@ -2765,7 +2765,7 @@
 </file>
 
 <file path=ppt/slides/slide1.xml><?xml version="1.0" encoding="utf-8"?>
-<p:sld xmlns:p="http://schemas.openxmlformats.org/presentationml/2006/main" xmlns:a="http://schemas.openxmlformats.org/drawingml/2006/main" xmlns:r="http://schemas.openxmlformats.org/officeDocument/2006/relationships" xmlns:mc="http://schemas.openxmlformats.org/markup-compatibility/2006" xmlns:c="http://schemas.openxmlformats.org/drawingml/2006/chart" xmlns:ns6="http://schemas.openxmlformats.org/drawingml/2006/chartDrawing" xmlns:dgm="http://schemas.openxmlformats.org/drawingml/2006/diagram" xmlns:pic="http://schemas.openxmlformats.org/drawingml/2006/picture" xmlns:wp="http://schemas.openxmlformats.org/drawingml/2006/wordprocessingDrawing" xmlns:xdr="http://schemas.openxmlformats.org/drawingml/2006/spreadsheetDrawing" xmlns:ns11="http://schemas.openxmlformats.org/drawingml/2006/compatibility" xmlns:ns12="http://schemas.openxmlformats.org/drawingml/2006/lockedCanvas">
+<p:sld xmlns:r="http://schemas.openxmlformats.org/officeDocument/2006/relationships" xmlns:a="http://schemas.openxmlformats.org/drawingml/2006/main" xmlns:p="http://schemas.openxmlformats.org/presentationml/2006/main" xmlns:mc="http://schemas.openxmlformats.org/markup-compatibility/2006" xmlns:c="http://schemas.openxmlformats.org/drawingml/2006/chart" xmlns:ns6="http://schemas.openxmlformats.org/drawingml/2006/chartDrawing" xmlns:dgm="http://schemas.openxmlformats.org/drawingml/2006/diagram" xmlns:pic="http://schemas.openxmlformats.org/drawingml/2006/picture" xmlns:wp="http://schemas.openxmlformats.org/drawingml/2006/wordprocessingDrawing" xmlns:xdr="http://schemas.openxmlformats.org/drawingml/2006/spreadsheetDrawing" xmlns:ns11="http://schemas.openxmlformats.org/drawingml/2006/compatibility" xmlns:ns12="http://schemas.openxmlformats.org/drawingml/2006/lockedCanvas">
   <p:cSld>
     <p:spTree>
       <p:nvGrpSpPr>
@@ -2827,7 +2827,7 @@
 </file>
 
 <file path=ppt/slides/slide2.xml><?xml version="1.0" encoding="utf-8"?>
-<p:sld xmlns:p="http://schemas.openxmlformats.org/presentationml/2006/main" xmlns:a="http://schemas.openxmlformats.org/drawingml/2006/main" xmlns:r="http://schemas.openxmlformats.org/officeDocument/2006/relationships" xmlns:mc="http://schemas.openxmlformats.org/markup-compatibility/2006" xmlns:c="http://schemas.openxmlformats.org/drawingml/2006/chart" xmlns:ns6="http://schemas.openxmlformats.org/drawingml/2006/chartDrawing" xmlns:dgm="http://schemas.openxmlformats.org/drawingml/2006/diagram" xmlns:pic="http://schemas.openxmlformats.org/drawingml/2006/picture" xmlns:wp="http://schemas.openxmlformats.org/drawingml/2006/wordprocessingDrawing" xmlns:xdr="http://schemas.openxmlformats.org/drawingml/2006/spreadsheetDrawing" xmlns:ns11="http://schemas.openxmlformats.org/drawingml/2006/compatibility" xmlns:ns12="http://schemas.openxmlformats.org/drawingml/2006/lockedCanvas">
+<p:sld xmlns:r="http://schemas.openxmlformats.org/officeDocument/2006/relationships" xmlns:a="http://schemas.openxmlformats.org/drawingml/2006/main" xmlns:p="http://schemas.openxmlformats.org/presentationml/2006/main" xmlns:mc="http://schemas.openxmlformats.org/markup-compatibility/2006" xmlns:c="http://schemas.openxmlformats.org/drawingml/2006/chart" xmlns:ns6="http://schemas.openxmlformats.org/drawingml/2006/chartDrawing" xmlns:dgm="http://schemas.openxmlformats.org/drawingml/2006/diagram" xmlns:pic="http://schemas.openxmlformats.org/drawingml/2006/picture" xmlns:wp="http://schemas.openxmlformats.org/drawingml/2006/wordprocessingDrawing" xmlns:xdr="http://schemas.openxmlformats.org/drawingml/2006/spreadsheetDrawing" xmlns:ns11="http://schemas.openxmlformats.org/drawingml/2006/compatibility" xmlns:ns12="http://schemas.openxmlformats.org/drawingml/2006/lockedCanvas">
   <p:cSld>
     <p:spTree>
       <p:nvGrpSpPr>
@@ -3008,7 +3008,7 @@
 </file>
 
 <file path=ppt/slides/slide3.xml><?xml version="1.0" encoding="utf-8"?>
-<p:sld xmlns:p="http://schemas.openxmlformats.org/presentationml/2006/main" xmlns:a="http://schemas.openxmlformats.org/drawingml/2006/main" xmlns:r="http://schemas.openxmlformats.org/officeDocument/2006/relationships" xmlns:mc="http://schemas.openxmlformats.org/markup-compatibility/2006" xmlns:c="http://schemas.openxmlformats.org/drawingml/2006/chart" xmlns:ns6="http://schemas.openxmlformats.org/drawingml/2006/chartDrawing" xmlns:dgm="http://schemas.openxmlformats.org/drawingml/2006/diagram" xmlns:pic="http://schemas.openxmlformats.org/drawingml/2006/picture" xmlns:wp="http://schemas.openxmlformats.org/drawingml/2006/wordprocessingDrawing" xmlns:xdr="http://schemas.openxmlformats.org/drawingml/2006/spreadsheetDrawing" xmlns:ns11="http://schemas.openxmlformats.org/drawingml/2006/compatibility" xmlns:ns12="http://schemas.openxmlformats.org/drawingml/2006/lockedCanvas">
+<p:sld xmlns:r="http://schemas.openxmlformats.org/officeDocument/2006/relationships" xmlns:a="http://schemas.openxmlformats.org/drawingml/2006/main" xmlns:p="http://schemas.openxmlformats.org/presentationml/2006/main" xmlns:mc="http://schemas.openxmlformats.org/markup-compatibility/2006" xmlns:c="http://schemas.openxmlformats.org/drawingml/2006/chart" xmlns:ns6="http://schemas.openxmlformats.org/drawingml/2006/chartDrawing" xmlns:dgm="http://schemas.openxmlformats.org/drawingml/2006/diagram" xmlns:pic="http://schemas.openxmlformats.org/drawingml/2006/picture" xmlns:wp="http://schemas.openxmlformats.org/drawingml/2006/wordprocessingDrawing" xmlns:xdr="http://schemas.openxmlformats.org/drawingml/2006/spreadsheetDrawing" xmlns:ns11="http://schemas.openxmlformats.org/drawingml/2006/compatibility" xmlns:ns12="http://schemas.openxmlformats.org/drawingml/2006/lockedCanvas">
   <p:cSld>
     <p:spTree>
       <p:nvGrpSpPr>
@@ -10787,7 +10787,7 @@
 </file>
 
 <file path=ppt/slides/slide4.xml><?xml version="1.0" encoding="utf-8"?>
-<p:sld xmlns:p="http://schemas.openxmlformats.org/presentationml/2006/main" xmlns:a="http://schemas.openxmlformats.org/drawingml/2006/main" xmlns:r="http://schemas.openxmlformats.org/officeDocument/2006/relationships" xmlns:mc="http://schemas.openxmlformats.org/markup-compatibility/2006" xmlns:c="http://schemas.openxmlformats.org/drawingml/2006/chart" xmlns:ns6="http://schemas.openxmlformats.org/drawingml/2006/chartDrawing" xmlns:dgm="http://schemas.openxmlformats.org/drawingml/2006/diagram" xmlns:pic="http://schemas.openxmlformats.org/drawingml/2006/picture" xmlns:wp="http://schemas.openxmlformats.org/drawingml/2006/wordprocessingDrawing" xmlns:xdr="http://schemas.openxmlformats.org/drawingml/2006/spreadsheetDrawing" xmlns:ns11="http://schemas.openxmlformats.org/drawingml/2006/compatibility" xmlns:ns12="http://schemas.openxmlformats.org/drawingml/2006/lockedCanvas">
+<p:sld xmlns:r="http://schemas.openxmlformats.org/officeDocument/2006/relationships" xmlns:a="http://schemas.openxmlformats.org/drawingml/2006/main" xmlns:p="http://schemas.openxmlformats.org/presentationml/2006/main" xmlns:mc="http://schemas.openxmlformats.org/markup-compatibility/2006" xmlns:c="http://schemas.openxmlformats.org/drawingml/2006/chart" xmlns:ns6="http://schemas.openxmlformats.org/drawingml/2006/chartDrawing" xmlns:dgm="http://schemas.openxmlformats.org/drawingml/2006/diagram" xmlns:pic="http://schemas.openxmlformats.org/drawingml/2006/picture" xmlns:wp="http://schemas.openxmlformats.org/drawingml/2006/wordprocessingDrawing" xmlns:xdr="http://schemas.openxmlformats.org/drawingml/2006/spreadsheetDrawing" xmlns:ns11="http://schemas.openxmlformats.org/drawingml/2006/compatibility" xmlns:ns12="http://schemas.openxmlformats.org/drawingml/2006/lockedCanvas">
   <p:cSld>
     <p:spTree>
       <p:nvGrpSpPr>

--- a/docs/reference/presentation_example.pptx
+++ b/docs/reference/presentation_example.pptx
@@ -1,14 +1,14 @@
 
 <file path=ppt/presentation.xml><?xml version="1.0" encoding="utf-8"?>
-<p:presentation xmlns:r="http://schemas.openxmlformats.org/officeDocument/2006/relationships" xmlns:a="http://schemas.openxmlformats.org/drawingml/2006/main" xmlns:p="http://schemas.openxmlformats.org/presentationml/2006/main" xmlns:mc="http://schemas.openxmlformats.org/markup-compatibility/2006" xmlns:c="http://schemas.openxmlformats.org/drawingml/2006/chart" xmlns:ns6="http://schemas.openxmlformats.org/drawingml/2006/chartDrawing" xmlns:dgm="http://schemas.openxmlformats.org/drawingml/2006/diagram" xmlns:pic="http://schemas.openxmlformats.org/drawingml/2006/picture" xmlns:wp="http://schemas.openxmlformats.org/drawingml/2006/wordprocessingDrawing" xmlns:xdr="http://schemas.openxmlformats.org/drawingml/2006/spreadsheetDrawing" xmlns:ns11="http://schemas.openxmlformats.org/drawingml/2006/compatibility" xmlns:ns12="http://schemas.openxmlformats.org/drawingml/2006/lockedCanvas" saveSubsetFonts="true">
+<p:presentation xmlns:a="http://schemas.openxmlformats.org/drawingml/2006/main" xmlns:r="http://schemas.openxmlformats.org/officeDocument/2006/relationships" xmlns:p="http://schemas.openxmlformats.org/presentationml/2006/main" xmlns:mc="http://schemas.openxmlformats.org/markup-compatibility/2006" xmlns:c="http://schemas.openxmlformats.org/drawingml/2006/chart" xmlns:ns6="http://schemas.openxmlformats.org/drawingml/2006/chartDrawing" xmlns:dgm="http://schemas.openxmlformats.org/drawingml/2006/diagram" xmlns:pic="http://schemas.openxmlformats.org/drawingml/2006/picture" xmlns:wp="http://schemas.openxmlformats.org/drawingml/2006/wordprocessingDrawing" xmlns:xdr="http://schemas.openxmlformats.org/drawingml/2006/spreadsheetDrawing" xmlns:ns11="http://schemas.openxmlformats.org/drawingml/2006/compatibility" xmlns:ns12="http://schemas.openxmlformats.org/drawingml/2006/lockedCanvas" saveSubsetFonts="true">
   <p:sldMasterIdLst>
     <p:sldMasterId id="2147483648" r:id="rId1"/>
   </p:sldMasterIdLst>
   <p:sldIdLst>
-    <p:sldId id="687713578" r:id="rId6"/>
-    <p:sldId id="793889857" r:id="rId7"/>
-    <p:sldId id="153169318" r:id="rId8"/>
-    <p:sldId id="1108607314" r:id="rId9"/>
+    <p:sldId id="668098879" r:id="rId6"/>
+    <p:sldId id="1159289622" r:id="rId7"/>
+    <p:sldId id="1061599083" r:id="rId8"/>
+    <p:sldId id="295446792" r:id="rId9"/>
   </p:sldIdLst>
   <p:sldSz cx="12192000" cy="6858000"/>
   <p:notesSz cx="6858000" cy="9144000"/>
@@ -116,7 +116,7 @@
 </file>
 
 <file path=ppt/slideLayouts/slideLayout1.xml><?xml version="1.0" encoding="utf-8"?>
-<p:sldLayout xmlns:r="http://schemas.openxmlformats.org/officeDocument/2006/relationships" xmlns:a="http://schemas.openxmlformats.org/drawingml/2006/main" xmlns:p="http://schemas.openxmlformats.org/presentationml/2006/main" xmlns:mc="http://schemas.openxmlformats.org/markup-compatibility/2006" xmlns:c="http://schemas.openxmlformats.org/drawingml/2006/chart" xmlns:ns6="http://schemas.openxmlformats.org/drawingml/2006/chartDrawing" xmlns:dgm="http://schemas.openxmlformats.org/drawingml/2006/diagram" xmlns:pic="http://schemas.openxmlformats.org/drawingml/2006/picture" xmlns:wp="http://schemas.openxmlformats.org/drawingml/2006/wordprocessingDrawing" xmlns:xdr="http://schemas.openxmlformats.org/drawingml/2006/spreadsheetDrawing" xmlns:ns11="http://schemas.openxmlformats.org/drawingml/2006/compatibility" xmlns:ns12="http://schemas.openxmlformats.org/drawingml/2006/lockedCanvas" type="title" preserve="true">
+<p:sldLayout xmlns:a="http://schemas.openxmlformats.org/drawingml/2006/main" xmlns:r="http://schemas.openxmlformats.org/officeDocument/2006/relationships" xmlns:p="http://schemas.openxmlformats.org/presentationml/2006/main" xmlns:mc="http://schemas.openxmlformats.org/markup-compatibility/2006" xmlns:c="http://schemas.openxmlformats.org/drawingml/2006/chart" xmlns:ns6="http://schemas.openxmlformats.org/drawingml/2006/chartDrawing" xmlns:dgm="http://schemas.openxmlformats.org/drawingml/2006/diagram" xmlns:pic="http://schemas.openxmlformats.org/drawingml/2006/picture" xmlns:wp="http://schemas.openxmlformats.org/drawingml/2006/wordprocessingDrawing" xmlns:xdr="http://schemas.openxmlformats.org/drawingml/2006/spreadsheetDrawing" xmlns:ns11="http://schemas.openxmlformats.org/drawingml/2006/compatibility" xmlns:ns12="http://schemas.openxmlformats.org/drawingml/2006/lockedCanvas" type="title" preserve="true">
   <p:cSld name="Title Slide">
     <p:spTree>
       <p:nvGrpSpPr>
@@ -315,7 +315,7 @@
 </file>
 
 <file path=ppt/slideLayouts/slideLayout10.xml><?xml version="1.0" encoding="utf-8"?>
-<p:sldLayout xmlns:r="http://schemas.openxmlformats.org/officeDocument/2006/relationships" xmlns:a="http://schemas.openxmlformats.org/drawingml/2006/main" xmlns:p="http://schemas.openxmlformats.org/presentationml/2006/main" xmlns:mc="http://schemas.openxmlformats.org/markup-compatibility/2006" xmlns:c="http://schemas.openxmlformats.org/drawingml/2006/chart" xmlns:ns6="http://schemas.openxmlformats.org/drawingml/2006/chartDrawing" xmlns:dgm="http://schemas.openxmlformats.org/drawingml/2006/diagram" xmlns:pic="http://schemas.openxmlformats.org/drawingml/2006/picture" xmlns:wp="http://schemas.openxmlformats.org/drawingml/2006/wordprocessingDrawing" xmlns:xdr="http://schemas.openxmlformats.org/drawingml/2006/spreadsheetDrawing" xmlns:ns11="http://schemas.openxmlformats.org/drawingml/2006/compatibility" xmlns:ns12="http://schemas.openxmlformats.org/drawingml/2006/lockedCanvas" type="vertTitleAndTx" preserve="true">
+<p:sldLayout xmlns:a="http://schemas.openxmlformats.org/drawingml/2006/main" xmlns:r="http://schemas.openxmlformats.org/officeDocument/2006/relationships" xmlns:p="http://schemas.openxmlformats.org/presentationml/2006/main" xmlns:mc="http://schemas.openxmlformats.org/markup-compatibility/2006" xmlns:c="http://schemas.openxmlformats.org/drawingml/2006/chart" xmlns:ns6="http://schemas.openxmlformats.org/drawingml/2006/chartDrawing" xmlns:dgm="http://schemas.openxmlformats.org/drawingml/2006/diagram" xmlns:pic="http://schemas.openxmlformats.org/drawingml/2006/picture" xmlns:wp="http://schemas.openxmlformats.org/drawingml/2006/wordprocessingDrawing" xmlns:xdr="http://schemas.openxmlformats.org/drawingml/2006/spreadsheetDrawing" xmlns:ns11="http://schemas.openxmlformats.org/drawingml/2006/compatibility" xmlns:ns12="http://schemas.openxmlformats.org/drawingml/2006/lockedCanvas" type="vertTitleAndTx" preserve="true">
   <p:cSld name="Vertical Title and Text">
     <p:spTree>
       <p:nvGrpSpPr>
@@ -502,7 +502,7 @@
 </file>
 
 <file path=ppt/slideLayouts/slideLayout2.xml><?xml version="1.0" encoding="utf-8"?>
-<p:sldLayout xmlns:r="http://schemas.openxmlformats.org/officeDocument/2006/relationships" xmlns:a="http://schemas.openxmlformats.org/drawingml/2006/main" xmlns:p="http://schemas.openxmlformats.org/presentationml/2006/main" xmlns:mc="http://schemas.openxmlformats.org/markup-compatibility/2006" xmlns:c="http://schemas.openxmlformats.org/drawingml/2006/chart" xmlns:ns6="http://schemas.openxmlformats.org/drawingml/2006/chartDrawing" xmlns:dgm="http://schemas.openxmlformats.org/drawingml/2006/diagram" xmlns:pic="http://schemas.openxmlformats.org/drawingml/2006/picture" xmlns:wp="http://schemas.openxmlformats.org/drawingml/2006/wordprocessingDrawing" xmlns:xdr="http://schemas.openxmlformats.org/drawingml/2006/spreadsheetDrawing" xmlns:ns11="http://schemas.openxmlformats.org/drawingml/2006/compatibility" xmlns:ns12="http://schemas.openxmlformats.org/drawingml/2006/lockedCanvas" type="obj" preserve="true">
+<p:sldLayout xmlns:a="http://schemas.openxmlformats.org/drawingml/2006/main" xmlns:r="http://schemas.openxmlformats.org/officeDocument/2006/relationships" xmlns:p="http://schemas.openxmlformats.org/presentationml/2006/main" xmlns:mc="http://schemas.openxmlformats.org/markup-compatibility/2006" xmlns:c="http://schemas.openxmlformats.org/drawingml/2006/chart" xmlns:ns6="http://schemas.openxmlformats.org/drawingml/2006/chartDrawing" xmlns:dgm="http://schemas.openxmlformats.org/drawingml/2006/diagram" xmlns:pic="http://schemas.openxmlformats.org/drawingml/2006/picture" xmlns:wp="http://schemas.openxmlformats.org/drawingml/2006/wordprocessingDrawing" xmlns:xdr="http://schemas.openxmlformats.org/drawingml/2006/spreadsheetDrawing" xmlns:ns11="http://schemas.openxmlformats.org/drawingml/2006/compatibility" xmlns:ns12="http://schemas.openxmlformats.org/drawingml/2006/lockedCanvas" type="obj" preserve="true">
   <p:cSld name="Title and Content">
     <p:spTree>
       <p:nvGrpSpPr>
@@ -684,7 +684,7 @@
 </file>
 
 <file path=ppt/slideLayouts/slideLayout3.xml><?xml version="1.0" encoding="utf-8"?>
-<p:sldLayout xmlns:r="http://schemas.openxmlformats.org/officeDocument/2006/relationships" xmlns:a="http://schemas.openxmlformats.org/drawingml/2006/main" xmlns:p="http://schemas.openxmlformats.org/presentationml/2006/main" xmlns:mc="http://schemas.openxmlformats.org/markup-compatibility/2006" xmlns:c="http://schemas.openxmlformats.org/drawingml/2006/chart" xmlns:ns6="http://schemas.openxmlformats.org/drawingml/2006/chartDrawing" xmlns:dgm="http://schemas.openxmlformats.org/drawingml/2006/diagram" xmlns:pic="http://schemas.openxmlformats.org/drawingml/2006/picture" xmlns:wp="http://schemas.openxmlformats.org/drawingml/2006/wordprocessingDrawing" xmlns:xdr="http://schemas.openxmlformats.org/drawingml/2006/spreadsheetDrawing" xmlns:ns11="http://schemas.openxmlformats.org/drawingml/2006/compatibility" xmlns:ns12="http://schemas.openxmlformats.org/drawingml/2006/lockedCanvas" type="secHead" preserve="true">
+<p:sldLayout xmlns:a="http://schemas.openxmlformats.org/drawingml/2006/main" xmlns:r="http://schemas.openxmlformats.org/officeDocument/2006/relationships" xmlns:p="http://schemas.openxmlformats.org/presentationml/2006/main" xmlns:mc="http://schemas.openxmlformats.org/markup-compatibility/2006" xmlns:c="http://schemas.openxmlformats.org/drawingml/2006/chart" xmlns:ns6="http://schemas.openxmlformats.org/drawingml/2006/chartDrawing" xmlns:dgm="http://schemas.openxmlformats.org/drawingml/2006/diagram" xmlns:pic="http://schemas.openxmlformats.org/drawingml/2006/picture" xmlns:wp="http://schemas.openxmlformats.org/drawingml/2006/wordprocessingDrawing" xmlns:xdr="http://schemas.openxmlformats.org/drawingml/2006/spreadsheetDrawing" xmlns:ns11="http://schemas.openxmlformats.org/drawingml/2006/compatibility" xmlns:ns12="http://schemas.openxmlformats.org/drawingml/2006/lockedCanvas" type="secHead" preserve="true">
   <p:cSld name="Section Header">
     <p:spTree>
       <p:nvGrpSpPr>
@@ -937,7 +937,7 @@
 </file>
 
 <file path=ppt/slideLayouts/slideLayout4.xml><?xml version="1.0" encoding="utf-8"?>
-<p:sldLayout xmlns:r="http://schemas.openxmlformats.org/officeDocument/2006/relationships" xmlns:a="http://schemas.openxmlformats.org/drawingml/2006/main" xmlns:p="http://schemas.openxmlformats.org/presentationml/2006/main" xmlns:mc="http://schemas.openxmlformats.org/markup-compatibility/2006" xmlns:c="http://schemas.openxmlformats.org/drawingml/2006/chart" xmlns:ns6="http://schemas.openxmlformats.org/drawingml/2006/chartDrawing" xmlns:dgm="http://schemas.openxmlformats.org/drawingml/2006/diagram" xmlns:pic="http://schemas.openxmlformats.org/drawingml/2006/picture" xmlns:wp="http://schemas.openxmlformats.org/drawingml/2006/wordprocessingDrawing" xmlns:xdr="http://schemas.openxmlformats.org/drawingml/2006/spreadsheetDrawing" xmlns:ns11="http://schemas.openxmlformats.org/drawingml/2006/compatibility" xmlns:ns12="http://schemas.openxmlformats.org/drawingml/2006/lockedCanvas" type="twoObj" preserve="true">
+<p:sldLayout xmlns:a="http://schemas.openxmlformats.org/drawingml/2006/main" xmlns:r="http://schemas.openxmlformats.org/officeDocument/2006/relationships" xmlns:p="http://schemas.openxmlformats.org/presentationml/2006/main" xmlns:mc="http://schemas.openxmlformats.org/markup-compatibility/2006" xmlns:c="http://schemas.openxmlformats.org/drawingml/2006/chart" xmlns:ns6="http://schemas.openxmlformats.org/drawingml/2006/chartDrawing" xmlns:dgm="http://schemas.openxmlformats.org/drawingml/2006/diagram" xmlns:pic="http://schemas.openxmlformats.org/drawingml/2006/picture" xmlns:wp="http://schemas.openxmlformats.org/drawingml/2006/wordprocessingDrawing" xmlns:xdr="http://schemas.openxmlformats.org/drawingml/2006/spreadsheetDrawing" xmlns:ns11="http://schemas.openxmlformats.org/drawingml/2006/compatibility" xmlns:ns12="http://schemas.openxmlformats.org/drawingml/2006/lockedCanvas" type="twoObj" preserve="true">
   <p:cSld name="Two Content">
     <p:spTree>
       <p:nvGrpSpPr>
@@ -1176,7 +1176,7 @@
 </file>
 
 <file path=ppt/slideLayouts/slideLayout5.xml><?xml version="1.0" encoding="utf-8"?>
-<p:sldLayout xmlns:r="http://schemas.openxmlformats.org/officeDocument/2006/relationships" xmlns:a="http://schemas.openxmlformats.org/drawingml/2006/main" xmlns:p="http://schemas.openxmlformats.org/presentationml/2006/main" xmlns:mc="http://schemas.openxmlformats.org/markup-compatibility/2006" xmlns:c="http://schemas.openxmlformats.org/drawingml/2006/chart" xmlns:ns6="http://schemas.openxmlformats.org/drawingml/2006/chartDrawing" xmlns:dgm="http://schemas.openxmlformats.org/drawingml/2006/diagram" xmlns:pic="http://schemas.openxmlformats.org/drawingml/2006/picture" xmlns:wp="http://schemas.openxmlformats.org/drawingml/2006/wordprocessingDrawing" xmlns:xdr="http://schemas.openxmlformats.org/drawingml/2006/spreadsheetDrawing" xmlns:ns11="http://schemas.openxmlformats.org/drawingml/2006/compatibility" xmlns:ns12="http://schemas.openxmlformats.org/drawingml/2006/lockedCanvas" type="twoTxTwoObj" preserve="true">
+<p:sldLayout xmlns:a="http://schemas.openxmlformats.org/drawingml/2006/main" xmlns:r="http://schemas.openxmlformats.org/officeDocument/2006/relationships" xmlns:p="http://schemas.openxmlformats.org/presentationml/2006/main" xmlns:mc="http://schemas.openxmlformats.org/markup-compatibility/2006" xmlns:c="http://schemas.openxmlformats.org/drawingml/2006/chart" xmlns:ns6="http://schemas.openxmlformats.org/drawingml/2006/chartDrawing" xmlns:dgm="http://schemas.openxmlformats.org/drawingml/2006/diagram" xmlns:pic="http://schemas.openxmlformats.org/drawingml/2006/picture" xmlns:wp="http://schemas.openxmlformats.org/drawingml/2006/wordprocessingDrawing" xmlns:xdr="http://schemas.openxmlformats.org/drawingml/2006/spreadsheetDrawing" xmlns:ns11="http://schemas.openxmlformats.org/drawingml/2006/compatibility" xmlns:ns12="http://schemas.openxmlformats.org/drawingml/2006/lockedCanvas" type="twoTxTwoObj" preserve="true">
   <p:cSld name="Comparison">
     <p:spTree>
       <p:nvGrpSpPr>
@@ -1531,7 +1531,7 @@
 </file>
 
 <file path=ppt/slideLayouts/slideLayout6.xml><?xml version="1.0" encoding="utf-8"?>
-<p:sldLayout xmlns:r="http://schemas.openxmlformats.org/officeDocument/2006/relationships" xmlns:a="http://schemas.openxmlformats.org/drawingml/2006/main" xmlns:p="http://schemas.openxmlformats.org/presentationml/2006/main" xmlns:mc="http://schemas.openxmlformats.org/markup-compatibility/2006" xmlns:c="http://schemas.openxmlformats.org/drawingml/2006/chart" xmlns:ns6="http://schemas.openxmlformats.org/drawingml/2006/chartDrawing" xmlns:dgm="http://schemas.openxmlformats.org/drawingml/2006/diagram" xmlns:pic="http://schemas.openxmlformats.org/drawingml/2006/picture" xmlns:wp="http://schemas.openxmlformats.org/drawingml/2006/wordprocessingDrawing" xmlns:xdr="http://schemas.openxmlformats.org/drawingml/2006/spreadsheetDrawing" xmlns:ns11="http://schemas.openxmlformats.org/drawingml/2006/compatibility" xmlns:ns12="http://schemas.openxmlformats.org/drawingml/2006/lockedCanvas" type="titleOnly" preserve="true">
+<p:sldLayout xmlns:a="http://schemas.openxmlformats.org/drawingml/2006/main" xmlns:r="http://schemas.openxmlformats.org/officeDocument/2006/relationships" xmlns:p="http://schemas.openxmlformats.org/presentationml/2006/main" xmlns:mc="http://schemas.openxmlformats.org/markup-compatibility/2006" xmlns:c="http://schemas.openxmlformats.org/drawingml/2006/chart" xmlns:ns6="http://schemas.openxmlformats.org/drawingml/2006/chartDrawing" xmlns:dgm="http://schemas.openxmlformats.org/drawingml/2006/diagram" xmlns:pic="http://schemas.openxmlformats.org/drawingml/2006/picture" xmlns:wp="http://schemas.openxmlformats.org/drawingml/2006/wordprocessingDrawing" xmlns:xdr="http://schemas.openxmlformats.org/drawingml/2006/spreadsheetDrawing" xmlns:ns11="http://schemas.openxmlformats.org/drawingml/2006/compatibility" xmlns:ns12="http://schemas.openxmlformats.org/drawingml/2006/lockedCanvas" type="titleOnly" preserve="true">
   <p:cSld name="Title Only">
     <p:spTree>
       <p:nvGrpSpPr>
@@ -1656,7 +1656,7 @@
 </file>
 
 <file path=ppt/slideLayouts/slideLayout7.xml><?xml version="1.0" encoding="utf-8"?>
-<p:sldLayout xmlns:r="http://schemas.openxmlformats.org/officeDocument/2006/relationships" xmlns:a="http://schemas.openxmlformats.org/drawingml/2006/main" xmlns:p="http://schemas.openxmlformats.org/presentationml/2006/main" xmlns:mc="http://schemas.openxmlformats.org/markup-compatibility/2006" xmlns:c="http://schemas.openxmlformats.org/drawingml/2006/chart" xmlns:ns6="http://schemas.openxmlformats.org/drawingml/2006/chartDrawing" xmlns:dgm="http://schemas.openxmlformats.org/drawingml/2006/diagram" xmlns:pic="http://schemas.openxmlformats.org/drawingml/2006/picture" xmlns:wp="http://schemas.openxmlformats.org/drawingml/2006/wordprocessingDrawing" xmlns:xdr="http://schemas.openxmlformats.org/drawingml/2006/spreadsheetDrawing" xmlns:ns11="http://schemas.openxmlformats.org/drawingml/2006/compatibility" xmlns:ns12="http://schemas.openxmlformats.org/drawingml/2006/lockedCanvas" type="blank" preserve="true">
+<p:sldLayout xmlns:a="http://schemas.openxmlformats.org/drawingml/2006/main" xmlns:r="http://schemas.openxmlformats.org/officeDocument/2006/relationships" xmlns:p="http://schemas.openxmlformats.org/presentationml/2006/main" xmlns:mc="http://schemas.openxmlformats.org/markup-compatibility/2006" xmlns:c="http://schemas.openxmlformats.org/drawingml/2006/chart" xmlns:ns6="http://schemas.openxmlformats.org/drawingml/2006/chartDrawing" xmlns:dgm="http://schemas.openxmlformats.org/drawingml/2006/diagram" xmlns:pic="http://schemas.openxmlformats.org/drawingml/2006/picture" xmlns:wp="http://schemas.openxmlformats.org/drawingml/2006/wordprocessingDrawing" xmlns:xdr="http://schemas.openxmlformats.org/drawingml/2006/spreadsheetDrawing" xmlns:ns11="http://schemas.openxmlformats.org/drawingml/2006/compatibility" xmlns:ns12="http://schemas.openxmlformats.org/drawingml/2006/lockedCanvas" type="blank" preserve="true">
   <p:cSld name="Blank">
     <p:spTree>
       <p:nvGrpSpPr>
@@ -1758,7 +1758,7 @@
 </file>
 
 <file path=ppt/slideLayouts/slideLayout8.xml><?xml version="1.0" encoding="utf-8"?>
-<p:sldLayout xmlns:r="http://schemas.openxmlformats.org/officeDocument/2006/relationships" xmlns:a="http://schemas.openxmlformats.org/drawingml/2006/main" xmlns:p="http://schemas.openxmlformats.org/presentationml/2006/main" xmlns:mc="http://schemas.openxmlformats.org/markup-compatibility/2006" xmlns:c="http://schemas.openxmlformats.org/drawingml/2006/chart" xmlns:ns6="http://schemas.openxmlformats.org/drawingml/2006/chartDrawing" xmlns:dgm="http://schemas.openxmlformats.org/drawingml/2006/diagram" xmlns:pic="http://schemas.openxmlformats.org/drawingml/2006/picture" xmlns:wp="http://schemas.openxmlformats.org/drawingml/2006/wordprocessingDrawing" xmlns:xdr="http://schemas.openxmlformats.org/drawingml/2006/spreadsheetDrawing" xmlns:ns11="http://schemas.openxmlformats.org/drawingml/2006/compatibility" xmlns:ns12="http://schemas.openxmlformats.org/drawingml/2006/lockedCanvas" type="objTx" preserve="true">
+<p:sldLayout xmlns:a="http://schemas.openxmlformats.org/drawingml/2006/main" xmlns:r="http://schemas.openxmlformats.org/officeDocument/2006/relationships" xmlns:p="http://schemas.openxmlformats.org/presentationml/2006/main" xmlns:mc="http://schemas.openxmlformats.org/markup-compatibility/2006" xmlns:c="http://schemas.openxmlformats.org/drawingml/2006/chart" xmlns:ns6="http://schemas.openxmlformats.org/drawingml/2006/chartDrawing" xmlns:dgm="http://schemas.openxmlformats.org/drawingml/2006/diagram" xmlns:pic="http://schemas.openxmlformats.org/drawingml/2006/picture" xmlns:wp="http://schemas.openxmlformats.org/drawingml/2006/wordprocessingDrawing" xmlns:xdr="http://schemas.openxmlformats.org/drawingml/2006/spreadsheetDrawing" xmlns:ns11="http://schemas.openxmlformats.org/drawingml/2006/compatibility" xmlns:ns12="http://schemas.openxmlformats.org/drawingml/2006/lockedCanvas" type="objTx" preserve="true">
   <p:cSld name="Content with Caption">
     <p:spTree>
       <p:nvGrpSpPr>
@@ -2042,7 +2042,7 @@
 </file>
 
 <file path=ppt/slideLayouts/slideLayout9.xml><?xml version="1.0" encoding="utf-8"?>
-<p:sldLayout xmlns:r="http://schemas.openxmlformats.org/officeDocument/2006/relationships" xmlns:a="http://schemas.openxmlformats.org/drawingml/2006/main" xmlns:p="http://schemas.openxmlformats.org/presentationml/2006/main" xmlns:mc="http://schemas.openxmlformats.org/markup-compatibility/2006" xmlns:c="http://schemas.openxmlformats.org/drawingml/2006/chart" xmlns:ns6="http://schemas.openxmlformats.org/drawingml/2006/chartDrawing" xmlns:dgm="http://schemas.openxmlformats.org/drawingml/2006/diagram" xmlns:pic="http://schemas.openxmlformats.org/drawingml/2006/picture" xmlns:wp="http://schemas.openxmlformats.org/drawingml/2006/wordprocessingDrawing" xmlns:xdr="http://schemas.openxmlformats.org/drawingml/2006/spreadsheetDrawing" xmlns:ns11="http://schemas.openxmlformats.org/drawingml/2006/compatibility" xmlns:ns12="http://schemas.openxmlformats.org/drawingml/2006/lockedCanvas" type="vertTx" preserve="true">
+<p:sldLayout xmlns:a="http://schemas.openxmlformats.org/drawingml/2006/main" xmlns:r="http://schemas.openxmlformats.org/officeDocument/2006/relationships" xmlns:p="http://schemas.openxmlformats.org/presentationml/2006/main" xmlns:mc="http://schemas.openxmlformats.org/markup-compatibility/2006" xmlns:c="http://schemas.openxmlformats.org/drawingml/2006/chart" xmlns:ns6="http://schemas.openxmlformats.org/drawingml/2006/chartDrawing" xmlns:dgm="http://schemas.openxmlformats.org/drawingml/2006/diagram" xmlns:pic="http://schemas.openxmlformats.org/drawingml/2006/picture" xmlns:wp="http://schemas.openxmlformats.org/drawingml/2006/wordprocessingDrawing" xmlns:xdr="http://schemas.openxmlformats.org/drawingml/2006/spreadsheetDrawing" xmlns:ns11="http://schemas.openxmlformats.org/drawingml/2006/compatibility" xmlns:ns12="http://schemas.openxmlformats.org/drawingml/2006/lockedCanvas" type="vertTx" preserve="true">
   <p:cSld name="Title and Vertical Text">
     <p:spTree>
       <p:nvGrpSpPr>
@@ -2219,7 +2219,7 @@
 </file>
 
 <file path=ppt/slideMasters/slideMaster1.xml><?xml version="1.0" encoding="utf-8"?>
-<p:sldMaster xmlns:r="http://schemas.openxmlformats.org/officeDocument/2006/relationships" xmlns:a="http://schemas.openxmlformats.org/drawingml/2006/main" xmlns:p="http://schemas.openxmlformats.org/presentationml/2006/main" xmlns:mc="http://schemas.openxmlformats.org/markup-compatibility/2006" xmlns:c="http://schemas.openxmlformats.org/drawingml/2006/chart" xmlns:ns6="http://schemas.openxmlformats.org/drawingml/2006/chartDrawing" xmlns:dgm="http://schemas.openxmlformats.org/drawingml/2006/diagram" xmlns:pic="http://schemas.openxmlformats.org/drawingml/2006/picture" xmlns:wp="http://schemas.openxmlformats.org/drawingml/2006/wordprocessingDrawing" xmlns:xdr="http://schemas.openxmlformats.org/drawingml/2006/spreadsheetDrawing" xmlns:ns11="http://schemas.openxmlformats.org/drawingml/2006/compatibility" xmlns:ns12="http://schemas.openxmlformats.org/drawingml/2006/lockedCanvas">
+<p:sldMaster xmlns:a="http://schemas.openxmlformats.org/drawingml/2006/main" xmlns:r="http://schemas.openxmlformats.org/officeDocument/2006/relationships" xmlns:p="http://schemas.openxmlformats.org/presentationml/2006/main" xmlns:mc="http://schemas.openxmlformats.org/markup-compatibility/2006" xmlns:c="http://schemas.openxmlformats.org/drawingml/2006/chart" xmlns:ns6="http://schemas.openxmlformats.org/drawingml/2006/chartDrawing" xmlns:dgm="http://schemas.openxmlformats.org/drawingml/2006/diagram" xmlns:pic="http://schemas.openxmlformats.org/drawingml/2006/picture" xmlns:wp="http://schemas.openxmlformats.org/drawingml/2006/wordprocessingDrawing" xmlns:xdr="http://schemas.openxmlformats.org/drawingml/2006/spreadsheetDrawing" xmlns:ns11="http://schemas.openxmlformats.org/drawingml/2006/compatibility" xmlns:ns12="http://schemas.openxmlformats.org/drawingml/2006/lockedCanvas">
   <p:cSld>
     <p:bg>
       <p:bgRef idx="1001">
@@ -2765,7 +2765,7 @@
 </file>
 
 <file path=ppt/slides/slide1.xml><?xml version="1.0" encoding="utf-8"?>
-<p:sld xmlns:r="http://schemas.openxmlformats.org/officeDocument/2006/relationships" xmlns:a="http://schemas.openxmlformats.org/drawingml/2006/main" xmlns:p="http://schemas.openxmlformats.org/presentationml/2006/main" xmlns:mc="http://schemas.openxmlformats.org/markup-compatibility/2006" xmlns:c="http://schemas.openxmlformats.org/drawingml/2006/chart" xmlns:ns6="http://schemas.openxmlformats.org/drawingml/2006/chartDrawing" xmlns:dgm="http://schemas.openxmlformats.org/drawingml/2006/diagram" xmlns:pic="http://schemas.openxmlformats.org/drawingml/2006/picture" xmlns:wp="http://schemas.openxmlformats.org/drawingml/2006/wordprocessingDrawing" xmlns:xdr="http://schemas.openxmlformats.org/drawingml/2006/spreadsheetDrawing" xmlns:ns11="http://schemas.openxmlformats.org/drawingml/2006/compatibility" xmlns:ns12="http://schemas.openxmlformats.org/drawingml/2006/lockedCanvas">
+<p:sld xmlns:a="http://schemas.openxmlformats.org/drawingml/2006/main" xmlns:r="http://schemas.openxmlformats.org/officeDocument/2006/relationships" xmlns:p="http://schemas.openxmlformats.org/presentationml/2006/main" xmlns:mc="http://schemas.openxmlformats.org/markup-compatibility/2006" xmlns:c="http://schemas.openxmlformats.org/drawingml/2006/chart" xmlns:ns6="http://schemas.openxmlformats.org/drawingml/2006/chartDrawing" xmlns:dgm="http://schemas.openxmlformats.org/drawingml/2006/diagram" xmlns:pic="http://schemas.openxmlformats.org/drawingml/2006/picture" xmlns:wp="http://schemas.openxmlformats.org/drawingml/2006/wordprocessingDrawing" xmlns:xdr="http://schemas.openxmlformats.org/drawingml/2006/spreadsheetDrawing" xmlns:ns11="http://schemas.openxmlformats.org/drawingml/2006/compatibility" xmlns:ns12="http://schemas.openxmlformats.org/drawingml/2006/lockedCanvas">
   <p:cSld>
     <p:spTree>
       <p:nvGrpSpPr>
@@ -2827,7 +2827,7 @@
 </file>
 
 <file path=ppt/slides/slide2.xml><?xml version="1.0" encoding="utf-8"?>
-<p:sld xmlns:r="http://schemas.openxmlformats.org/officeDocument/2006/relationships" xmlns:a="http://schemas.openxmlformats.org/drawingml/2006/main" xmlns:p="http://schemas.openxmlformats.org/presentationml/2006/main" xmlns:mc="http://schemas.openxmlformats.org/markup-compatibility/2006" xmlns:c="http://schemas.openxmlformats.org/drawingml/2006/chart" xmlns:ns6="http://schemas.openxmlformats.org/drawingml/2006/chartDrawing" xmlns:dgm="http://schemas.openxmlformats.org/drawingml/2006/diagram" xmlns:pic="http://schemas.openxmlformats.org/drawingml/2006/picture" xmlns:wp="http://schemas.openxmlformats.org/drawingml/2006/wordprocessingDrawing" xmlns:xdr="http://schemas.openxmlformats.org/drawingml/2006/spreadsheetDrawing" xmlns:ns11="http://schemas.openxmlformats.org/drawingml/2006/compatibility" xmlns:ns12="http://schemas.openxmlformats.org/drawingml/2006/lockedCanvas">
+<p:sld xmlns:a="http://schemas.openxmlformats.org/drawingml/2006/main" xmlns:r="http://schemas.openxmlformats.org/officeDocument/2006/relationships" xmlns:p="http://schemas.openxmlformats.org/presentationml/2006/main" xmlns:mc="http://schemas.openxmlformats.org/markup-compatibility/2006" xmlns:c="http://schemas.openxmlformats.org/drawingml/2006/chart" xmlns:ns6="http://schemas.openxmlformats.org/drawingml/2006/chartDrawing" xmlns:dgm="http://schemas.openxmlformats.org/drawingml/2006/diagram" xmlns:pic="http://schemas.openxmlformats.org/drawingml/2006/picture" xmlns:wp="http://schemas.openxmlformats.org/drawingml/2006/wordprocessingDrawing" xmlns:xdr="http://schemas.openxmlformats.org/drawingml/2006/spreadsheetDrawing" xmlns:ns11="http://schemas.openxmlformats.org/drawingml/2006/compatibility" xmlns:ns12="http://schemas.openxmlformats.org/drawingml/2006/lockedCanvas">
   <p:cSld>
     <p:spTree>
       <p:nvGrpSpPr>
@@ -3008,7 +3008,7 @@
 </file>
 
 <file path=ppt/slides/slide3.xml><?xml version="1.0" encoding="utf-8"?>
-<p:sld xmlns:r="http://schemas.openxmlformats.org/officeDocument/2006/relationships" xmlns:a="http://schemas.openxmlformats.org/drawingml/2006/main" xmlns:p="http://schemas.openxmlformats.org/presentationml/2006/main" xmlns:mc="http://schemas.openxmlformats.org/markup-compatibility/2006" xmlns:c="http://schemas.openxmlformats.org/drawingml/2006/chart" xmlns:ns6="http://schemas.openxmlformats.org/drawingml/2006/chartDrawing" xmlns:dgm="http://schemas.openxmlformats.org/drawingml/2006/diagram" xmlns:pic="http://schemas.openxmlformats.org/drawingml/2006/picture" xmlns:wp="http://schemas.openxmlformats.org/drawingml/2006/wordprocessingDrawing" xmlns:xdr="http://schemas.openxmlformats.org/drawingml/2006/spreadsheetDrawing" xmlns:ns11="http://schemas.openxmlformats.org/drawingml/2006/compatibility" xmlns:ns12="http://schemas.openxmlformats.org/drawingml/2006/lockedCanvas">
+<p:sld xmlns:a="http://schemas.openxmlformats.org/drawingml/2006/main" xmlns:r="http://schemas.openxmlformats.org/officeDocument/2006/relationships" xmlns:p="http://schemas.openxmlformats.org/presentationml/2006/main" xmlns:mc="http://schemas.openxmlformats.org/markup-compatibility/2006" xmlns:c="http://schemas.openxmlformats.org/drawingml/2006/chart" xmlns:ns6="http://schemas.openxmlformats.org/drawingml/2006/chartDrawing" xmlns:dgm="http://schemas.openxmlformats.org/drawingml/2006/diagram" xmlns:pic="http://schemas.openxmlformats.org/drawingml/2006/picture" xmlns:wp="http://schemas.openxmlformats.org/drawingml/2006/wordprocessingDrawing" xmlns:xdr="http://schemas.openxmlformats.org/drawingml/2006/spreadsheetDrawing" xmlns:ns11="http://schemas.openxmlformats.org/drawingml/2006/compatibility" xmlns:ns12="http://schemas.openxmlformats.org/drawingml/2006/lockedCanvas">
   <p:cSld>
     <p:spTree>
       <p:nvGrpSpPr>
@@ -10787,7 +10787,7 @@
 </file>
 
 <file path=ppt/slides/slide4.xml><?xml version="1.0" encoding="utf-8"?>
-<p:sld xmlns:r="http://schemas.openxmlformats.org/officeDocument/2006/relationships" xmlns:a="http://schemas.openxmlformats.org/drawingml/2006/main" xmlns:p="http://schemas.openxmlformats.org/presentationml/2006/main" xmlns:mc="http://schemas.openxmlformats.org/markup-compatibility/2006" xmlns:c="http://schemas.openxmlformats.org/drawingml/2006/chart" xmlns:ns6="http://schemas.openxmlformats.org/drawingml/2006/chartDrawing" xmlns:dgm="http://schemas.openxmlformats.org/drawingml/2006/diagram" xmlns:pic="http://schemas.openxmlformats.org/drawingml/2006/picture" xmlns:wp="http://schemas.openxmlformats.org/drawingml/2006/wordprocessingDrawing" xmlns:xdr="http://schemas.openxmlformats.org/drawingml/2006/spreadsheetDrawing" xmlns:ns11="http://schemas.openxmlformats.org/drawingml/2006/compatibility" xmlns:ns12="http://schemas.openxmlformats.org/drawingml/2006/lockedCanvas">
+<p:sld xmlns:a="http://schemas.openxmlformats.org/drawingml/2006/main" xmlns:r="http://schemas.openxmlformats.org/officeDocument/2006/relationships" xmlns:p="http://schemas.openxmlformats.org/presentationml/2006/main" xmlns:mc="http://schemas.openxmlformats.org/markup-compatibility/2006" xmlns:c="http://schemas.openxmlformats.org/drawingml/2006/chart" xmlns:ns6="http://schemas.openxmlformats.org/drawingml/2006/chartDrawing" xmlns:dgm="http://schemas.openxmlformats.org/drawingml/2006/diagram" xmlns:pic="http://schemas.openxmlformats.org/drawingml/2006/picture" xmlns:wp="http://schemas.openxmlformats.org/drawingml/2006/wordprocessingDrawing" xmlns:xdr="http://schemas.openxmlformats.org/drawingml/2006/spreadsheetDrawing" xmlns:ns11="http://schemas.openxmlformats.org/drawingml/2006/compatibility" xmlns:ns12="http://schemas.openxmlformats.org/drawingml/2006/lockedCanvas">
   <p:cSld>
     <p:spTree>
       <p:nvGrpSpPr>

--- a/docs/reference/presentation_example.pptx
+++ b/docs/reference/presentation_example.pptx
@@ -1,14 +1,14 @@
 
 <file path=ppt/presentation.xml><?xml version="1.0" encoding="utf-8"?>
-<p:presentation xmlns:a="http://schemas.openxmlformats.org/drawingml/2006/main" xmlns:r="http://schemas.openxmlformats.org/officeDocument/2006/relationships" xmlns:p="http://schemas.openxmlformats.org/presentationml/2006/main" xmlns:mc="http://schemas.openxmlformats.org/markup-compatibility/2006" xmlns:c="http://schemas.openxmlformats.org/drawingml/2006/chart" xmlns:ns6="http://schemas.openxmlformats.org/drawingml/2006/chartDrawing" xmlns:dgm="http://schemas.openxmlformats.org/drawingml/2006/diagram" xmlns:pic="http://schemas.openxmlformats.org/drawingml/2006/picture" xmlns:wp="http://schemas.openxmlformats.org/drawingml/2006/wordprocessingDrawing" xmlns:xdr="http://schemas.openxmlformats.org/drawingml/2006/spreadsheetDrawing" xmlns:ns11="http://schemas.openxmlformats.org/drawingml/2006/compatibility" xmlns:ns12="http://schemas.openxmlformats.org/drawingml/2006/lockedCanvas" saveSubsetFonts="true">
+<p:presentation xmlns:p="http://schemas.openxmlformats.org/presentationml/2006/main" xmlns:r="http://schemas.openxmlformats.org/officeDocument/2006/relationships" xmlns:a="http://schemas.openxmlformats.org/drawingml/2006/main" xmlns:mc="http://schemas.openxmlformats.org/markup-compatibility/2006" xmlns:c="http://schemas.openxmlformats.org/drawingml/2006/chart" xmlns:ns6="http://schemas.openxmlformats.org/drawingml/2006/chartDrawing" xmlns:dgm="http://schemas.openxmlformats.org/drawingml/2006/diagram" xmlns:pic="http://schemas.openxmlformats.org/drawingml/2006/picture" xmlns:wp="http://schemas.openxmlformats.org/drawingml/2006/wordprocessingDrawing" xmlns:xdr="http://schemas.openxmlformats.org/drawingml/2006/spreadsheetDrawing" xmlns:ns11="http://schemas.openxmlformats.org/drawingml/2006/compatibility" xmlns:ns12="http://schemas.openxmlformats.org/drawingml/2006/lockedCanvas" saveSubsetFonts="true">
   <p:sldMasterIdLst>
     <p:sldMasterId id="2147483648" r:id="rId1"/>
   </p:sldMasterIdLst>
   <p:sldIdLst>
-    <p:sldId id="668098879" r:id="rId6"/>
-    <p:sldId id="1159289622" r:id="rId7"/>
-    <p:sldId id="1061599083" r:id="rId8"/>
-    <p:sldId id="295446792" r:id="rId9"/>
+    <p:sldId id="2095225786" r:id="rId6"/>
+    <p:sldId id="1839789553" r:id="rId7"/>
+    <p:sldId id="2063495025" r:id="rId8"/>
+    <p:sldId id="1253371050" r:id="rId9"/>
   </p:sldIdLst>
   <p:sldSz cx="12192000" cy="6858000"/>
   <p:notesSz cx="6858000" cy="9144000"/>
@@ -116,7 +116,7 @@
 </file>
 
 <file path=ppt/slideLayouts/slideLayout1.xml><?xml version="1.0" encoding="utf-8"?>
-<p:sldLayout xmlns:a="http://schemas.openxmlformats.org/drawingml/2006/main" xmlns:r="http://schemas.openxmlformats.org/officeDocument/2006/relationships" xmlns:p="http://schemas.openxmlformats.org/presentationml/2006/main" xmlns:mc="http://schemas.openxmlformats.org/markup-compatibility/2006" xmlns:c="http://schemas.openxmlformats.org/drawingml/2006/chart" xmlns:ns6="http://schemas.openxmlformats.org/drawingml/2006/chartDrawing" xmlns:dgm="http://schemas.openxmlformats.org/drawingml/2006/diagram" xmlns:pic="http://schemas.openxmlformats.org/drawingml/2006/picture" xmlns:wp="http://schemas.openxmlformats.org/drawingml/2006/wordprocessingDrawing" xmlns:xdr="http://schemas.openxmlformats.org/drawingml/2006/spreadsheetDrawing" xmlns:ns11="http://schemas.openxmlformats.org/drawingml/2006/compatibility" xmlns:ns12="http://schemas.openxmlformats.org/drawingml/2006/lockedCanvas" type="title" preserve="true">
+<p:sldLayout xmlns:p="http://schemas.openxmlformats.org/presentationml/2006/main" xmlns:r="http://schemas.openxmlformats.org/officeDocument/2006/relationships" xmlns:a="http://schemas.openxmlformats.org/drawingml/2006/main" xmlns:mc="http://schemas.openxmlformats.org/markup-compatibility/2006" xmlns:c="http://schemas.openxmlformats.org/drawingml/2006/chart" xmlns:ns6="http://schemas.openxmlformats.org/drawingml/2006/chartDrawing" xmlns:dgm="http://schemas.openxmlformats.org/drawingml/2006/diagram" xmlns:pic="http://schemas.openxmlformats.org/drawingml/2006/picture" xmlns:wp="http://schemas.openxmlformats.org/drawingml/2006/wordprocessingDrawing" xmlns:xdr="http://schemas.openxmlformats.org/drawingml/2006/spreadsheetDrawing" xmlns:ns11="http://schemas.openxmlformats.org/drawingml/2006/compatibility" xmlns:ns12="http://schemas.openxmlformats.org/drawingml/2006/lockedCanvas" type="title" preserve="true">
   <p:cSld name="Title Slide">
     <p:spTree>
       <p:nvGrpSpPr>
@@ -315,7 +315,7 @@
 </file>
 
 <file path=ppt/slideLayouts/slideLayout10.xml><?xml version="1.0" encoding="utf-8"?>
-<p:sldLayout xmlns:a="http://schemas.openxmlformats.org/drawingml/2006/main" xmlns:r="http://schemas.openxmlformats.org/officeDocument/2006/relationships" xmlns:p="http://schemas.openxmlformats.org/presentationml/2006/main" xmlns:mc="http://schemas.openxmlformats.org/markup-compatibility/2006" xmlns:c="http://schemas.openxmlformats.org/drawingml/2006/chart" xmlns:ns6="http://schemas.openxmlformats.org/drawingml/2006/chartDrawing" xmlns:dgm="http://schemas.openxmlformats.org/drawingml/2006/diagram" xmlns:pic="http://schemas.openxmlformats.org/drawingml/2006/picture" xmlns:wp="http://schemas.openxmlformats.org/drawingml/2006/wordprocessingDrawing" xmlns:xdr="http://schemas.openxmlformats.org/drawingml/2006/spreadsheetDrawing" xmlns:ns11="http://schemas.openxmlformats.org/drawingml/2006/compatibility" xmlns:ns12="http://schemas.openxmlformats.org/drawingml/2006/lockedCanvas" type="vertTitleAndTx" preserve="true">
+<p:sldLayout xmlns:p="http://schemas.openxmlformats.org/presentationml/2006/main" xmlns:r="http://schemas.openxmlformats.org/officeDocument/2006/relationships" xmlns:a="http://schemas.openxmlformats.org/drawingml/2006/main" xmlns:mc="http://schemas.openxmlformats.org/markup-compatibility/2006" xmlns:c="http://schemas.openxmlformats.org/drawingml/2006/chart" xmlns:ns6="http://schemas.openxmlformats.org/drawingml/2006/chartDrawing" xmlns:dgm="http://schemas.openxmlformats.org/drawingml/2006/diagram" xmlns:pic="http://schemas.openxmlformats.org/drawingml/2006/picture" xmlns:wp="http://schemas.openxmlformats.org/drawingml/2006/wordprocessingDrawing" xmlns:xdr="http://schemas.openxmlformats.org/drawingml/2006/spreadsheetDrawing" xmlns:ns11="http://schemas.openxmlformats.org/drawingml/2006/compatibility" xmlns:ns12="http://schemas.openxmlformats.org/drawingml/2006/lockedCanvas" type="vertTitleAndTx" preserve="true">
   <p:cSld name="Vertical Title and Text">
     <p:spTree>
       <p:nvGrpSpPr>
@@ -502,7 +502,7 @@
 </file>
 
 <file path=ppt/slideLayouts/slideLayout2.xml><?xml version="1.0" encoding="utf-8"?>
-<p:sldLayout xmlns:a="http://schemas.openxmlformats.org/drawingml/2006/main" xmlns:r="http://schemas.openxmlformats.org/officeDocument/2006/relationships" xmlns:p="http://schemas.openxmlformats.org/presentationml/2006/main" xmlns:mc="http://schemas.openxmlformats.org/markup-compatibility/2006" xmlns:c="http://schemas.openxmlformats.org/drawingml/2006/chart" xmlns:ns6="http://schemas.openxmlformats.org/drawingml/2006/chartDrawing" xmlns:dgm="http://schemas.openxmlformats.org/drawingml/2006/diagram" xmlns:pic="http://schemas.openxmlformats.org/drawingml/2006/picture" xmlns:wp="http://schemas.openxmlformats.org/drawingml/2006/wordprocessingDrawing" xmlns:xdr="http://schemas.openxmlformats.org/drawingml/2006/spreadsheetDrawing" xmlns:ns11="http://schemas.openxmlformats.org/drawingml/2006/compatibility" xmlns:ns12="http://schemas.openxmlformats.org/drawingml/2006/lockedCanvas" type="obj" preserve="true">
+<p:sldLayout xmlns:p="http://schemas.openxmlformats.org/presentationml/2006/main" xmlns:r="http://schemas.openxmlformats.org/officeDocument/2006/relationships" xmlns:a="http://schemas.openxmlformats.org/drawingml/2006/main" xmlns:mc="http://schemas.openxmlformats.org/markup-compatibility/2006" xmlns:c="http://schemas.openxmlformats.org/drawingml/2006/chart" xmlns:ns6="http://schemas.openxmlformats.org/drawingml/2006/chartDrawing" xmlns:dgm="http://schemas.openxmlformats.org/drawingml/2006/diagram" xmlns:pic="http://schemas.openxmlformats.org/drawingml/2006/picture" xmlns:wp="http://schemas.openxmlformats.org/drawingml/2006/wordprocessingDrawing" xmlns:xdr="http://schemas.openxmlformats.org/drawingml/2006/spreadsheetDrawing" xmlns:ns11="http://schemas.openxmlformats.org/drawingml/2006/compatibility" xmlns:ns12="http://schemas.openxmlformats.org/drawingml/2006/lockedCanvas" type="obj" preserve="true">
   <p:cSld name="Title and Content">
     <p:spTree>
       <p:nvGrpSpPr>
@@ -684,7 +684,7 @@
 </file>
 
 <file path=ppt/slideLayouts/slideLayout3.xml><?xml version="1.0" encoding="utf-8"?>
-<p:sldLayout xmlns:a="http://schemas.openxmlformats.org/drawingml/2006/main" xmlns:r="http://schemas.openxmlformats.org/officeDocument/2006/relationships" xmlns:p="http://schemas.openxmlformats.org/presentationml/2006/main" xmlns:mc="http://schemas.openxmlformats.org/markup-compatibility/2006" xmlns:c="http://schemas.openxmlformats.org/drawingml/2006/chart" xmlns:ns6="http://schemas.openxmlformats.org/drawingml/2006/chartDrawing" xmlns:dgm="http://schemas.openxmlformats.org/drawingml/2006/diagram" xmlns:pic="http://schemas.openxmlformats.org/drawingml/2006/picture" xmlns:wp="http://schemas.openxmlformats.org/drawingml/2006/wordprocessingDrawing" xmlns:xdr="http://schemas.openxmlformats.org/drawingml/2006/spreadsheetDrawing" xmlns:ns11="http://schemas.openxmlformats.org/drawingml/2006/compatibility" xmlns:ns12="http://schemas.openxmlformats.org/drawingml/2006/lockedCanvas" type="secHead" preserve="true">
+<p:sldLayout xmlns:p="http://schemas.openxmlformats.org/presentationml/2006/main" xmlns:r="http://schemas.openxmlformats.org/officeDocument/2006/relationships" xmlns:a="http://schemas.openxmlformats.org/drawingml/2006/main" xmlns:mc="http://schemas.openxmlformats.org/markup-compatibility/2006" xmlns:c="http://schemas.openxmlformats.org/drawingml/2006/chart" xmlns:ns6="http://schemas.openxmlformats.org/drawingml/2006/chartDrawing" xmlns:dgm="http://schemas.openxmlformats.org/drawingml/2006/diagram" xmlns:pic="http://schemas.openxmlformats.org/drawingml/2006/picture" xmlns:wp="http://schemas.openxmlformats.org/drawingml/2006/wordprocessingDrawing" xmlns:xdr="http://schemas.openxmlformats.org/drawingml/2006/spreadsheetDrawing" xmlns:ns11="http://schemas.openxmlformats.org/drawingml/2006/compatibility" xmlns:ns12="http://schemas.openxmlformats.org/drawingml/2006/lockedCanvas" type="secHead" preserve="true">
   <p:cSld name="Section Header">
     <p:spTree>
       <p:nvGrpSpPr>
@@ -937,7 +937,7 @@
 </file>
 
 <file path=ppt/slideLayouts/slideLayout4.xml><?xml version="1.0" encoding="utf-8"?>
-<p:sldLayout xmlns:a="http://schemas.openxmlformats.org/drawingml/2006/main" xmlns:r="http://schemas.openxmlformats.org/officeDocument/2006/relationships" xmlns:p="http://schemas.openxmlformats.org/presentationml/2006/main" xmlns:mc="http://schemas.openxmlformats.org/markup-compatibility/2006" xmlns:c="http://schemas.openxmlformats.org/drawingml/2006/chart" xmlns:ns6="http://schemas.openxmlformats.org/drawingml/2006/chartDrawing" xmlns:dgm="http://schemas.openxmlformats.org/drawingml/2006/diagram" xmlns:pic="http://schemas.openxmlformats.org/drawingml/2006/picture" xmlns:wp="http://schemas.openxmlformats.org/drawingml/2006/wordprocessingDrawing" xmlns:xdr="http://schemas.openxmlformats.org/drawingml/2006/spreadsheetDrawing" xmlns:ns11="http://schemas.openxmlformats.org/drawingml/2006/compatibility" xmlns:ns12="http://schemas.openxmlformats.org/drawingml/2006/lockedCanvas" type="twoObj" preserve="true">
+<p:sldLayout xmlns:p="http://schemas.openxmlformats.org/presentationml/2006/main" xmlns:r="http://schemas.openxmlformats.org/officeDocument/2006/relationships" xmlns:a="http://schemas.openxmlformats.org/drawingml/2006/main" xmlns:mc="http://schemas.openxmlformats.org/markup-compatibility/2006" xmlns:c="http://schemas.openxmlformats.org/drawingml/2006/chart" xmlns:ns6="http://schemas.openxmlformats.org/drawingml/2006/chartDrawing" xmlns:dgm="http://schemas.openxmlformats.org/drawingml/2006/diagram" xmlns:pic="http://schemas.openxmlformats.org/drawingml/2006/picture" xmlns:wp="http://schemas.openxmlformats.org/drawingml/2006/wordprocessingDrawing" xmlns:xdr="http://schemas.openxmlformats.org/drawingml/2006/spreadsheetDrawing" xmlns:ns11="http://schemas.openxmlformats.org/drawingml/2006/compatibility" xmlns:ns12="http://schemas.openxmlformats.org/drawingml/2006/lockedCanvas" type="twoObj" preserve="true">
   <p:cSld name="Two Content">
     <p:spTree>
       <p:nvGrpSpPr>
@@ -1176,7 +1176,7 @@
 </file>
 
 <file path=ppt/slideLayouts/slideLayout5.xml><?xml version="1.0" encoding="utf-8"?>
-<p:sldLayout xmlns:a="http://schemas.openxmlformats.org/drawingml/2006/main" xmlns:r="http://schemas.openxmlformats.org/officeDocument/2006/relationships" xmlns:p="http://schemas.openxmlformats.org/presentationml/2006/main" xmlns:mc="http://schemas.openxmlformats.org/markup-compatibility/2006" xmlns:c="http://schemas.openxmlformats.org/drawingml/2006/chart" xmlns:ns6="http://schemas.openxmlformats.org/drawingml/2006/chartDrawing" xmlns:dgm="http://schemas.openxmlformats.org/drawingml/2006/diagram" xmlns:pic="http://schemas.openxmlformats.org/drawingml/2006/picture" xmlns:wp="http://schemas.openxmlformats.org/drawingml/2006/wordprocessingDrawing" xmlns:xdr="http://schemas.openxmlformats.org/drawingml/2006/spreadsheetDrawing" xmlns:ns11="http://schemas.openxmlformats.org/drawingml/2006/compatibility" xmlns:ns12="http://schemas.openxmlformats.org/drawingml/2006/lockedCanvas" type="twoTxTwoObj" preserve="true">
+<p:sldLayout xmlns:p="http://schemas.openxmlformats.org/presentationml/2006/main" xmlns:r="http://schemas.openxmlformats.org/officeDocument/2006/relationships" xmlns:a="http://schemas.openxmlformats.org/drawingml/2006/main" xmlns:mc="http://schemas.openxmlformats.org/markup-compatibility/2006" xmlns:c="http://schemas.openxmlformats.org/drawingml/2006/chart" xmlns:ns6="http://schemas.openxmlformats.org/drawingml/2006/chartDrawing" xmlns:dgm="http://schemas.openxmlformats.org/drawingml/2006/diagram" xmlns:pic="http://schemas.openxmlformats.org/drawingml/2006/picture" xmlns:wp="http://schemas.openxmlformats.org/drawingml/2006/wordprocessingDrawing" xmlns:xdr="http://schemas.openxmlformats.org/drawingml/2006/spreadsheetDrawing" xmlns:ns11="http://schemas.openxmlformats.org/drawingml/2006/compatibility" xmlns:ns12="http://schemas.openxmlformats.org/drawingml/2006/lockedCanvas" type="twoTxTwoObj" preserve="true">
   <p:cSld name="Comparison">
     <p:spTree>
       <p:nvGrpSpPr>
@@ -1531,7 +1531,7 @@
 </file>
 
 <file path=ppt/slideLayouts/slideLayout6.xml><?xml version="1.0" encoding="utf-8"?>
-<p:sldLayout xmlns:a="http://schemas.openxmlformats.org/drawingml/2006/main" xmlns:r="http://schemas.openxmlformats.org/officeDocument/2006/relationships" xmlns:p="http://schemas.openxmlformats.org/presentationml/2006/main" xmlns:mc="http://schemas.openxmlformats.org/markup-compatibility/2006" xmlns:c="http://schemas.openxmlformats.org/drawingml/2006/chart" xmlns:ns6="http://schemas.openxmlformats.org/drawingml/2006/chartDrawing" xmlns:dgm="http://schemas.openxmlformats.org/drawingml/2006/diagram" xmlns:pic="http://schemas.openxmlformats.org/drawingml/2006/picture" xmlns:wp="http://schemas.openxmlformats.org/drawingml/2006/wordprocessingDrawing" xmlns:xdr="http://schemas.openxmlformats.org/drawingml/2006/spreadsheetDrawing" xmlns:ns11="http://schemas.openxmlformats.org/drawingml/2006/compatibility" xmlns:ns12="http://schemas.openxmlformats.org/drawingml/2006/lockedCanvas" type="titleOnly" preserve="true">
+<p:sldLayout xmlns:p="http://schemas.openxmlformats.org/presentationml/2006/main" xmlns:r="http://schemas.openxmlformats.org/officeDocument/2006/relationships" xmlns:a="http://schemas.openxmlformats.org/drawingml/2006/main" xmlns:mc="http://schemas.openxmlformats.org/markup-compatibility/2006" xmlns:c="http://schemas.openxmlformats.org/drawingml/2006/chart" xmlns:ns6="http://schemas.openxmlformats.org/drawingml/2006/chartDrawing" xmlns:dgm="http://schemas.openxmlformats.org/drawingml/2006/diagram" xmlns:pic="http://schemas.openxmlformats.org/drawingml/2006/picture" xmlns:wp="http://schemas.openxmlformats.org/drawingml/2006/wordprocessingDrawing" xmlns:xdr="http://schemas.openxmlformats.org/drawingml/2006/spreadsheetDrawing" xmlns:ns11="http://schemas.openxmlformats.org/drawingml/2006/compatibility" xmlns:ns12="http://schemas.openxmlformats.org/drawingml/2006/lockedCanvas" type="titleOnly" preserve="true">
   <p:cSld name="Title Only">
     <p:spTree>
       <p:nvGrpSpPr>
@@ -1656,7 +1656,7 @@
 </file>
 
 <file path=ppt/slideLayouts/slideLayout7.xml><?xml version="1.0" encoding="utf-8"?>
-<p:sldLayout xmlns:a="http://schemas.openxmlformats.org/drawingml/2006/main" xmlns:r="http://schemas.openxmlformats.org/officeDocument/2006/relationships" xmlns:p="http://schemas.openxmlformats.org/presentationml/2006/main" xmlns:mc="http://schemas.openxmlformats.org/markup-compatibility/2006" xmlns:c="http://schemas.openxmlformats.org/drawingml/2006/chart" xmlns:ns6="http://schemas.openxmlformats.org/drawingml/2006/chartDrawing" xmlns:dgm="http://schemas.openxmlformats.org/drawingml/2006/diagram" xmlns:pic="http://schemas.openxmlformats.org/drawingml/2006/picture" xmlns:wp="http://schemas.openxmlformats.org/drawingml/2006/wordprocessingDrawing" xmlns:xdr="http://schemas.openxmlformats.org/drawingml/2006/spreadsheetDrawing" xmlns:ns11="http://schemas.openxmlformats.org/drawingml/2006/compatibility" xmlns:ns12="http://schemas.openxmlformats.org/drawingml/2006/lockedCanvas" type="blank" preserve="true">
+<p:sldLayout xmlns:p="http://schemas.openxmlformats.org/presentationml/2006/main" xmlns:r="http://schemas.openxmlformats.org/officeDocument/2006/relationships" xmlns:a="http://schemas.openxmlformats.org/drawingml/2006/main" xmlns:mc="http://schemas.openxmlformats.org/markup-compatibility/2006" xmlns:c="http://schemas.openxmlformats.org/drawingml/2006/chart" xmlns:ns6="http://schemas.openxmlformats.org/drawingml/2006/chartDrawing" xmlns:dgm="http://schemas.openxmlformats.org/drawingml/2006/diagram" xmlns:pic="http://schemas.openxmlformats.org/drawingml/2006/picture" xmlns:wp="http://schemas.openxmlformats.org/drawingml/2006/wordprocessingDrawing" xmlns:xdr="http://schemas.openxmlformats.org/drawingml/2006/spreadsheetDrawing" xmlns:ns11="http://schemas.openxmlformats.org/drawingml/2006/compatibility" xmlns:ns12="http://schemas.openxmlformats.org/drawingml/2006/lockedCanvas" type="blank" preserve="true">
   <p:cSld name="Blank">
     <p:spTree>
       <p:nvGrpSpPr>
@@ -1758,7 +1758,7 @@
 </file>
 
 <file path=ppt/slideLayouts/slideLayout8.xml><?xml version="1.0" encoding="utf-8"?>
-<p:sldLayout xmlns:a="http://schemas.openxmlformats.org/drawingml/2006/main" xmlns:r="http://schemas.openxmlformats.org/officeDocument/2006/relationships" xmlns:p="http://schemas.openxmlformats.org/presentationml/2006/main" xmlns:mc="http://schemas.openxmlformats.org/markup-compatibility/2006" xmlns:c="http://schemas.openxmlformats.org/drawingml/2006/chart" xmlns:ns6="http://schemas.openxmlformats.org/drawingml/2006/chartDrawing" xmlns:dgm="http://schemas.openxmlformats.org/drawingml/2006/diagram" xmlns:pic="http://schemas.openxmlformats.org/drawingml/2006/picture" xmlns:wp="http://schemas.openxmlformats.org/drawingml/2006/wordprocessingDrawing" xmlns:xdr="http://schemas.openxmlformats.org/drawingml/2006/spreadsheetDrawing" xmlns:ns11="http://schemas.openxmlformats.org/drawingml/2006/compatibility" xmlns:ns12="http://schemas.openxmlformats.org/drawingml/2006/lockedCanvas" type="objTx" preserve="true">
+<p:sldLayout xmlns:p="http://schemas.openxmlformats.org/presentationml/2006/main" xmlns:r="http://schemas.openxmlformats.org/officeDocument/2006/relationships" xmlns:a="http://schemas.openxmlformats.org/drawingml/2006/main" xmlns:mc="http://schemas.openxmlformats.org/markup-compatibility/2006" xmlns:c="http://schemas.openxmlformats.org/drawingml/2006/chart" xmlns:ns6="http://schemas.openxmlformats.org/drawingml/2006/chartDrawing" xmlns:dgm="http://schemas.openxmlformats.org/drawingml/2006/diagram" xmlns:pic="http://schemas.openxmlformats.org/drawingml/2006/picture" xmlns:wp="http://schemas.openxmlformats.org/drawingml/2006/wordprocessingDrawing" xmlns:xdr="http://schemas.openxmlformats.org/drawingml/2006/spreadsheetDrawing" xmlns:ns11="http://schemas.openxmlformats.org/drawingml/2006/compatibility" xmlns:ns12="http://schemas.openxmlformats.org/drawingml/2006/lockedCanvas" type="objTx" preserve="true">
   <p:cSld name="Content with Caption">
     <p:spTree>
       <p:nvGrpSpPr>
@@ -2042,7 +2042,7 @@
 </file>
 
 <file path=ppt/slideLayouts/slideLayout9.xml><?xml version="1.0" encoding="utf-8"?>
-<p:sldLayout xmlns:a="http://schemas.openxmlformats.org/drawingml/2006/main" xmlns:r="http://schemas.openxmlformats.org/officeDocument/2006/relationships" xmlns:p="http://schemas.openxmlformats.org/presentationml/2006/main" xmlns:mc="http://schemas.openxmlformats.org/markup-compatibility/2006" xmlns:c="http://schemas.openxmlformats.org/drawingml/2006/chart" xmlns:ns6="http://schemas.openxmlformats.org/drawingml/2006/chartDrawing" xmlns:dgm="http://schemas.openxmlformats.org/drawingml/2006/diagram" xmlns:pic="http://schemas.openxmlformats.org/drawingml/2006/picture" xmlns:wp="http://schemas.openxmlformats.org/drawingml/2006/wordprocessingDrawing" xmlns:xdr="http://schemas.openxmlformats.org/drawingml/2006/spreadsheetDrawing" xmlns:ns11="http://schemas.openxmlformats.org/drawingml/2006/compatibility" xmlns:ns12="http://schemas.openxmlformats.org/drawingml/2006/lockedCanvas" type="vertTx" preserve="true">
+<p:sldLayout xmlns:p="http://schemas.openxmlformats.org/presentationml/2006/main" xmlns:r="http://schemas.openxmlformats.org/officeDocument/2006/relationships" xmlns:a="http://schemas.openxmlformats.org/drawingml/2006/main" xmlns:mc="http://schemas.openxmlformats.org/markup-compatibility/2006" xmlns:c="http://schemas.openxmlformats.org/drawingml/2006/chart" xmlns:ns6="http://schemas.openxmlformats.org/drawingml/2006/chartDrawing" xmlns:dgm="http://schemas.openxmlformats.org/drawingml/2006/diagram" xmlns:pic="http://schemas.openxmlformats.org/drawingml/2006/picture" xmlns:wp="http://schemas.openxmlformats.org/drawingml/2006/wordprocessingDrawing" xmlns:xdr="http://schemas.openxmlformats.org/drawingml/2006/spreadsheetDrawing" xmlns:ns11="http://schemas.openxmlformats.org/drawingml/2006/compatibility" xmlns:ns12="http://schemas.openxmlformats.org/drawingml/2006/lockedCanvas" type="vertTx" preserve="true">
   <p:cSld name="Title and Vertical Text">
     <p:spTree>
       <p:nvGrpSpPr>
@@ -2219,7 +2219,7 @@
 </file>
 
 <file path=ppt/slideMasters/slideMaster1.xml><?xml version="1.0" encoding="utf-8"?>
-<p:sldMaster xmlns:a="http://schemas.openxmlformats.org/drawingml/2006/main" xmlns:r="http://schemas.openxmlformats.org/officeDocument/2006/relationships" xmlns:p="http://schemas.openxmlformats.org/presentationml/2006/main" xmlns:mc="http://schemas.openxmlformats.org/markup-compatibility/2006" xmlns:c="http://schemas.openxmlformats.org/drawingml/2006/chart" xmlns:ns6="http://schemas.openxmlformats.org/drawingml/2006/chartDrawing" xmlns:dgm="http://schemas.openxmlformats.org/drawingml/2006/diagram" xmlns:pic="http://schemas.openxmlformats.org/drawingml/2006/picture" xmlns:wp="http://schemas.openxmlformats.org/drawingml/2006/wordprocessingDrawing" xmlns:xdr="http://schemas.openxmlformats.org/drawingml/2006/spreadsheetDrawing" xmlns:ns11="http://schemas.openxmlformats.org/drawingml/2006/compatibility" xmlns:ns12="http://schemas.openxmlformats.org/drawingml/2006/lockedCanvas">
+<p:sldMaster xmlns:p="http://schemas.openxmlformats.org/presentationml/2006/main" xmlns:r="http://schemas.openxmlformats.org/officeDocument/2006/relationships" xmlns:a="http://schemas.openxmlformats.org/drawingml/2006/main" xmlns:mc="http://schemas.openxmlformats.org/markup-compatibility/2006" xmlns:c="http://schemas.openxmlformats.org/drawingml/2006/chart" xmlns:ns6="http://schemas.openxmlformats.org/drawingml/2006/chartDrawing" xmlns:dgm="http://schemas.openxmlformats.org/drawingml/2006/diagram" xmlns:pic="http://schemas.openxmlformats.org/drawingml/2006/picture" xmlns:wp="http://schemas.openxmlformats.org/drawingml/2006/wordprocessingDrawing" xmlns:xdr="http://schemas.openxmlformats.org/drawingml/2006/spreadsheetDrawing" xmlns:ns11="http://schemas.openxmlformats.org/drawingml/2006/compatibility" xmlns:ns12="http://schemas.openxmlformats.org/drawingml/2006/lockedCanvas">
   <p:cSld>
     <p:bg>
       <p:bgRef idx="1001">
@@ -2765,7 +2765,7 @@
 </file>
 
 <file path=ppt/slides/slide1.xml><?xml version="1.0" encoding="utf-8"?>
-<p:sld xmlns:a="http://schemas.openxmlformats.org/drawingml/2006/main" xmlns:r="http://schemas.openxmlformats.org/officeDocument/2006/relationships" xmlns:p="http://schemas.openxmlformats.org/presentationml/2006/main" xmlns:mc="http://schemas.openxmlformats.org/markup-compatibility/2006" xmlns:c="http://schemas.openxmlformats.org/drawingml/2006/chart" xmlns:ns6="http://schemas.openxmlformats.org/drawingml/2006/chartDrawing" xmlns:dgm="http://schemas.openxmlformats.org/drawingml/2006/diagram" xmlns:pic="http://schemas.openxmlformats.org/drawingml/2006/picture" xmlns:wp="http://schemas.openxmlformats.org/drawingml/2006/wordprocessingDrawing" xmlns:xdr="http://schemas.openxmlformats.org/drawingml/2006/spreadsheetDrawing" xmlns:ns11="http://schemas.openxmlformats.org/drawingml/2006/compatibility" xmlns:ns12="http://schemas.openxmlformats.org/drawingml/2006/lockedCanvas">
+<p:sld xmlns:p="http://schemas.openxmlformats.org/presentationml/2006/main" xmlns:r="http://schemas.openxmlformats.org/officeDocument/2006/relationships" xmlns:a="http://schemas.openxmlformats.org/drawingml/2006/main" xmlns:mc="http://schemas.openxmlformats.org/markup-compatibility/2006" xmlns:c="http://schemas.openxmlformats.org/drawingml/2006/chart" xmlns:ns6="http://schemas.openxmlformats.org/drawingml/2006/chartDrawing" xmlns:dgm="http://schemas.openxmlformats.org/drawingml/2006/diagram" xmlns:pic="http://schemas.openxmlformats.org/drawingml/2006/picture" xmlns:wp="http://schemas.openxmlformats.org/drawingml/2006/wordprocessingDrawing" xmlns:xdr="http://schemas.openxmlformats.org/drawingml/2006/spreadsheetDrawing" xmlns:ns11="http://schemas.openxmlformats.org/drawingml/2006/compatibility" xmlns:ns12="http://schemas.openxmlformats.org/drawingml/2006/lockedCanvas">
   <p:cSld>
     <p:spTree>
       <p:nvGrpSpPr>
@@ -2827,7 +2827,7 @@
 </file>
 
 <file path=ppt/slides/slide2.xml><?xml version="1.0" encoding="utf-8"?>
-<p:sld xmlns:a="http://schemas.openxmlformats.org/drawingml/2006/main" xmlns:r="http://schemas.openxmlformats.org/officeDocument/2006/relationships" xmlns:p="http://schemas.openxmlformats.org/presentationml/2006/main" xmlns:mc="http://schemas.openxmlformats.org/markup-compatibility/2006" xmlns:c="http://schemas.openxmlformats.org/drawingml/2006/chart" xmlns:ns6="http://schemas.openxmlformats.org/drawingml/2006/chartDrawing" xmlns:dgm="http://schemas.openxmlformats.org/drawingml/2006/diagram" xmlns:pic="http://schemas.openxmlformats.org/drawingml/2006/picture" xmlns:wp="http://schemas.openxmlformats.org/drawingml/2006/wordprocessingDrawing" xmlns:xdr="http://schemas.openxmlformats.org/drawingml/2006/spreadsheetDrawing" xmlns:ns11="http://schemas.openxmlformats.org/drawingml/2006/compatibility" xmlns:ns12="http://schemas.openxmlformats.org/drawingml/2006/lockedCanvas">
+<p:sld xmlns:p="http://schemas.openxmlformats.org/presentationml/2006/main" xmlns:r="http://schemas.openxmlformats.org/officeDocument/2006/relationships" xmlns:a="http://schemas.openxmlformats.org/drawingml/2006/main" xmlns:mc="http://schemas.openxmlformats.org/markup-compatibility/2006" xmlns:c="http://schemas.openxmlformats.org/drawingml/2006/chart" xmlns:ns6="http://schemas.openxmlformats.org/drawingml/2006/chartDrawing" xmlns:dgm="http://schemas.openxmlformats.org/drawingml/2006/diagram" xmlns:pic="http://schemas.openxmlformats.org/drawingml/2006/picture" xmlns:wp="http://schemas.openxmlformats.org/drawingml/2006/wordprocessingDrawing" xmlns:xdr="http://schemas.openxmlformats.org/drawingml/2006/spreadsheetDrawing" xmlns:ns11="http://schemas.openxmlformats.org/drawingml/2006/compatibility" xmlns:ns12="http://schemas.openxmlformats.org/drawingml/2006/lockedCanvas">
   <p:cSld>
     <p:spTree>
       <p:nvGrpSpPr>
@@ -3008,7 +3008,7 @@
 </file>
 
 <file path=ppt/slides/slide3.xml><?xml version="1.0" encoding="utf-8"?>
-<p:sld xmlns:a="http://schemas.openxmlformats.org/drawingml/2006/main" xmlns:r="http://schemas.openxmlformats.org/officeDocument/2006/relationships" xmlns:p="http://schemas.openxmlformats.org/presentationml/2006/main" xmlns:mc="http://schemas.openxmlformats.org/markup-compatibility/2006" xmlns:c="http://schemas.openxmlformats.org/drawingml/2006/chart" xmlns:ns6="http://schemas.openxmlformats.org/drawingml/2006/chartDrawing" xmlns:dgm="http://schemas.openxmlformats.org/drawingml/2006/diagram" xmlns:pic="http://schemas.openxmlformats.org/drawingml/2006/picture" xmlns:wp="http://schemas.openxmlformats.org/drawingml/2006/wordprocessingDrawing" xmlns:xdr="http://schemas.openxmlformats.org/drawingml/2006/spreadsheetDrawing" xmlns:ns11="http://schemas.openxmlformats.org/drawingml/2006/compatibility" xmlns:ns12="http://schemas.openxmlformats.org/drawingml/2006/lockedCanvas">
+<p:sld xmlns:p="http://schemas.openxmlformats.org/presentationml/2006/main" xmlns:r="http://schemas.openxmlformats.org/officeDocument/2006/relationships" xmlns:a="http://schemas.openxmlformats.org/drawingml/2006/main" xmlns:mc="http://schemas.openxmlformats.org/markup-compatibility/2006" xmlns:c="http://schemas.openxmlformats.org/drawingml/2006/chart" xmlns:ns6="http://schemas.openxmlformats.org/drawingml/2006/chartDrawing" xmlns:dgm="http://schemas.openxmlformats.org/drawingml/2006/diagram" xmlns:pic="http://schemas.openxmlformats.org/drawingml/2006/picture" xmlns:wp="http://schemas.openxmlformats.org/drawingml/2006/wordprocessingDrawing" xmlns:xdr="http://schemas.openxmlformats.org/drawingml/2006/spreadsheetDrawing" xmlns:ns11="http://schemas.openxmlformats.org/drawingml/2006/compatibility" xmlns:ns12="http://schemas.openxmlformats.org/drawingml/2006/lockedCanvas">
   <p:cSld>
     <p:spTree>
       <p:nvGrpSpPr>
@@ -3067,7 +3067,7 @@
           <p:spPr>
             <a:xfrm>
               <a:off x="838200" y="1825625"/>
-              <a:ext cx="10515600" cy="4351337"/>
+              <a:ext cx="10515599" cy="4351337"/>
             </a:xfrm>
             <a:prstGeom prst="rect">
               <a:avLst/>
@@ -3101,8 +3101,8 @@
           </p:nvSpPr>
           <p:spPr>
             <a:xfrm>
-              <a:off x="1211048" y="1895214"/>
-              <a:ext cx="9104605" cy="3894600"/>
+              <a:off x="1209741" y="1895214"/>
+              <a:ext cx="9113822" cy="3896187"/>
             </a:xfrm>
             <a:prstGeom prst="rect">
               <a:avLst/>
@@ -3127,21 +3127,21 @@
           </p:nvSpPr>
           <p:spPr>
             <a:xfrm>
-              <a:off x="1211048" y="5612786"/>
-              <a:ext cx="9104605" cy="0"/>
+              <a:off x="1209741" y="5614302"/>
+              <a:ext cx="9113822" cy="0"/>
             </a:xfrm>
             <a:custGeom>
               <a:avLst/>
               <a:pathLst>
-                <a:path w="9104605" h="0">
+                <a:path w="9113822" h="0">
                   <a:moveTo>
                     <a:pt x="0" y="0"/>
                   </a:moveTo>
                   <a:lnTo>
-                    <a:pt x="9104605" y="0"/>
+                    <a:pt x="9113822" y="0"/>
                   </a:lnTo>
                   <a:lnTo>
-                    <a:pt x="9104605" y="0"/>
+                    <a:pt x="9113822" y="0"/>
                   </a:lnTo>
                 </a:path>
               </a:pathLst>
@@ -3170,21 +3170,21 @@
           </p:nvSpPr>
           <p:spPr>
             <a:xfrm>
-              <a:off x="1211048" y="4412601"/>
-              <a:ext cx="9104605" cy="0"/>
+              <a:off x="1209741" y="4413628"/>
+              <a:ext cx="9113822" cy="0"/>
             </a:xfrm>
             <a:custGeom>
               <a:avLst/>
               <a:pathLst>
-                <a:path w="9104605" h="0">
+                <a:path w="9113822" h="0">
                   <a:moveTo>
                     <a:pt x="0" y="0"/>
                   </a:moveTo>
                   <a:lnTo>
-                    <a:pt x="9104605" y="0"/>
+                    <a:pt x="9113822" y="0"/>
                   </a:lnTo>
                   <a:lnTo>
-                    <a:pt x="9104605" y="0"/>
+                    <a:pt x="9113822" y="0"/>
                   </a:lnTo>
                 </a:path>
               </a:pathLst>
@@ -3213,21 +3213,21 @@
           </p:nvSpPr>
           <p:spPr>
             <a:xfrm>
-              <a:off x="1211048" y="3212417"/>
-              <a:ext cx="9104605" cy="0"/>
+              <a:off x="1209741" y="3212953"/>
+              <a:ext cx="9113822" cy="0"/>
             </a:xfrm>
             <a:custGeom>
               <a:avLst/>
               <a:pathLst>
-                <a:path w="9104605" h="0">
+                <a:path w="9113822" h="0">
                   <a:moveTo>
                     <a:pt x="0" y="0"/>
                   </a:moveTo>
                   <a:lnTo>
-                    <a:pt x="9104605" y="0"/>
+                    <a:pt x="9113822" y="0"/>
                   </a:lnTo>
                   <a:lnTo>
-                    <a:pt x="9104605" y="0"/>
+                    <a:pt x="9113822" y="0"/>
                   </a:lnTo>
                 </a:path>
               </a:pathLst>
@@ -3256,21 +3256,21 @@
           </p:nvSpPr>
           <p:spPr>
             <a:xfrm>
-              <a:off x="1211048" y="2012232"/>
-              <a:ext cx="9104605" cy="0"/>
+              <a:off x="1209741" y="2012279"/>
+              <a:ext cx="9113822" cy="0"/>
             </a:xfrm>
             <a:custGeom>
               <a:avLst/>
               <a:pathLst>
-                <a:path w="9104605" h="0">
+                <a:path w="9113822" h="0">
                   <a:moveTo>
                     <a:pt x="0" y="0"/>
                   </a:moveTo>
                   <a:lnTo>
-                    <a:pt x="9104605" y="0"/>
+                    <a:pt x="9113822" y="0"/>
                   </a:lnTo>
                   <a:lnTo>
-                    <a:pt x="9104605" y="0"/>
+                    <a:pt x="9113822" y="0"/>
                   </a:lnTo>
                 </a:path>
               </a:pathLst>
@@ -3299,15 +3299,15 @@
           </p:nvSpPr>
           <p:spPr>
             <a:xfrm>
-              <a:off x="2084723" y="1895214"/>
-              <a:ext cx="0" cy="3894600"/>
+              <a:off x="2084300" y="1895214"/>
+              <a:ext cx="0" cy="3896187"/>
             </a:xfrm>
             <a:custGeom>
               <a:avLst/>
               <a:pathLst>
-                <a:path w="0" h="3894600">
+                <a:path w="0" h="3896187">
                   <a:moveTo>
-                    <a:pt x="0" y="3894600"/>
+                    <a:pt x="0" y="3896187"/>
                   </a:moveTo>
                   <a:lnTo>
                     <a:pt x="0" y="0"/>
@@ -3342,15 +3342,15 @@
           </p:nvSpPr>
           <p:spPr>
             <a:xfrm>
-              <a:off x="4383866" y="1895214"/>
-              <a:ext cx="0" cy="3894600"/>
+              <a:off x="4385770" y="1895214"/>
+              <a:ext cx="0" cy="3896187"/>
             </a:xfrm>
             <a:custGeom>
               <a:avLst/>
               <a:pathLst>
-                <a:path w="0" h="3894600">
+                <a:path w="0" h="3896187">
                   <a:moveTo>
-                    <a:pt x="0" y="3894600"/>
+                    <a:pt x="0" y="3896187"/>
                   </a:moveTo>
                   <a:lnTo>
                     <a:pt x="0" y="0"/>
@@ -3385,15 +3385,15 @@
           </p:nvSpPr>
           <p:spPr>
             <a:xfrm>
-              <a:off x="6683009" y="1895214"/>
-              <a:ext cx="0" cy="3894600"/>
+              <a:off x="6687240" y="1895214"/>
+              <a:ext cx="0" cy="3896187"/>
             </a:xfrm>
             <a:custGeom>
               <a:avLst/>
               <a:pathLst>
-                <a:path w="0" h="3894600">
+                <a:path w="0" h="3896187">
                   <a:moveTo>
-                    <a:pt x="0" y="3894600"/>
+                    <a:pt x="0" y="3896187"/>
                   </a:moveTo>
                   <a:lnTo>
                     <a:pt x="0" y="0"/>
@@ -3428,15 +3428,15 @@
           </p:nvSpPr>
           <p:spPr>
             <a:xfrm>
-              <a:off x="8982152" y="1895214"/>
-              <a:ext cx="0" cy="3894600"/>
+              <a:off x="8988710" y="1895214"/>
+              <a:ext cx="0" cy="3896187"/>
             </a:xfrm>
             <a:custGeom>
               <a:avLst/>
               <a:pathLst>
-                <a:path w="0" h="3894600">
+                <a:path w="0" h="3896187">
                   <a:moveTo>
-                    <a:pt x="0" y="3894600"/>
+                    <a:pt x="0" y="3896187"/>
                   </a:moveTo>
                   <a:lnTo>
                     <a:pt x="0" y="0"/>
@@ -3471,21 +3471,21 @@
           </p:nvSpPr>
           <p:spPr>
             <a:xfrm>
-              <a:off x="1211048" y="5012694"/>
-              <a:ext cx="9104605" cy="0"/>
+              <a:off x="1209741" y="5013965"/>
+              <a:ext cx="9113822" cy="0"/>
             </a:xfrm>
             <a:custGeom>
               <a:avLst/>
               <a:pathLst>
-                <a:path w="9104605" h="0">
+                <a:path w="9113822" h="0">
                   <a:moveTo>
                     <a:pt x="0" y="0"/>
                   </a:moveTo>
                   <a:lnTo>
-                    <a:pt x="9104605" y="0"/>
+                    <a:pt x="9113822" y="0"/>
                   </a:lnTo>
                   <a:lnTo>
-                    <a:pt x="9104605" y="0"/>
+                    <a:pt x="9113822" y="0"/>
                   </a:lnTo>
                 </a:path>
               </a:pathLst>
@@ -3514,21 +3514,21 @@
           </p:nvSpPr>
           <p:spPr>
             <a:xfrm>
-              <a:off x="1211048" y="3812509"/>
-              <a:ext cx="9104605" cy="0"/>
+              <a:off x="1209741" y="3813290"/>
+              <a:ext cx="9113822" cy="0"/>
             </a:xfrm>
             <a:custGeom>
               <a:avLst/>
               <a:pathLst>
-                <a:path w="9104605" h="0">
+                <a:path w="9113822" h="0">
                   <a:moveTo>
                     <a:pt x="0" y="0"/>
                   </a:moveTo>
                   <a:lnTo>
-                    <a:pt x="9104605" y="0"/>
+                    <a:pt x="9113822" y="0"/>
                   </a:lnTo>
                   <a:lnTo>
-                    <a:pt x="9104605" y="0"/>
+                    <a:pt x="9113822" y="0"/>
                   </a:lnTo>
                 </a:path>
               </a:pathLst>
@@ -3557,21 +3557,21 @@
           </p:nvSpPr>
           <p:spPr>
             <a:xfrm>
-              <a:off x="1211048" y="2612324"/>
-              <a:ext cx="9104605" cy="0"/>
+              <a:off x="1209741" y="2612616"/>
+              <a:ext cx="9113822" cy="0"/>
             </a:xfrm>
             <a:custGeom>
               <a:avLst/>
               <a:pathLst>
-                <a:path w="9104605" h="0">
+                <a:path w="9113822" h="0">
                   <a:moveTo>
                     <a:pt x="0" y="0"/>
                   </a:moveTo>
                   <a:lnTo>
-                    <a:pt x="9104605" y="0"/>
+                    <a:pt x="9113822" y="0"/>
                   </a:lnTo>
                   <a:lnTo>
-                    <a:pt x="9104605" y="0"/>
+                    <a:pt x="9113822" y="0"/>
                   </a:lnTo>
                 </a:path>
               </a:pathLst>
@@ -3600,15 +3600,15 @@
           </p:nvSpPr>
           <p:spPr>
             <a:xfrm>
-              <a:off x="3234294" y="1895214"/>
-              <a:ext cx="0" cy="3894600"/>
+              <a:off x="3235035" y="1895214"/>
+              <a:ext cx="0" cy="3896187"/>
             </a:xfrm>
             <a:custGeom>
               <a:avLst/>
               <a:pathLst>
-                <a:path w="0" h="3894600">
+                <a:path w="0" h="3896187">
                   <a:moveTo>
-                    <a:pt x="0" y="3894600"/>
+                    <a:pt x="0" y="3896187"/>
                   </a:moveTo>
                   <a:lnTo>
                     <a:pt x="0" y="0"/>
@@ -3643,15 +3643,15 @@
           </p:nvSpPr>
           <p:spPr>
             <a:xfrm>
-              <a:off x="5533437" y="1895214"/>
-              <a:ext cx="0" cy="3894600"/>
+              <a:off x="5536505" y="1895214"/>
+              <a:ext cx="0" cy="3896187"/>
             </a:xfrm>
             <a:custGeom>
               <a:avLst/>
               <a:pathLst>
-                <a:path w="0" h="3894600">
+                <a:path w="0" h="3896187">
                   <a:moveTo>
-                    <a:pt x="0" y="3894600"/>
+                    <a:pt x="0" y="3896187"/>
                   </a:moveTo>
                   <a:lnTo>
                     <a:pt x="0" y="0"/>
@@ -3686,15 +3686,15 @@
           </p:nvSpPr>
           <p:spPr>
             <a:xfrm>
-              <a:off x="7832580" y="1895214"/>
-              <a:ext cx="0" cy="3894600"/>
+              <a:off x="7837975" y="1895214"/>
+              <a:ext cx="0" cy="3896187"/>
             </a:xfrm>
             <a:custGeom>
               <a:avLst/>
               <a:pathLst>
-                <a:path w="0" h="3894600">
+                <a:path w="0" h="3896187">
                   <a:moveTo>
-                    <a:pt x="0" y="3894600"/>
+                    <a:pt x="0" y="3896187"/>
                   </a:moveTo>
                   <a:lnTo>
                     <a:pt x="0" y="0"/>
@@ -3729,15 +3729,15 @@
           </p:nvSpPr>
           <p:spPr>
             <a:xfrm>
-              <a:off x="10131723" y="1895214"/>
-              <a:ext cx="0" cy="3894600"/>
+              <a:off x="10139446" y="1895214"/>
+              <a:ext cx="0" cy="3896187"/>
             </a:xfrm>
             <a:custGeom>
               <a:avLst/>
               <a:pathLst>
-                <a:path w="0" h="3894600">
+                <a:path w="0" h="3896187">
                   <a:moveTo>
-                    <a:pt x="0" y="3894600"/>
+                    <a:pt x="0" y="3896187"/>
                   </a:moveTo>
                   <a:lnTo>
                     <a:pt x="0" y="0"/>
@@ -3772,7 +3772,7 @@
           </p:nvSpPr>
           <p:spPr>
             <a:xfrm>
-              <a:off x="3432328" y="5340869"/>
+              <a:off x="3433301" y="5342286"/>
               <a:ext cx="63761" cy="63761"/>
             </a:xfrm>
             <a:prstGeom prst="ellipse">
@@ -3807,7 +3807,7 @@
           </p:nvSpPr>
           <p:spPr>
             <a:xfrm>
-              <a:off x="2972499" y="5340869"/>
+              <a:off x="2973007" y="5342286"/>
               <a:ext cx="63761" cy="63761"/>
             </a:xfrm>
             <a:prstGeom prst="ellipse">
@@ -3842,7 +3842,7 @@
           </p:nvSpPr>
           <p:spPr>
             <a:xfrm>
-              <a:off x="2512671" y="5400878"/>
+              <a:off x="2512713" y="5402320"/>
               <a:ext cx="63761" cy="63761"/>
             </a:xfrm>
             <a:prstGeom prst="ellipse">
@@ -3877,7 +3877,7 @@
           </p:nvSpPr>
           <p:spPr>
             <a:xfrm>
-              <a:off x="2282756" y="5280859"/>
+              <a:off x="2282566" y="5282253"/>
               <a:ext cx="63761" cy="63761"/>
             </a:xfrm>
             <a:prstGeom prst="ellipse">
@@ -3912,7 +3912,7 @@
           </p:nvSpPr>
           <p:spPr>
             <a:xfrm>
-              <a:off x="3202414" y="5340869"/>
+              <a:off x="3203154" y="5342286"/>
               <a:ext cx="63761" cy="63761"/>
             </a:xfrm>
             <a:prstGeom prst="ellipse">
@@ -3947,7 +3947,7 @@
           </p:nvSpPr>
           <p:spPr>
             <a:xfrm>
-              <a:off x="4111946" y="5150717"/>
+              <a:off x="4113618" y="5152061"/>
               <a:ext cx="84009" cy="84009"/>
             </a:xfrm>
             <a:prstGeom prst="ellipse">
@@ -3982,7 +3982,7 @@
           </p:nvSpPr>
           <p:spPr>
             <a:xfrm>
-              <a:off x="2277028" y="5335140"/>
+              <a:off x="2276837" y="5336558"/>
               <a:ext cx="75218" cy="75218"/>
             </a:xfrm>
             <a:prstGeom prst="ellipse">
@@ -4017,7 +4017,7 @@
           </p:nvSpPr>
           <p:spPr>
             <a:xfrm>
-              <a:off x="3202414" y="5280859"/>
+              <a:off x="3203154" y="5282253"/>
               <a:ext cx="63761" cy="63761"/>
             </a:xfrm>
             <a:prstGeom prst="ellipse">
@@ -4052,7 +4052,7 @@
           </p:nvSpPr>
           <p:spPr>
             <a:xfrm>
-              <a:off x="1822928" y="5340869"/>
+              <a:off x="1822272" y="5342286"/>
               <a:ext cx="63761" cy="63761"/>
             </a:xfrm>
             <a:prstGeom prst="ellipse">
@@ -4087,7 +4087,7 @@
           </p:nvSpPr>
           <p:spPr>
             <a:xfrm>
-              <a:off x="2986329" y="5294690"/>
+              <a:off x="2986837" y="5296083"/>
               <a:ext cx="36101" cy="36101"/>
             </a:xfrm>
             <a:prstGeom prst="ellipse">
@@ -4122,7 +4122,7 @@
           </p:nvSpPr>
           <p:spPr>
             <a:xfrm>
-              <a:off x="4122071" y="5280859"/>
+              <a:off x="4123742" y="5282253"/>
               <a:ext cx="63761" cy="63761"/>
             </a:xfrm>
             <a:prstGeom prst="ellipse">
@@ -4157,7 +4157,7 @@
           </p:nvSpPr>
           <p:spPr>
             <a:xfrm>
-              <a:off x="2742585" y="5220850"/>
+              <a:off x="2742860" y="5222219"/>
               <a:ext cx="63761" cy="63761"/>
             </a:xfrm>
             <a:prstGeom prst="ellipse">
@@ -4192,7 +4192,7 @@
           </p:nvSpPr>
           <p:spPr>
             <a:xfrm>
-              <a:off x="2756415" y="5354699"/>
+              <a:off x="2756690" y="5356116"/>
               <a:ext cx="36101" cy="36101"/>
             </a:xfrm>
             <a:prstGeom prst="ellipse">
@@ -4227,7 +4227,7 @@
           </p:nvSpPr>
           <p:spPr>
             <a:xfrm>
-              <a:off x="1606844" y="5534727"/>
+              <a:off x="1605955" y="5536217"/>
               <a:ext cx="36101" cy="36101"/>
             </a:xfrm>
             <a:prstGeom prst="ellipse">
@@ -4262,7 +4262,7 @@
           </p:nvSpPr>
           <p:spPr>
             <a:xfrm>
-              <a:off x="5041728" y="5460887"/>
+              <a:off x="5044330" y="5462354"/>
               <a:ext cx="63761" cy="63761"/>
             </a:xfrm>
             <a:prstGeom prst="ellipse">
@@ -4297,7 +4297,7 @@
           </p:nvSpPr>
           <p:spPr>
             <a:xfrm>
-              <a:off x="4801689" y="5270735"/>
+              <a:off x="4804059" y="5272128"/>
               <a:ext cx="84009" cy="84009"/>
             </a:xfrm>
             <a:prstGeom prst="ellipse">
@@ -4332,7 +4332,7 @@
           </p:nvSpPr>
           <p:spPr>
             <a:xfrm>
-              <a:off x="4111946" y="5390754"/>
+              <a:off x="4113618" y="5392196"/>
               <a:ext cx="84009" cy="84009"/>
             </a:xfrm>
             <a:prstGeom prst="ellipse">
@@ -4367,7 +4367,7 @@
           </p:nvSpPr>
           <p:spPr>
             <a:xfrm>
-              <a:off x="3426599" y="5335140"/>
+              <a:off x="3427573" y="5336558"/>
               <a:ext cx="75218" cy="75218"/>
             </a:xfrm>
             <a:prstGeom prst="ellipse">
@@ -4402,7 +4402,7 @@
           </p:nvSpPr>
           <p:spPr>
             <a:xfrm>
-              <a:off x="4806085" y="5155112"/>
+              <a:off x="4808455" y="5156456"/>
               <a:ext cx="75218" cy="75218"/>
             </a:xfrm>
             <a:prstGeom prst="ellipse">
@@ -4437,7 +4437,7 @@
           </p:nvSpPr>
           <p:spPr>
             <a:xfrm>
-              <a:off x="3426599" y="5275131"/>
+              <a:off x="3427573" y="5276524"/>
               <a:ext cx="75218" cy="75218"/>
             </a:xfrm>
             <a:prstGeom prst="ellipse">
@@ -4472,7 +4472,7 @@
           </p:nvSpPr>
           <p:spPr>
             <a:xfrm>
-              <a:off x="4122071" y="5160841"/>
+              <a:off x="4123742" y="5162185"/>
               <a:ext cx="63761" cy="63761"/>
             </a:xfrm>
             <a:prstGeom prst="ellipse">
@@ -4507,7 +4507,7 @@
           </p:nvSpPr>
           <p:spPr>
             <a:xfrm>
-              <a:off x="3422204" y="5270735"/>
+              <a:off x="3423177" y="5272128"/>
               <a:ext cx="84009" cy="84009"/>
             </a:xfrm>
             <a:prstGeom prst="ellipse">
@@ -4542,7 +4542,7 @@
           </p:nvSpPr>
           <p:spPr>
             <a:xfrm>
-              <a:off x="2282756" y="5580906"/>
+              <a:off x="2282566" y="5582421"/>
               <a:ext cx="63761" cy="63761"/>
             </a:xfrm>
             <a:prstGeom prst="ellipse">
@@ -4577,7 +4577,7 @@
           </p:nvSpPr>
           <p:spPr>
             <a:xfrm>
-              <a:off x="3418498" y="5147011"/>
+              <a:off x="3419471" y="5148355"/>
               <a:ext cx="91421" cy="91421"/>
             </a:xfrm>
             <a:prstGeom prst="ellipse">
@@ -4612,7 +4612,7 @@
           </p:nvSpPr>
           <p:spPr>
             <a:xfrm>
-              <a:off x="2742585" y="5040822"/>
+              <a:off x="2742860" y="5042118"/>
               <a:ext cx="63761" cy="63761"/>
             </a:xfrm>
             <a:prstGeom prst="ellipse">
@@ -4647,7 +4647,7 @@
           </p:nvSpPr>
           <p:spPr>
             <a:xfrm>
-              <a:off x="3202414" y="5220850"/>
+              <a:off x="3203154" y="5222219"/>
               <a:ext cx="63761" cy="63761"/>
             </a:xfrm>
             <a:prstGeom prst="ellipse">
@@ -4682,7 +4682,7 @@
           </p:nvSpPr>
           <p:spPr>
             <a:xfrm>
-              <a:off x="3192289" y="5210726"/>
+              <a:off x="3193030" y="5212095"/>
               <a:ext cx="84009" cy="84009"/>
             </a:xfrm>
             <a:prstGeom prst="ellipse">
@@ -4717,7 +4717,7 @@
           </p:nvSpPr>
           <p:spPr>
             <a:xfrm>
-              <a:off x="3662242" y="5280859"/>
+              <a:off x="3663448" y="5282253"/>
               <a:ext cx="63761" cy="63761"/>
             </a:xfrm>
             <a:prstGeom prst="ellipse">
@@ -4752,7 +4752,7 @@
           </p:nvSpPr>
           <p:spPr>
             <a:xfrm>
-              <a:off x="3662242" y="5340869"/>
+              <a:off x="3663448" y="5342286"/>
               <a:ext cx="63761" cy="63761"/>
             </a:xfrm>
             <a:prstGeom prst="ellipse">
@@ -4787,7 +4787,7 @@
           </p:nvSpPr>
           <p:spPr>
             <a:xfrm>
-              <a:off x="2512671" y="5220850"/>
+              <a:off x="2512713" y="5222219"/>
               <a:ext cx="63761" cy="63761"/>
             </a:xfrm>
             <a:prstGeom prst="ellipse">
@@ -4822,7 +4822,7 @@
           </p:nvSpPr>
           <p:spPr>
             <a:xfrm>
-              <a:off x="2742585" y="5220850"/>
+              <a:off x="2742860" y="5222219"/>
               <a:ext cx="63761" cy="63761"/>
             </a:xfrm>
             <a:prstGeom prst="ellipse">
@@ -4857,7 +4857,7 @@
           </p:nvSpPr>
           <p:spPr>
             <a:xfrm>
-              <a:off x="4111946" y="5270735"/>
+              <a:off x="4113618" y="5272128"/>
               <a:ext cx="84009" cy="84009"/>
             </a:xfrm>
             <a:prstGeom prst="ellipse">
@@ -4892,7 +4892,7 @@
           </p:nvSpPr>
           <p:spPr>
             <a:xfrm>
-              <a:off x="3676072" y="5294690"/>
+              <a:off x="3677278" y="5296083"/>
               <a:ext cx="36101" cy="36101"/>
             </a:xfrm>
             <a:prstGeom prst="ellipse">
@@ -4927,7 +4927,7 @@
           </p:nvSpPr>
           <p:spPr>
             <a:xfrm>
-              <a:off x="4351985" y="5340869"/>
+              <a:off x="4353889" y="5342286"/>
               <a:ext cx="63761" cy="63761"/>
             </a:xfrm>
             <a:prstGeom prst="ellipse">
@@ -4962,7 +4962,7 @@
           </p:nvSpPr>
           <p:spPr>
             <a:xfrm>
-              <a:off x="2972499" y="5280859"/>
+              <a:off x="2973007" y="5282253"/>
               <a:ext cx="63761" cy="63761"/>
             </a:xfrm>
             <a:prstGeom prst="ellipse">
@@ -4997,7 +4997,7 @@
           </p:nvSpPr>
           <p:spPr>
             <a:xfrm>
-              <a:off x="3202414" y="5460887"/>
+              <a:off x="3203154" y="5462354"/>
               <a:ext cx="63761" cy="63761"/>
             </a:xfrm>
             <a:prstGeom prst="ellipse">
@@ -5032,7 +5032,7 @@
           </p:nvSpPr>
           <p:spPr>
             <a:xfrm>
-              <a:off x="4351985" y="5400878"/>
+              <a:off x="4353889" y="5402320"/>
               <a:ext cx="63761" cy="63761"/>
             </a:xfrm>
             <a:prstGeom prst="ellipse">
@@ -5067,7 +5067,7 @@
           </p:nvSpPr>
           <p:spPr>
             <a:xfrm>
-              <a:off x="2986329" y="5354699"/>
+              <a:off x="2986837" y="5356116"/>
               <a:ext cx="36101" cy="36101"/>
             </a:xfrm>
             <a:prstGeom prst="ellipse">
@@ -5102,7 +5102,7 @@
           </p:nvSpPr>
           <p:spPr>
             <a:xfrm>
-              <a:off x="1822928" y="5400878"/>
+              <a:off x="1822272" y="5402320"/>
               <a:ext cx="63761" cy="63761"/>
             </a:xfrm>
             <a:prstGeom prst="ellipse">
@@ -5137,7 +5137,7 @@
           </p:nvSpPr>
           <p:spPr>
             <a:xfrm>
-              <a:off x="3432328" y="5280859"/>
+              <a:off x="3433301" y="5282253"/>
               <a:ext cx="63761" cy="63761"/>
             </a:xfrm>
             <a:prstGeom prst="ellipse">
@@ -5172,7 +5172,7 @@
           </p:nvSpPr>
           <p:spPr>
             <a:xfrm>
-              <a:off x="3196685" y="5395149"/>
+              <a:off x="3197426" y="5396591"/>
               <a:ext cx="75218" cy="75218"/>
             </a:xfrm>
             <a:prstGeom prst="ellipse">
@@ -5207,7 +5207,7 @@
           </p:nvSpPr>
           <p:spPr>
             <a:xfrm>
-              <a:off x="2047113" y="5395149"/>
+              <a:off x="2046690" y="5396591"/>
               <a:ext cx="75218" cy="75218"/>
             </a:xfrm>
             <a:prstGeom prst="ellipse">
@@ -5242,7 +5242,7 @@
           </p:nvSpPr>
           <p:spPr>
             <a:xfrm>
-              <a:off x="1822928" y="5400878"/>
+              <a:off x="1822272" y="5402320"/>
               <a:ext cx="63761" cy="63761"/>
             </a:xfrm>
             <a:prstGeom prst="ellipse">
@@ -5277,7 +5277,7 @@
           </p:nvSpPr>
           <p:spPr>
             <a:xfrm>
-              <a:off x="3185319" y="5203755"/>
+              <a:off x="3186059" y="5205124"/>
               <a:ext cx="97951" cy="97951"/>
             </a:xfrm>
             <a:prstGeom prst="ellipse">
@@ -5312,7 +5312,7 @@
           </p:nvSpPr>
           <p:spPr>
             <a:xfrm>
-              <a:off x="3422204" y="5030698"/>
+              <a:off x="3423177" y="5031993"/>
               <a:ext cx="84009" cy="84009"/>
             </a:xfrm>
             <a:prstGeom prst="ellipse">
@@ -5347,7 +5347,7 @@
           </p:nvSpPr>
           <p:spPr>
             <a:xfrm>
-              <a:off x="2736856" y="5335140"/>
+              <a:off x="2737131" y="5336558"/>
               <a:ext cx="75218" cy="75218"/>
             </a:xfrm>
             <a:prstGeom prst="ellipse">
@@ -5382,7 +5382,7 @@
           </p:nvSpPr>
           <p:spPr>
             <a:xfrm>
-              <a:off x="3432328" y="5220850"/>
+              <a:off x="3433301" y="5222219"/>
               <a:ext cx="63761" cy="63761"/>
             </a:xfrm>
             <a:prstGeom prst="ellipse">
@@ -5417,7 +5417,7 @@
           </p:nvSpPr>
           <p:spPr>
             <a:xfrm>
-              <a:off x="2282756" y="5340869"/>
+              <a:off x="2282566" y="5342286"/>
               <a:ext cx="63761" cy="63761"/>
             </a:xfrm>
             <a:prstGeom prst="ellipse">
@@ -5452,7 +5452,7 @@
           </p:nvSpPr>
           <p:spPr>
             <a:xfrm>
-              <a:off x="3892156" y="5280859"/>
+              <a:off x="3893595" y="5282253"/>
               <a:ext cx="63761" cy="63761"/>
             </a:xfrm>
             <a:prstGeom prst="ellipse">
@@ -5487,7 +5487,7 @@
           </p:nvSpPr>
           <p:spPr>
             <a:xfrm>
-              <a:off x="3202414" y="5340869"/>
+              <a:off x="3203154" y="5342286"/>
               <a:ext cx="63761" cy="63761"/>
             </a:xfrm>
             <a:prstGeom prst="ellipse">
@@ -5522,7 +5522,7 @@
           </p:nvSpPr>
           <p:spPr>
             <a:xfrm>
-              <a:off x="7764664" y="3324529"/>
+              <a:off x="7770060" y="3325139"/>
               <a:ext cx="135831" cy="135831"/>
             </a:xfrm>
             <a:prstGeom prst="ellipse">
@@ -5557,7 +5557,7 @@
           </p:nvSpPr>
           <p:spPr>
             <a:xfrm>
-              <a:off x="6383296" y="3442665"/>
+              <a:off x="6387295" y="3443324"/>
               <a:ext cx="139595" cy="139595"/>
             </a:xfrm>
             <a:prstGeom prst="ellipse">
@@ -5592,7 +5592,7 @@
           </p:nvSpPr>
           <p:spPr>
             <a:xfrm>
-              <a:off x="7532868" y="3202628"/>
+              <a:off x="7538030" y="3203189"/>
               <a:ext cx="139595" cy="139595"/>
             </a:xfrm>
             <a:prstGeom prst="ellipse">
@@ -5627,7 +5627,7 @@
           </p:nvSpPr>
           <p:spPr>
             <a:xfrm>
-              <a:off x="4317906" y="3746550"/>
+              <a:off x="4319811" y="3747331"/>
               <a:ext cx="131918" cy="131918"/>
             </a:xfrm>
             <a:prstGeom prst="ellipse">
@@ -5662,7 +5662,7 @@
           </p:nvSpPr>
           <p:spPr>
             <a:xfrm>
-              <a:off x="6613211" y="3382656"/>
+              <a:off x="6617442" y="3383290"/>
               <a:ext cx="139595" cy="139595"/>
             </a:xfrm>
             <a:prstGeom prst="ellipse">
@@ -5697,7 +5697,7 @@
           </p:nvSpPr>
           <p:spPr>
             <a:xfrm>
-              <a:off x="4777735" y="3446503"/>
+              <a:off x="4780105" y="3447163"/>
               <a:ext cx="131918" cy="131918"/>
             </a:xfrm>
             <a:prstGeom prst="ellipse">
@@ -5732,7 +5732,7 @@
           </p:nvSpPr>
           <p:spPr>
             <a:xfrm>
-              <a:off x="6151566" y="3320830"/>
+              <a:off x="6155332" y="3321440"/>
               <a:ext cx="143228" cy="143228"/>
             </a:xfrm>
             <a:prstGeom prst="ellipse">
@@ -5767,7 +5767,7 @@
           </p:nvSpPr>
           <p:spPr>
             <a:xfrm>
-              <a:off x="2944839" y="4173033"/>
+              <a:off x="2945347" y="4173986"/>
               <a:ext cx="119081" cy="119081"/>
             </a:xfrm>
             <a:prstGeom prst="ellipse">
@@ -5802,7 +5802,7 @@
           </p:nvSpPr>
           <p:spPr>
             <a:xfrm>
-              <a:off x="6846964" y="3386494"/>
+              <a:off x="6851428" y="3387129"/>
               <a:ext cx="131918" cy="131918"/>
             </a:xfrm>
             <a:prstGeom prst="ellipse">
@@ -5837,7 +5837,7 @@
           </p:nvSpPr>
           <p:spPr>
             <a:xfrm>
-              <a:off x="3626207" y="3804603"/>
+              <a:off x="3627413" y="3805409"/>
               <a:ext cx="135831" cy="135831"/>
             </a:xfrm>
             <a:prstGeom prst="ellipse">
@@ -5872,7 +5872,7 @@
           </p:nvSpPr>
           <p:spPr>
             <a:xfrm>
-              <a:off x="3174753" y="4053014"/>
+              <a:off x="3175494" y="4053918"/>
               <a:ext cx="119081" cy="119081"/>
             </a:xfrm>
             <a:prstGeom prst="ellipse">
@@ -5907,7 +5907,7 @@
           </p:nvSpPr>
           <p:spPr>
             <a:xfrm>
-              <a:off x="5233725" y="3622693"/>
+              <a:off x="5236560" y="3623425"/>
               <a:ext cx="139595" cy="139595"/>
             </a:xfrm>
             <a:prstGeom prst="ellipse">
@@ -5942,7 +5942,7 @@
           </p:nvSpPr>
           <p:spPr>
             <a:xfrm>
-              <a:off x="5473896" y="3752968"/>
+              <a:off x="5476964" y="3753750"/>
               <a:ext cx="119081" cy="119081"/>
             </a:xfrm>
             <a:prstGeom prst="ellipse">
@@ -5977,7 +5977,7 @@
           </p:nvSpPr>
           <p:spPr>
             <a:xfrm>
-              <a:off x="5695436" y="3324529"/>
+              <a:off x="5698736" y="3325139"/>
               <a:ext cx="135831" cy="135831"/>
             </a:xfrm>
             <a:prstGeom prst="ellipse">
@@ -6012,7 +6012,7 @@
           </p:nvSpPr>
           <p:spPr>
             <a:xfrm>
-              <a:off x="4547821" y="3986587"/>
+              <a:off x="4549958" y="3987466"/>
               <a:ext cx="131918" cy="131918"/>
             </a:xfrm>
             <a:prstGeom prst="ellipse">
@@ -6047,7 +6047,7 @@
           </p:nvSpPr>
           <p:spPr>
             <a:xfrm>
-              <a:off x="7074922" y="3504556"/>
+              <a:off x="7079619" y="3505240"/>
               <a:ext cx="135831" cy="135831"/>
             </a:xfrm>
             <a:prstGeom prst="ellipse">
@@ -6082,7 +6082,7 @@
           </p:nvSpPr>
           <p:spPr>
             <a:xfrm>
-              <a:off x="4543982" y="3442665"/>
+              <a:off x="4546119" y="3443324"/>
               <a:ext cx="139595" cy="139595"/>
             </a:xfrm>
             <a:prstGeom prst="ellipse">
@@ -6117,7 +6117,7 @@
           </p:nvSpPr>
           <p:spPr>
             <a:xfrm>
-              <a:off x="5014068" y="3692959"/>
+              <a:off x="5016670" y="3693716"/>
               <a:ext cx="119081" cy="119081"/>
             </a:xfrm>
             <a:prstGeom prst="ellipse">
@@ -6152,7 +6152,7 @@
           </p:nvSpPr>
           <p:spPr>
             <a:xfrm>
-              <a:off x="5923468" y="3442665"/>
+              <a:off x="5927001" y="3443324"/>
               <a:ext cx="139595" cy="139595"/>
             </a:xfrm>
             <a:prstGeom prst="ellipse">
@@ -6187,7 +6187,7 @@
           </p:nvSpPr>
           <p:spPr>
             <a:xfrm>
-              <a:off x="4551995" y="3810733"/>
+              <a:off x="4554132" y="3811539"/>
               <a:ext cx="123570" cy="123570"/>
             </a:xfrm>
             <a:prstGeom prst="ellipse">
@@ -6222,7 +6222,7 @@
           </p:nvSpPr>
           <p:spPr>
             <a:xfrm>
-              <a:off x="5228449" y="3257362"/>
+              <a:off x="5231285" y="3257947"/>
               <a:ext cx="150146" cy="150146"/>
             </a:xfrm>
             <a:prstGeom prst="ellipse">
@@ -6257,7 +6257,7 @@
           </p:nvSpPr>
           <p:spPr>
             <a:xfrm>
-              <a:off x="5697392" y="3746550"/>
+              <a:off x="5700693" y="3747331"/>
               <a:ext cx="131918" cy="131918"/>
             </a:xfrm>
             <a:prstGeom prst="ellipse">
@@ -6292,7 +6292,7 @@
           </p:nvSpPr>
           <p:spPr>
             <a:xfrm>
-              <a:off x="6153382" y="3202628"/>
+              <a:off x="6157148" y="3203189"/>
               <a:ext cx="139595" cy="139595"/>
             </a:xfrm>
             <a:prstGeom prst="ellipse">
@@ -6327,7 +6327,7 @@
           </p:nvSpPr>
           <p:spPr>
             <a:xfrm>
-              <a:off x="5699432" y="3328525"/>
+              <a:off x="5702732" y="3329135"/>
               <a:ext cx="127839" cy="127839"/>
             </a:xfrm>
             <a:prstGeom prst="ellipse">
@@ -6362,7 +6362,7 @@
           </p:nvSpPr>
           <p:spPr>
             <a:xfrm>
-              <a:off x="6387135" y="3566522"/>
+              <a:off x="6391134" y="3567230"/>
               <a:ext cx="131918" cy="131918"/>
             </a:xfrm>
             <a:prstGeom prst="ellipse">
@@ -6397,7 +6397,7 @@
           </p:nvSpPr>
           <p:spPr>
             <a:xfrm>
-              <a:off x="6845007" y="3504556"/>
+              <a:off x="6849472" y="3505240"/>
               <a:ext cx="135831" cy="135831"/>
             </a:xfrm>
             <a:prstGeom prst="ellipse">
@@ -6432,7 +6432,7 @@
           </p:nvSpPr>
           <p:spPr>
             <a:xfrm>
-              <a:off x="7304836" y="3264519"/>
+              <a:off x="7309766" y="3265105"/>
               <a:ext cx="135831" cy="135831"/>
             </a:xfrm>
             <a:prstGeom prst="ellipse">
@@ -6467,7 +6467,7 @@
           </p:nvSpPr>
           <p:spPr>
             <a:xfrm>
-              <a:off x="7069466" y="3139046"/>
+              <a:off x="7074163" y="3139583"/>
               <a:ext cx="146741" cy="146741"/>
             </a:xfrm>
             <a:prstGeom prst="ellipse">
@@ -6502,7 +6502,7 @@
           </p:nvSpPr>
           <p:spPr>
             <a:xfrm>
-              <a:off x="5463639" y="3442665"/>
+              <a:off x="5466707" y="3443324"/>
               <a:ext cx="139595" cy="139595"/>
             </a:xfrm>
             <a:prstGeom prst="ellipse">
@@ -6537,7 +6537,7 @@
           </p:nvSpPr>
           <p:spPr>
             <a:xfrm>
-              <a:off x="4784153" y="4053014"/>
+              <a:off x="4786523" y="4053918"/>
               <a:ext cx="119081" cy="119081"/>
             </a:xfrm>
             <a:prstGeom prst="ellipse">
@@ -6572,7 +6572,7 @@
           </p:nvSpPr>
           <p:spPr>
             <a:xfrm>
-              <a:off x="4322081" y="3870742"/>
+              <a:off x="4323985" y="3871573"/>
               <a:ext cx="123570" cy="123570"/>
             </a:xfrm>
             <a:prstGeom prst="ellipse">
@@ -6607,7 +6607,7 @@
           </p:nvSpPr>
           <p:spPr>
             <a:xfrm>
-              <a:off x="4324325" y="3932996"/>
+              <a:off x="4326229" y="3933851"/>
               <a:ext cx="119081" cy="119081"/>
             </a:xfrm>
             <a:prstGeom prst="ellipse">
@@ -6642,7 +6642,7 @@
           </p:nvSpPr>
           <p:spPr>
             <a:xfrm>
-              <a:off x="5009689" y="3808599"/>
+              <a:off x="5012291" y="3809404"/>
               <a:ext cx="127839" cy="127839"/>
             </a:xfrm>
             <a:prstGeom prst="ellipse">
@@ -6677,7 +6677,7 @@
           </p:nvSpPr>
           <p:spPr>
             <a:xfrm>
-              <a:off x="5461823" y="3080793"/>
+              <a:off x="5464891" y="3081306"/>
               <a:ext cx="143228" cy="143228"/>
             </a:xfrm>
             <a:prstGeom prst="ellipse">
@@ -6712,7 +6712,7 @@
           </p:nvSpPr>
           <p:spPr>
             <a:xfrm>
-              <a:off x="4084153" y="3442665"/>
+              <a:off x="4085825" y="3443324"/>
               <a:ext cx="139595" cy="139595"/>
             </a:xfrm>
             <a:prstGeom prst="ellipse">
@@ -6747,7 +6747,7 @@
           </p:nvSpPr>
           <p:spPr>
             <a:xfrm>
-              <a:off x="5461823" y="3440849"/>
+              <a:off x="5464891" y="3441508"/>
               <a:ext cx="143228" cy="143228"/>
             </a:xfrm>
             <a:prstGeom prst="ellipse">
@@ -6782,7 +6782,7 @@
           </p:nvSpPr>
           <p:spPr>
             <a:xfrm>
-              <a:off x="7073039" y="3322646"/>
+              <a:off x="7077736" y="3323257"/>
               <a:ext cx="139595" cy="139595"/>
             </a:xfrm>
             <a:prstGeom prst="ellipse">
@@ -6817,7 +6817,7 @@
           </p:nvSpPr>
           <p:spPr>
             <a:xfrm>
-              <a:off x="6157221" y="3506513"/>
+              <a:off x="6160987" y="3507196"/>
               <a:ext cx="131918" cy="131918"/>
             </a:xfrm>
             <a:prstGeom prst="ellipse">
@@ -6852,7 +6852,7 @@
           </p:nvSpPr>
           <p:spPr>
             <a:xfrm>
-              <a:off x="4547821" y="3686540"/>
+              <a:off x="4549958" y="3687297"/>
               <a:ext cx="131918" cy="131918"/>
             </a:xfrm>
             <a:prstGeom prst="ellipse">
@@ -6887,7 +6887,7 @@
           </p:nvSpPr>
           <p:spPr>
             <a:xfrm>
-              <a:off x="4317906" y="3746550"/>
+              <a:off x="4319811" y="3747331"/>
               <a:ext cx="131918" cy="131918"/>
             </a:xfrm>
             <a:prstGeom prst="ellipse">
@@ -6922,7 +6922,7 @@
           </p:nvSpPr>
           <p:spPr>
             <a:xfrm>
-              <a:off x="4319946" y="3508552"/>
+              <a:off x="4321850" y="3509236"/>
               <a:ext cx="127839" cy="127839"/>
             </a:xfrm>
             <a:prstGeom prst="ellipse">
@@ -6957,7 +6957,7 @@
           </p:nvSpPr>
           <p:spPr>
             <a:xfrm>
-              <a:off x="5695436" y="3384538"/>
+              <a:off x="5698736" y="3385173"/>
               <a:ext cx="135831" cy="135831"/>
             </a:xfrm>
             <a:prstGeom prst="ellipse">
@@ -6992,7 +6992,7 @@
           </p:nvSpPr>
           <p:spPr>
             <a:xfrm>
-              <a:off x="5009689" y="3748589"/>
+              <a:off x="5012291" y="3749371"/>
               <a:ext cx="127839" cy="127839"/>
             </a:xfrm>
             <a:prstGeom prst="ellipse">
@@ -7027,7 +7027,7 @@
           </p:nvSpPr>
           <p:spPr>
             <a:xfrm>
-              <a:off x="3174753" y="4173033"/>
+              <a:off x="3175494" y="4173986"/>
               <a:ext cx="119081" cy="119081"/>
             </a:xfrm>
             <a:prstGeom prst="ellipse">
@@ -7062,7 +7062,7 @@
           </p:nvSpPr>
           <p:spPr>
             <a:xfrm>
-              <a:off x="4547821" y="3626531"/>
+              <a:off x="4549958" y="3627264"/>
               <a:ext cx="131918" cy="131918"/>
             </a:xfrm>
             <a:prstGeom prst="ellipse">
@@ -7097,7 +7097,7 @@
           </p:nvSpPr>
           <p:spPr>
             <a:xfrm>
-              <a:off x="4779775" y="3628571"/>
+              <a:off x="4782144" y="3629303"/>
               <a:ext cx="127839" cy="127839"/>
             </a:xfrm>
             <a:prstGeom prst="ellipse">
@@ -7132,7 +7132,7 @@
           </p:nvSpPr>
           <p:spPr>
             <a:xfrm>
-              <a:off x="4777735" y="3626531"/>
+              <a:off x="4780105" y="3627264"/>
               <a:ext cx="131918" cy="131918"/>
             </a:xfrm>
             <a:prstGeom prst="ellipse">
@@ -7167,7 +7167,7 @@
           </p:nvSpPr>
           <p:spPr>
             <a:xfrm>
-              <a:off x="5927306" y="3566522"/>
+              <a:off x="5930840" y="3567230"/>
               <a:ext cx="131918" cy="131918"/>
             </a:xfrm>
             <a:prstGeom prst="ellipse">
@@ -7202,7 +7202,7 @@
           </p:nvSpPr>
           <p:spPr>
             <a:xfrm>
-              <a:off x="3402423" y="4350816"/>
+              <a:off x="3403397" y="4351842"/>
               <a:ext cx="123570" cy="123570"/>
             </a:xfrm>
             <a:prstGeom prst="ellipse">
@@ -7237,7 +7237,7 @@
           </p:nvSpPr>
           <p:spPr>
             <a:xfrm>
-              <a:off x="4777735" y="3686540"/>
+              <a:off x="4780105" y="3687297"/>
               <a:ext cx="131918" cy="131918"/>
             </a:xfrm>
             <a:prstGeom prst="ellipse">
@@ -7272,7 +7272,7 @@
           </p:nvSpPr>
           <p:spPr>
             <a:xfrm>
-              <a:off x="6137376" y="2526520"/>
+              <a:off x="6141142" y="2526813"/>
               <a:ext cx="171607" cy="171607"/>
             </a:xfrm>
             <a:prstGeom prst="ellipse">
@@ -7307,7 +7307,7 @@
           </p:nvSpPr>
           <p:spPr>
             <a:xfrm>
-              <a:off x="4996882" y="3075681"/>
+              <a:off x="4999484" y="3076193"/>
               <a:ext cx="153453" cy="153453"/>
             </a:xfrm>
             <a:prstGeom prst="ellipse">
@@ -7342,7 +7342,7 @@
           </p:nvSpPr>
           <p:spPr>
             <a:xfrm>
-              <a:off x="7982594" y="2592433"/>
+              <a:off x="7988222" y="2592750"/>
               <a:ext cx="159800" cy="159800"/>
             </a:xfrm>
             <a:prstGeom prst="ellipse">
@@ -7377,7 +7377,7 @@
           </p:nvSpPr>
           <p:spPr>
             <a:xfrm>
-              <a:off x="6148107" y="2777288"/>
+              <a:off x="6151873" y="2777678"/>
               <a:ext cx="150146" cy="150146"/>
             </a:xfrm>
             <a:prstGeom prst="ellipse">
@@ -7412,7 +7412,7 @@
           </p:nvSpPr>
           <p:spPr>
             <a:xfrm>
-              <a:off x="6601581" y="2650915"/>
+              <a:off x="6605812" y="2651256"/>
               <a:ext cx="162855" cy="162855"/>
             </a:xfrm>
             <a:prstGeom prst="ellipse">
@@ -7447,7 +7447,7 @@
           </p:nvSpPr>
           <p:spPr>
             <a:xfrm>
-              <a:off x="9132165" y="2172368"/>
+              <a:off x="9138957" y="2172514"/>
               <a:ext cx="159800" cy="159800"/>
             </a:xfrm>
             <a:prstGeom prst="ellipse">
@@ -7482,7 +7482,7 @@
           </p:nvSpPr>
           <p:spPr>
             <a:xfrm>
-              <a:off x="2931009" y="3439092"/>
+              <a:off x="2931517" y="3439751"/>
               <a:ext cx="146741" cy="146741"/>
             </a:xfrm>
             <a:prstGeom prst="ellipse">
@@ -7517,7 +7517,7 @@
           </p:nvSpPr>
           <p:spPr>
             <a:xfrm>
-              <a:off x="8447250" y="2357223"/>
+              <a:off x="8453343" y="2357442"/>
               <a:ext cx="150146" cy="150146"/>
             </a:xfrm>
             <a:prstGeom prst="ellipse">
@@ -7552,7 +7552,7 @@
           </p:nvSpPr>
           <p:spPr>
             <a:xfrm>
-              <a:off x="7067764" y="2657269"/>
+              <a:off x="7072461" y="2657610"/>
               <a:ext cx="150146" cy="150146"/>
             </a:xfrm>
             <a:prstGeom prst="ellipse">
@@ -7587,7 +7587,7 @@
           </p:nvSpPr>
           <p:spPr>
             <a:xfrm>
-              <a:off x="8206605" y="2466511"/>
+              <a:off x="8212466" y="2466779"/>
               <a:ext cx="171607" cy="171607"/>
             </a:xfrm>
             <a:prstGeom prst="ellipse">
@@ -7622,7 +7622,7 @@
           </p:nvSpPr>
           <p:spPr>
             <a:xfrm>
-              <a:off x="6604674" y="3074073"/>
+              <a:off x="6608906" y="3074585"/>
               <a:ext cx="156668" cy="156668"/>
             </a:xfrm>
             <a:prstGeom prst="ellipse">
@@ -7657,7 +7657,7 @@
           </p:nvSpPr>
           <p:spPr>
             <a:xfrm>
-              <a:off x="6376368" y="2955662"/>
+              <a:off x="6380367" y="2956126"/>
               <a:ext cx="153453" cy="153453"/>
             </a:xfrm>
             <a:prstGeom prst="ellipse">
@@ -7692,7 +7692,7 @@
           </p:nvSpPr>
           <p:spPr>
             <a:xfrm>
-              <a:off x="7292851" y="2832470"/>
+              <a:off x="7297781" y="2832884"/>
               <a:ext cx="159800" cy="159800"/>
             </a:xfrm>
             <a:prstGeom prst="ellipse">
@@ -7727,7 +7727,7 @@
           </p:nvSpPr>
           <p:spPr>
             <a:xfrm>
-              <a:off x="4765360" y="3134082"/>
+              <a:off x="4767730" y="3134619"/>
               <a:ext cx="156668" cy="156668"/>
             </a:xfrm>
             <a:prstGeom prst="ellipse">
@@ -7762,7 +7762,7 @@
           </p:nvSpPr>
           <p:spPr>
             <a:xfrm>
-              <a:off x="4989231" y="3068030"/>
+              <a:off x="4991834" y="3068543"/>
               <a:ext cx="168754" cy="168754"/>
             </a:xfrm>
             <a:prstGeom prst="ellipse">
@@ -7797,7 +7797,7 @@
           </p:nvSpPr>
           <p:spPr>
             <a:xfrm>
-              <a:off x="6370175" y="2949469"/>
+              <a:off x="6374174" y="2949933"/>
               <a:ext cx="165838" cy="165838"/>
             </a:xfrm>
             <a:prstGeom prst="ellipse">
@@ -7832,7 +7832,7 @@
           </p:nvSpPr>
           <p:spPr>
             <a:xfrm>
-              <a:off x="6607935" y="2837297"/>
+              <a:off x="6612167" y="2837712"/>
               <a:ext cx="150146" cy="150146"/>
             </a:xfrm>
             <a:prstGeom prst="ellipse">
@@ -7867,7 +7867,7 @@
           </p:nvSpPr>
           <p:spPr>
             <a:xfrm>
-              <a:off x="9360552" y="2110831"/>
+              <a:off x="9367577" y="2110953"/>
               <a:ext cx="162855" cy="162855"/>
             </a:xfrm>
             <a:prstGeom prst="ellipse">
@@ -7902,7 +7902,7 @@
           </p:nvSpPr>
           <p:spPr>
             <a:xfrm>
-              <a:off x="9359061" y="1989322"/>
+              <a:off x="9366085" y="1989394"/>
               <a:ext cx="165838" cy="165838"/>
             </a:xfrm>
             <a:prstGeom prst="ellipse">
@@ -7937,7 +7937,7 @@
           </p:nvSpPr>
           <p:spPr>
             <a:xfrm>
-              <a:off x="5463639" y="3142619"/>
+              <a:off x="5466707" y="3143155"/>
               <a:ext cx="139595" cy="139595"/>
             </a:xfrm>
             <a:prstGeom prst="ellipse">
@@ -7972,7 +7972,7 @@
           </p:nvSpPr>
           <p:spPr>
             <a:xfrm>
-              <a:off x="7519746" y="2709432"/>
+              <a:off x="7524909" y="2709798"/>
               <a:ext cx="165838" cy="165838"/>
             </a:xfrm>
             <a:prstGeom prst="ellipse">
@@ -8007,7 +8007,7 @@
           </p:nvSpPr>
           <p:spPr>
             <a:xfrm>
-              <a:off x="4535446" y="3194091"/>
+              <a:off x="4537583" y="3194653"/>
               <a:ext cx="156668" cy="156668"/>
             </a:xfrm>
             <a:prstGeom prst="ellipse">
@@ -8042,7 +8042,7 @@
           </p:nvSpPr>
           <p:spPr>
             <a:xfrm>
-              <a:off x="9363646" y="2113925"/>
+              <a:off x="9370670" y="2114046"/>
               <a:ext cx="156668" cy="156668"/>
             </a:xfrm>
             <a:prstGeom prst="ellipse">
@@ -8077,7 +8077,7 @@
           </p:nvSpPr>
           <p:spPr>
             <a:xfrm>
-              <a:off x="6148107" y="3197352"/>
+              <a:off x="6151873" y="3197914"/>
               <a:ext cx="150146" cy="150146"/>
             </a:xfrm>
             <a:prstGeom prst="ellipse">
@@ -8112,7 +8112,7 @@
           </p:nvSpPr>
           <p:spPr>
             <a:xfrm>
-              <a:off x="7062937" y="2712451"/>
+              <a:off x="7067634" y="2712817"/>
               <a:ext cx="159800" cy="159800"/>
             </a:xfrm>
             <a:prstGeom prst="ellipse">
@@ -8147,7 +8147,7 @@
           </p:nvSpPr>
           <p:spPr>
             <a:xfrm>
-              <a:off x="8217335" y="2537251"/>
+              <a:off x="8223196" y="2537543"/>
               <a:ext cx="150146" cy="150146"/>
             </a:xfrm>
             <a:prstGeom prst="ellipse">
@@ -8182,7 +8182,7 @@
           </p:nvSpPr>
           <p:spPr>
             <a:xfrm>
-              <a:off x="5918192" y="3257362"/>
+              <a:off x="5921726" y="3257947"/>
               <a:ext cx="150146" cy="150146"/>
             </a:xfrm>
             <a:prstGeom prst="ellipse">
@@ -8217,7 +8217,7 @@
           </p:nvSpPr>
           <p:spPr>
             <a:xfrm>
-              <a:off x="5688278" y="3197352"/>
+              <a:off x="5691579" y="3197914"/>
               <a:ext cx="150146" cy="150146"/>
             </a:xfrm>
             <a:prstGeom prst="ellipse">
@@ -8252,7 +8252,7 @@
           </p:nvSpPr>
           <p:spPr>
             <a:xfrm>
-              <a:off x="6373194" y="2772461"/>
+              <a:off x="6377193" y="2772851"/>
               <a:ext cx="159800" cy="159800"/>
             </a:xfrm>
             <a:prstGeom prst="ellipse">
@@ -8287,7 +8287,7 @@
           </p:nvSpPr>
           <p:spPr>
             <a:xfrm>
-              <a:off x="8220794" y="2660728"/>
+              <a:off x="8226655" y="2661070"/>
               <a:ext cx="143228" cy="143228"/>
             </a:xfrm>
             <a:prstGeom prst="ellipse">
@@ -8322,7 +8322,7 @@
           </p:nvSpPr>
           <p:spPr>
             <a:xfrm>
-              <a:off x="8675511" y="2475588"/>
+              <a:off x="8681837" y="2475856"/>
               <a:ext cx="153453" cy="153453"/>
             </a:xfrm>
             <a:prstGeom prst="ellipse">
@@ -8357,7 +8357,7 @@
           </p:nvSpPr>
           <p:spPr>
             <a:xfrm>
-              <a:off x="9823474" y="2293953"/>
+              <a:off x="9830964" y="2294147"/>
               <a:ext cx="156668" cy="156668"/>
             </a:xfrm>
             <a:prstGeom prst="ellipse">
@@ -8392,7 +8392,7 @@
           </p:nvSpPr>
           <p:spPr>
             <a:xfrm>
-              <a:off x="6371666" y="2770933"/>
+              <a:off x="6375665" y="2771323"/>
               <a:ext cx="162855" cy="162855"/>
             </a:xfrm>
             <a:prstGeom prst="ellipse">
@@ -8427,7 +8427,7 @@
           </p:nvSpPr>
           <p:spPr>
             <a:xfrm>
-              <a:off x="6153382" y="3082609"/>
+              <a:off x="6157148" y="3083122"/>
               <a:ext cx="139595" cy="139595"/>
             </a:xfrm>
             <a:prstGeom prst="ellipse">
@@ -8462,7 +8462,7 @@
           </p:nvSpPr>
           <p:spPr>
             <a:xfrm>
-              <a:off x="5695436" y="2784445"/>
+              <a:off x="5698736" y="2784836"/>
               <a:ext cx="135831" cy="135831"/>
             </a:xfrm>
             <a:prstGeom prst="ellipse">
@@ -8497,7 +8497,7 @@
           </p:nvSpPr>
           <p:spPr>
             <a:xfrm>
-              <a:off x="9359061" y="2469395"/>
+              <a:off x="9366085" y="2469663"/>
               <a:ext cx="165838" cy="165838"/>
             </a:xfrm>
             <a:prstGeom prst="ellipse">
@@ -8532,7 +8532,7 @@
           </p:nvSpPr>
           <p:spPr>
             <a:xfrm>
-              <a:off x="6138803" y="2767984"/>
+              <a:off x="6142569" y="2768374"/>
               <a:ext cx="168754" cy="168754"/>
             </a:xfrm>
             <a:prstGeom prst="ellipse">
@@ -8567,7 +8567,7 @@
           </p:nvSpPr>
           <p:spPr>
             <a:xfrm>
-              <a:off x="6378021" y="2837297"/>
+              <a:off x="6382020" y="2837712"/>
               <a:ext cx="150146" cy="150146"/>
             </a:xfrm>
             <a:prstGeom prst="ellipse">
@@ -8602,7 +8602,7 @@
           </p:nvSpPr>
           <p:spPr>
             <a:xfrm>
-              <a:off x="5458364" y="3257362"/>
+              <a:off x="5461432" y="3257947"/>
               <a:ext cx="150146" cy="150146"/>
             </a:xfrm>
             <a:prstGeom prst="ellipse">
@@ -8637,7 +8637,7 @@
           </p:nvSpPr>
           <p:spPr>
             <a:xfrm>
-              <a:off x="7522765" y="2892479"/>
+              <a:off x="7527928" y="2892918"/>
               <a:ext cx="159800" cy="159800"/>
             </a:xfrm>
             <a:prstGeom prst="ellipse">
@@ -8672,7 +8672,7 @@
           </p:nvSpPr>
           <p:spPr>
             <a:xfrm>
-              <a:off x="7058460" y="2767984"/>
+              <a:off x="7063157" y="2768374"/>
               <a:ext cx="168754" cy="168754"/>
             </a:xfrm>
             <a:prstGeom prst="ellipse">
@@ -8707,7 +8707,7 @@
           </p:nvSpPr>
           <p:spPr>
             <a:xfrm>
-              <a:off x="7519746" y="3069488"/>
+              <a:off x="7524909" y="3070000"/>
               <a:ext cx="165838" cy="165838"/>
             </a:xfrm>
             <a:prstGeom prst="ellipse">
@@ -8742,7 +8742,7 @@
           </p:nvSpPr>
           <p:spPr>
             <a:xfrm>
-              <a:off x="4996882" y="3075681"/>
+              <a:off x="4999484" y="3076193"/>
               <a:ext cx="153453" cy="153453"/>
             </a:xfrm>
             <a:prstGeom prst="ellipse">
@@ -8777,7 +8777,7 @@
           </p:nvSpPr>
           <p:spPr>
             <a:xfrm>
-              <a:off x="7289832" y="2589414"/>
+              <a:off x="7294762" y="2589731"/>
               <a:ext cx="165838" cy="165838"/>
             </a:xfrm>
             <a:prstGeom prst="ellipse">
@@ -8812,7 +8812,7 @@
           </p:nvSpPr>
           <p:spPr>
             <a:xfrm>
-              <a:off x="7057033" y="2706548"/>
+              <a:off x="7061730" y="2706914"/>
               <a:ext cx="171607" cy="171607"/>
             </a:xfrm>
             <a:prstGeom prst="ellipse">
@@ -8847,7 +8847,7 @@
           </p:nvSpPr>
           <p:spPr>
             <a:xfrm>
-              <a:off x="7059918" y="3009479"/>
+              <a:off x="7064615" y="3009967"/>
               <a:ext cx="165838" cy="165838"/>
             </a:xfrm>
             <a:prstGeom prst="ellipse">
@@ -8882,7 +8882,7 @@
           </p:nvSpPr>
           <p:spPr>
             <a:xfrm>
-              <a:off x="6146453" y="3135690"/>
+              <a:off x="6150220" y="3136227"/>
               <a:ext cx="153453" cy="153453"/>
             </a:xfrm>
             <a:prstGeom prst="ellipse">
@@ -8917,7 +8917,7 @@
           </p:nvSpPr>
           <p:spPr>
             <a:xfrm>
-              <a:off x="6604674" y="3014064"/>
+              <a:off x="6608906" y="3014552"/>
               <a:ext cx="156668" cy="156668"/>
             </a:xfrm>
             <a:prstGeom prst="ellipse">
@@ -8952,7 +8952,7 @@
           </p:nvSpPr>
           <p:spPr>
             <a:xfrm>
-              <a:off x="5910346" y="2889460"/>
+              <a:off x="5913880" y="2889899"/>
               <a:ext cx="165838" cy="165838"/>
             </a:xfrm>
             <a:prstGeom prst="ellipse">
@@ -8987,7 +8987,7 @@
           </p:nvSpPr>
           <p:spPr>
             <a:xfrm>
-              <a:off x="5228449" y="3077334"/>
+              <a:off x="5231285" y="3077846"/>
               <a:ext cx="150146" cy="150146"/>
             </a:xfrm>
             <a:prstGeom prst="ellipse">
@@ -9022,8 +9022,8 @@
           </p:nvSpPr>
           <p:spPr>
             <a:xfrm>
-              <a:off x="1090487" y="4975586"/>
-              <a:ext cx="57931" cy="73223"/>
+              <a:off x="1090487" y="4977651"/>
+              <a:ext cx="56623" cy="71635"/>
             </a:xfrm>
             <a:prstGeom prst="rect">
               <a:avLst/>
@@ -9068,8 +9068,8 @@
           </p:nvSpPr>
           <p:spPr>
             <a:xfrm>
-              <a:off x="1090487" y="3775600"/>
-              <a:ext cx="57931" cy="73025"/>
+              <a:off x="1090487" y="3777373"/>
+              <a:ext cx="56623" cy="71239"/>
             </a:xfrm>
             <a:prstGeom prst="rect">
               <a:avLst/>
@@ -9114,8 +9114,8 @@
           </p:nvSpPr>
           <p:spPr>
             <a:xfrm>
-              <a:off x="1090487" y="2574224"/>
-              <a:ext cx="57931" cy="74215"/>
+              <a:off x="1090487" y="2575310"/>
+              <a:ext cx="56623" cy="72628"/>
             </a:xfrm>
             <a:prstGeom prst="rect">
               <a:avLst/>
@@ -9160,7 +9160,7 @@
           </p:nvSpPr>
           <p:spPr>
             <a:xfrm>
-              <a:off x="1176254" y="5012694"/>
+              <a:off x="1174946" y="5013965"/>
               <a:ext cx="34794" cy="0"/>
             </a:xfrm>
             <a:custGeom>
@@ -9200,7 +9200,7 @@
           </p:nvSpPr>
           <p:spPr>
             <a:xfrm>
-              <a:off x="1176254" y="3812509"/>
+              <a:off x="1174946" y="3813290"/>
               <a:ext cx="34794" cy="0"/>
             </a:xfrm>
             <a:custGeom>
@@ -9240,7 +9240,7 @@
           </p:nvSpPr>
           <p:spPr>
             <a:xfrm>
-              <a:off x="1176254" y="2612324"/>
+              <a:off x="1174946" y="2612616"/>
               <a:ext cx="34794" cy="0"/>
             </a:xfrm>
             <a:custGeom>
@@ -9280,7 +9280,7 @@
           </p:nvSpPr>
           <p:spPr>
             <a:xfrm>
-              <a:off x="3234294" y="5789814"/>
+              <a:off x="3235035" y="5791401"/>
               <a:ext cx="0" cy="34794"/>
             </a:xfrm>
             <a:custGeom>
@@ -9320,7 +9320,7 @@
           </p:nvSpPr>
           <p:spPr>
             <a:xfrm>
-              <a:off x="5533437" y="5789814"/>
+              <a:off x="5536505" y="5791401"/>
               <a:ext cx="0" cy="34794"/>
             </a:xfrm>
             <a:custGeom>
@@ -9360,7 +9360,7 @@
           </p:nvSpPr>
           <p:spPr>
             <a:xfrm>
-              <a:off x="7832580" y="5789814"/>
+              <a:off x="7837975" y="5791401"/>
               <a:ext cx="0" cy="34794"/>
             </a:xfrm>
             <a:custGeom>
@@ -9400,7 +9400,7 @@
           </p:nvSpPr>
           <p:spPr>
             <a:xfrm>
-              <a:off x="10131723" y="5789814"/>
+              <a:off x="10139446" y="5791401"/>
               <a:ext cx="0" cy="34794"/>
             </a:xfrm>
             <a:custGeom>
@@ -9440,8 +9440,8 @@
           </p:nvSpPr>
           <p:spPr>
             <a:xfrm>
-              <a:off x="3205329" y="5851452"/>
-              <a:ext cx="57931" cy="73223"/>
+              <a:off x="3206723" y="5853039"/>
+              <a:ext cx="56623" cy="71635"/>
             </a:xfrm>
             <a:prstGeom prst="rect">
               <a:avLst/>
@@ -9486,8 +9486,8 @@
           </p:nvSpPr>
           <p:spPr>
             <a:xfrm>
-              <a:off x="5504471" y="5850459"/>
-              <a:ext cx="57931" cy="74215"/>
+              <a:off x="5508193" y="5852047"/>
+              <a:ext cx="56623" cy="72628"/>
             </a:xfrm>
             <a:prstGeom prst="rect">
               <a:avLst/>
@@ -9532,8 +9532,8 @@
           </p:nvSpPr>
           <p:spPr>
             <a:xfrm>
-              <a:off x="7803614" y="5852047"/>
-              <a:ext cx="57931" cy="72628"/>
+              <a:off x="7809663" y="5853634"/>
+              <a:ext cx="56623" cy="71040"/>
             </a:xfrm>
             <a:prstGeom prst="rect">
               <a:avLst/>
@@ -9578,8 +9578,8 @@
           </p:nvSpPr>
           <p:spPr>
             <a:xfrm>
-              <a:off x="10102757" y="5850459"/>
-              <a:ext cx="57931" cy="74215"/>
+              <a:off x="10111134" y="5852047"/>
+              <a:ext cx="56623" cy="72628"/>
             </a:xfrm>
             <a:prstGeom prst="rect">
               <a:avLst/>
@@ -9624,7 +9624,7 @@
           </p:nvSpPr>
           <p:spPr>
             <a:xfrm>
-              <a:off x="5398890" y="5962713"/>
+              <a:off x="5402191" y="5962713"/>
               <a:ext cx="728922" cy="119856"/>
             </a:xfrm>
             <a:prstGeom prst="rect">
@@ -9670,7 +9670,7 @@
           </p:nvSpPr>
           <p:spPr>
             <a:xfrm rot="-5400000">
-              <a:off x="581015" y="3782585"/>
+              <a:off x="581015" y="3783379"/>
               <a:ext cx="710300" cy="119856"/>
             </a:xfrm>
             <a:prstGeom prst="rect">
@@ -9716,8 +9716,8 @@
           </p:nvSpPr>
           <p:spPr>
             <a:xfrm>
-              <a:off x="10459654" y="2675829"/>
-              <a:ext cx="816647" cy="1303268"/>
+              <a:off x="10467563" y="2663117"/>
+              <a:ext cx="816647" cy="1299212"/>
             </a:xfrm>
             <a:prstGeom prst="rect">
               <a:avLst/>
@@ -9742,7 +9742,7 @@
           </p:nvSpPr>
           <p:spPr>
             <a:xfrm>
-              <a:off x="10531654" y="2739693"/>
+              <a:off x="10539563" y="2727676"/>
               <a:ext cx="672647" cy="96440"/>
             </a:xfrm>
             <a:prstGeom prst="rect">
@@ -9788,7 +9788,7 @@
           </p:nvSpPr>
           <p:spPr>
             <a:xfrm>
-              <a:off x="10531654" y="2886426"/>
+              <a:off x="10539563" y="2869658"/>
               <a:ext cx="215999" cy="201168"/>
             </a:xfrm>
             <a:prstGeom prst="rect">
@@ -9823,7 +9823,7 @@
           </p:nvSpPr>
           <p:spPr>
             <a:xfrm>
-              <a:off x="10593944" y="2941299"/>
+              <a:off x="10601852" y="2924531"/>
               <a:ext cx="91421" cy="91421"/>
             </a:xfrm>
             <a:prstGeom prst="ellipse">
@@ -9858,7 +9858,7 @@
           </p:nvSpPr>
           <p:spPr>
             <a:xfrm>
-              <a:off x="10531654" y="3087594"/>
+              <a:off x="10539563" y="3070826"/>
               <a:ext cx="215999" cy="201168"/>
             </a:xfrm>
             <a:prstGeom prst="rect">
@@ -9893,7 +9893,7 @@
           </p:nvSpPr>
           <p:spPr>
             <a:xfrm>
-              <a:off x="10580114" y="3128637"/>
+              <a:off x="10588022" y="3111869"/>
               <a:ext cx="119081" cy="119081"/>
             </a:xfrm>
             <a:prstGeom prst="ellipse">
@@ -9928,7 +9928,7 @@
           </p:nvSpPr>
           <p:spPr>
             <a:xfrm>
-              <a:off x="10531654" y="3288762"/>
+              <a:off x="10539563" y="3271994"/>
               <a:ext cx="215999" cy="201167"/>
             </a:xfrm>
             <a:prstGeom prst="rect">
@@ -9963,7 +9963,7 @@
           </p:nvSpPr>
           <p:spPr>
             <a:xfrm>
-              <a:off x="10569856" y="3319548"/>
+              <a:off x="10577765" y="3302780"/>
               <a:ext cx="139595" cy="139595"/>
             </a:xfrm>
             <a:prstGeom prst="ellipse">
@@ -9998,7 +9998,7 @@
           </p:nvSpPr>
           <p:spPr>
             <a:xfrm>
-              <a:off x="10531654" y="3489930"/>
+              <a:off x="10539563" y="3473162"/>
               <a:ext cx="215999" cy="201167"/>
             </a:xfrm>
             <a:prstGeom prst="rect">
@@ -10033,7 +10033,7 @@
           </p:nvSpPr>
           <p:spPr>
             <a:xfrm>
-              <a:off x="10561320" y="3512179"/>
+              <a:off x="10569229" y="3495411"/>
               <a:ext cx="156668" cy="156668"/>
             </a:xfrm>
             <a:prstGeom prst="ellipse">
@@ -10068,7 +10068,7 @@
           </p:nvSpPr>
           <p:spPr>
             <a:xfrm>
-              <a:off x="10531654" y="3691098"/>
+              <a:off x="10539563" y="3674330"/>
               <a:ext cx="215999" cy="215999"/>
             </a:xfrm>
             <a:prstGeom prst="rect">
@@ -10103,7 +10103,7 @@
           </p:nvSpPr>
           <p:spPr>
             <a:xfrm>
-              <a:off x="10553851" y="3713294"/>
+              <a:off x="10561759" y="3696526"/>
               <a:ext cx="171607" cy="171607"/>
             </a:xfrm>
             <a:prstGeom prst="ellipse">
@@ -10138,8 +10138,8 @@
           </p:nvSpPr>
           <p:spPr>
             <a:xfrm>
-              <a:off x="10772800" y="2948910"/>
-              <a:ext cx="144716" cy="74215"/>
+              <a:off x="10780709" y="2932935"/>
+              <a:ext cx="141450" cy="72628"/>
             </a:xfrm>
             <a:prstGeom prst="rect">
               <a:avLst/>
@@ -10184,8 +10184,8 @@
           </p:nvSpPr>
           <p:spPr>
             <a:xfrm>
-              <a:off x="10772800" y="3150078"/>
-              <a:ext cx="144716" cy="74215"/>
+              <a:off x="10780709" y="3134103"/>
+              <a:ext cx="141450" cy="72628"/>
             </a:xfrm>
             <a:prstGeom prst="rect">
               <a:avLst/>
@@ -10230,8 +10230,8 @@
           </p:nvSpPr>
           <p:spPr>
             <a:xfrm>
-              <a:off x="10772800" y="3351841"/>
-              <a:ext cx="144716" cy="73620"/>
+              <a:off x="10780709" y="3335867"/>
+              <a:ext cx="141450" cy="72032"/>
             </a:xfrm>
             <a:prstGeom prst="rect">
               <a:avLst/>
@@ -10276,8 +10276,8 @@
           </p:nvSpPr>
           <p:spPr>
             <a:xfrm>
-              <a:off x="10772800" y="3552414"/>
-              <a:ext cx="144716" cy="74215"/>
+              <a:off x="10780709" y="3536439"/>
+              <a:ext cx="141450" cy="72628"/>
             </a:xfrm>
             <a:prstGeom prst="rect">
               <a:avLst/>
@@ -10322,8 +10322,8 @@
           </p:nvSpPr>
           <p:spPr>
             <a:xfrm>
-              <a:off x="10772800" y="3760998"/>
-              <a:ext cx="144716" cy="74215"/>
+              <a:off x="10780709" y="3745023"/>
+              <a:ext cx="141450" cy="72628"/>
             </a:xfrm>
             <a:prstGeom prst="rect">
               <a:avLst/>
@@ -10368,8 +10368,8 @@
           </p:nvSpPr>
           <p:spPr>
             <a:xfrm>
-              <a:off x="10459654" y="4123098"/>
-              <a:ext cx="824556" cy="886100"/>
+              <a:off x="10467563" y="4106330"/>
+              <a:ext cx="814304" cy="917168"/>
             </a:xfrm>
             <a:prstGeom prst="rect">
               <a:avLst/>
@@ -10394,7 +10394,7 @@
           </p:nvSpPr>
           <p:spPr>
             <a:xfrm>
-              <a:off x="10531654" y="4168110"/>
+              <a:off x="10539563" y="4163744"/>
               <a:ext cx="422374" cy="115292"/>
             </a:xfrm>
             <a:prstGeom prst="rect">
@@ -10440,8 +10440,8 @@
           </p:nvSpPr>
           <p:spPr>
             <a:xfrm>
-              <a:off x="10531654" y="4333694"/>
-              <a:ext cx="201168" cy="201167"/>
+              <a:off x="10539563" y="4347994"/>
+              <a:ext cx="201168" cy="201168"/>
             </a:xfrm>
             <a:prstGeom prst="rect">
               <a:avLst/>
@@ -10475,7 +10475,7 @@
           </p:nvSpPr>
           <p:spPr>
             <a:xfrm>
-              <a:off x="10607412" y="4409452"/>
+              <a:off x="10615321" y="4423752"/>
               <a:ext cx="49651" cy="49651"/>
             </a:xfrm>
             <a:prstGeom prst="ellipse">
@@ -10510,8 +10510,8 @@
           </p:nvSpPr>
           <p:spPr>
             <a:xfrm>
-              <a:off x="10531654" y="4534862"/>
-              <a:ext cx="201168" cy="201168"/>
+              <a:off x="10539563" y="4549162"/>
+              <a:ext cx="201168" cy="201167"/>
             </a:xfrm>
             <a:prstGeom prst="rect">
               <a:avLst/>
@@ -10545,7 +10545,7 @@
           </p:nvSpPr>
           <p:spPr>
             <a:xfrm>
-              <a:off x="10607412" y="4610620"/>
+              <a:off x="10615321" y="4624920"/>
               <a:ext cx="49651" cy="49651"/>
             </a:xfrm>
             <a:prstGeom prst="ellipse">
@@ -10580,8 +10580,8 @@
           </p:nvSpPr>
           <p:spPr>
             <a:xfrm>
-              <a:off x="10531654" y="4736030"/>
-              <a:ext cx="201168" cy="201168"/>
+              <a:off x="10539563" y="4750330"/>
+              <a:ext cx="201168" cy="201167"/>
             </a:xfrm>
             <a:prstGeom prst="rect">
               <a:avLst/>
@@ -10615,7 +10615,7 @@
           </p:nvSpPr>
           <p:spPr>
             <a:xfrm>
-              <a:off x="10607412" y="4811788"/>
+              <a:off x="10615321" y="4826088"/>
               <a:ext cx="49651" cy="49651"/>
             </a:xfrm>
             <a:prstGeom prst="ellipse">
@@ -10650,8 +10650,8 @@
           </p:nvSpPr>
           <p:spPr>
             <a:xfrm>
-              <a:off x="10757968" y="4402528"/>
-              <a:ext cx="299591" cy="67865"/>
+              <a:off x="10765877" y="4417621"/>
+              <a:ext cx="292829" cy="66278"/>
             </a:xfrm>
             <a:prstGeom prst="rect">
               <a:avLst/>
@@ -10696,8 +10696,8 @@
           </p:nvSpPr>
           <p:spPr>
             <a:xfrm>
-              <a:off x="10757968" y="4592782"/>
-              <a:ext cx="454242" cy="78779"/>
+              <a:off x="10765877" y="4608074"/>
+              <a:ext cx="443990" cy="76993"/>
             </a:xfrm>
             <a:prstGeom prst="rect">
               <a:avLst/>
@@ -10742,8 +10742,8 @@
           </p:nvSpPr>
           <p:spPr>
             <a:xfrm>
-              <a:off x="10757968" y="4778274"/>
-              <a:ext cx="387101" cy="94456"/>
+              <a:off x="10765877" y="4793962"/>
+              <a:ext cx="378365" cy="92273"/>
             </a:xfrm>
             <a:prstGeom prst="rect">
               <a:avLst/>
@@ -10787,7 +10787,7 @@
 </file>
 
 <file path=ppt/slides/slide4.xml><?xml version="1.0" encoding="utf-8"?>
-<p:sld xmlns:a="http://schemas.openxmlformats.org/drawingml/2006/main" xmlns:r="http://schemas.openxmlformats.org/officeDocument/2006/relationships" xmlns:p="http://schemas.openxmlformats.org/presentationml/2006/main" xmlns:mc="http://schemas.openxmlformats.org/markup-compatibility/2006" xmlns:c="http://schemas.openxmlformats.org/drawingml/2006/chart" xmlns:ns6="http://schemas.openxmlformats.org/drawingml/2006/chartDrawing" xmlns:dgm="http://schemas.openxmlformats.org/drawingml/2006/diagram" xmlns:pic="http://schemas.openxmlformats.org/drawingml/2006/picture" xmlns:wp="http://schemas.openxmlformats.org/drawingml/2006/wordprocessingDrawing" xmlns:xdr="http://schemas.openxmlformats.org/drawingml/2006/spreadsheetDrawing" xmlns:ns11="http://schemas.openxmlformats.org/drawingml/2006/compatibility" xmlns:ns12="http://schemas.openxmlformats.org/drawingml/2006/lockedCanvas">
+<p:sld xmlns:p="http://schemas.openxmlformats.org/presentationml/2006/main" xmlns:r="http://schemas.openxmlformats.org/officeDocument/2006/relationships" xmlns:a="http://schemas.openxmlformats.org/drawingml/2006/main" xmlns:mc="http://schemas.openxmlformats.org/markup-compatibility/2006" xmlns:c="http://schemas.openxmlformats.org/drawingml/2006/chart" xmlns:ns6="http://schemas.openxmlformats.org/drawingml/2006/chartDrawing" xmlns:dgm="http://schemas.openxmlformats.org/drawingml/2006/diagram" xmlns:pic="http://schemas.openxmlformats.org/drawingml/2006/picture" xmlns:wp="http://schemas.openxmlformats.org/drawingml/2006/wordprocessingDrawing" xmlns:xdr="http://schemas.openxmlformats.org/drawingml/2006/spreadsheetDrawing" xmlns:ns11="http://schemas.openxmlformats.org/drawingml/2006/compatibility" xmlns:ns12="http://schemas.openxmlformats.org/drawingml/2006/lockedCanvas">
   <p:cSld>
     <p:spTree>
       <p:nvGrpSpPr>

--- a/docs/reference/presentation_example.pptx
+++ b/docs/reference/presentation_example.pptx
@@ -1,14 +1,14 @@
 
 <file path=ppt/presentation.xml><?xml version="1.0" encoding="utf-8"?>
-<p:presentation xmlns:p="http://schemas.openxmlformats.org/presentationml/2006/main" xmlns:r="http://schemas.openxmlformats.org/officeDocument/2006/relationships" xmlns:a="http://schemas.openxmlformats.org/drawingml/2006/main" xmlns:mc="http://schemas.openxmlformats.org/markup-compatibility/2006" xmlns:c="http://schemas.openxmlformats.org/drawingml/2006/chart" xmlns:ns6="http://schemas.openxmlformats.org/drawingml/2006/chartDrawing" xmlns:dgm="http://schemas.openxmlformats.org/drawingml/2006/diagram" xmlns:pic="http://schemas.openxmlformats.org/drawingml/2006/picture" xmlns:wp="http://schemas.openxmlformats.org/drawingml/2006/wordprocessingDrawing" xmlns:xdr="http://schemas.openxmlformats.org/drawingml/2006/spreadsheetDrawing" xmlns:ns11="http://schemas.openxmlformats.org/drawingml/2006/compatibility" xmlns:ns12="http://schemas.openxmlformats.org/drawingml/2006/lockedCanvas" saveSubsetFonts="true">
+<p:presentation xmlns:a="http://schemas.openxmlformats.org/drawingml/2006/main" xmlns:r="http://schemas.openxmlformats.org/officeDocument/2006/relationships" xmlns:p="http://schemas.openxmlformats.org/presentationml/2006/main" xmlns:mc="http://schemas.openxmlformats.org/markup-compatibility/2006" xmlns:c="http://schemas.openxmlformats.org/drawingml/2006/chart" xmlns:ns6="http://schemas.openxmlformats.org/drawingml/2006/chartDrawing" xmlns:dgm="http://schemas.openxmlformats.org/drawingml/2006/diagram" xmlns:pic="http://schemas.openxmlformats.org/drawingml/2006/picture" xmlns:wp="http://schemas.openxmlformats.org/drawingml/2006/wordprocessingDrawing" xmlns:xdr="http://schemas.openxmlformats.org/drawingml/2006/spreadsheetDrawing" xmlns:ns11="http://schemas.openxmlformats.org/drawingml/2006/compatibility" xmlns:ns12="http://schemas.openxmlformats.org/drawingml/2006/lockedCanvas" saveSubsetFonts="true">
   <p:sldMasterIdLst>
     <p:sldMasterId id="2147483648" r:id="rId1"/>
   </p:sldMasterIdLst>
   <p:sldIdLst>
-    <p:sldId id="2095225786" r:id="rId6"/>
-    <p:sldId id="1839789553" r:id="rId7"/>
-    <p:sldId id="2063495025" r:id="rId8"/>
-    <p:sldId id="1253371050" r:id="rId9"/>
+    <p:sldId id="1784347191" r:id="rId6"/>
+    <p:sldId id="468696335" r:id="rId7"/>
+    <p:sldId id="913604579" r:id="rId8"/>
+    <p:sldId id="1846947756" r:id="rId9"/>
   </p:sldIdLst>
   <p:sldSz cx="12192000" cy="6858000"/>
   <p:notesSz cx="6858000" cy="9144000"/>
@@ -116,7 +116,7 @@
 </file>
 
 <file path=ppt/slideLayouts/slideLayout1.xml><?xml version="1.0" encoding="utf-8"?>
-<p:sldLayout xmlns:p="http://schemas.openxmlformats.org/presentationml/2006/main" xmlns:r="http://schemas.openxmlformats.org/officeDocument/2006/relationships" xmlns:a="http://schemas.openxmlformats.org/drawingml/2006/main" xmlns:mc="http://schemas.openxmlformats.org/markup-compatibility/2006" xmlns:c="http://schemas.openxmlformats.org/drawingml/2006/chart" xmlns:ns6="http://schemas.openxmlformats.org/drawingml/2006/chartDrawing" xmlns:dgm="http://schemas.openxmlformats.org/drawingml/2006/diagram" xmlns:pic="http://schemas.openxmlformats.org/drawingml/2006/picture" xmlns:wp="http://schemas.openxmlformats.org/drawingml/2006/wordprocessingDrawing" xmlns:xdr="http://schemas.openxmlformats.org/drawingml/2006/spreadsheetDrawing" xmlns:ns11="http://schemas.openxmlformats.org/drawingml/2006/compatibility" xmlns:ns12="http://schemas.openxmlformats.org/drawingml/2006/lockedCanvas" type="title" preserve="true">
+<p:sldLayout xmlns:a="http://schemas.openxmlformats.org/drawingml/2006/main" xmlns:r="http://schemas.openxmlformats.org/officeDocument/2006/relationships" xmlns:p="http://schemas.openxmlformats.org/presentationml/2006/main" xmlns:mc="http://schemas.openxmlformats.org/markup-compatibility/2006" xmlns:c="http://schemas.openxmlformats.org/drawingml/2006/chart" xmlns:ns6="http://schemas.openxmlformats.org/drawingml/2006/chartDrawing" xmlns:dgm="http://schemas.openxmlformats.org/drawingml/2006/diagram" xmlns:pic="http://schemas.openxmlformats.org/drawingml/2006/picture" xmlns:wp="http://schemas.openxmlformats.org/drawingml/2006/wordprocessingDrawing" xmlns:xdr="http://schemas.openxmlformats.org/drawingml/2006/spreadsheetDrawing" xmlns:ns11="http://schemas.openxmlformats.org/drawingml/2006/compatibility" xmlns:ns12="http://schemas.openxmlformats.org/drawingml/2006/lockedCanvas" type="title" preserve="true">
   <p:cSld name="Title Slide">
     <p:spTree>
       <p:nvGrpSpPr>
@@ -315,7 +315,7 @@
 </file>
 
 <file path=ppt/slideLayouts/slideLayout10.xml><?xml version="1.0" encoding="utf-8"?>
-<p:sldLayout xmlns:p="http://schemas.openxmlformats.org/presentationml/2006/main" xmlns:r="http://schemas.openxmlformats.org/officeDocument/2006/relationships" xmlns:a="http://schemas.openxmlformats.org/drawingml/2006/main" xmlns:mc="http://schemas.openxmlformats.org/markup-compatibility/2006" xmlns:c="http://schemas.openxmlformats.org/drawingml/2006/chart" xmlns:ns6="http://schemas.openxmlformats.org/drawingml/2006/chartDrawing" xmlns:dgm="http://schemas.openxmlformats.org/drawingml/2006/diagram" xmlns:pic="http://schemas.openxmlformats.org/drawingml/2006/picture" xmlns:wp="http://schemas.openxmlformats.org/drawingml/2006/wordprocessingDrawing" xmlns:xdr="http://schemas.openxmlformats.org/drawingml/2006/spreadsheetDrawing" xmlns:ns11="http://schemas.openxmlformats.org/drawingml/2006/compatibility" xmlns:ns12="http://schemas.openxmlformats.org/drawingml/2006/lockedCanvas" type="vertTitleAndTx" preserve="true">
+<p:sldLayout xmlns:a="http://schemas.openxmlformats.org/drawingml/2006/main" xmlns:r="http://schemas.openxmlformats.org/officeDocument/2006/relationships" xmlns:p="http://schemas.openxmlformats.org/presentationml/2006/main" xmlns:mc="http://schemas.openxmlformats.org/markup-compatibility/2006" xmlns:c="http://schemas.openxmlformats.org/drawingml/2006/chart" xmlns:ns6="http://schemas.openxmlformats.org/drawingml/2006/chartDrawing" xmlns:dgm="http://schemas.openxmlformats.org/drawingml/2006/diagram" xmlns:pic="http://schemas.openxmlformats.org/drawingml/2006/picture" xmlns:wp="http://schemas.openxmlformats.org/drawingml/2006/wordprocessingDrawing" xmlns:xdr="http://schemas.openxmlformats.org/drawingml/2006/spreadsheetDrawing" xmlns:ns11="http://schemas.openxmlformats.org/drawingml/2006/compatibility" xmlns:ns12="http://schemas.openxmlformats.org/drawingml/2006/lockedCanvas" type="vertTitleAndTx" preserve="true">
   <p:cSld name="Vertical Title and Text">
     <p:spTree>
       <p:nvGrpSpPr>
@@ -502,7 +502,7 @@
 </file>
 
 <file path=ppt/slideLayouts/slideLayout2.xml><?xml version="1.0" encoding="utf-8"?>
-<p:sldLayout xmlns:p="http://schemas.openxmlformats.org/presentationml/2006/main" xmlns:r="http://schemas.openxmlformats.org/officeDocument/2006/relationships" xmlns:a="http://schemas.openxmlformats.org/drawingml/2006/main" xmlns:mc="http://schemas.openxmlformats.org/markup-compatibility/2006" xmlns:c="http://schemas.openxmlformats.org/drawingml/2006/chart" xmlns:ns6="http://schemas.openxmlformats.org/drawingml/2006/chartDrawing" xmlns:dgm="http://schemas.openxmlformats.org/drawingml/2006/diagram" xmlns:pic="http://schemas.openxmlformats.org/drawingml/2006/picture" xmlns:wp="http://schemas.openxmlformats.org/drawingml/2006/wordprocessingDrawing" xmlns:xdr="http://schemas.openxmlformats.org/drawingml/2006/spreadsheetDrawing" xmlns:ns11="http://schemas.openxmlformats.org/drawingml/2006/compatibility" xmlns:ns12="http://schemas.openxmlformats.org/drawingml/2006/lockedCanvas" type="obj" preserve="true">
+<p:sldLayout xmlns:a="http://schemas.openxmlformats.org/drawingml/2006/main" xmlns:r="http://schemas.openxmlformats.org/officeDocument/2006/relationships" xmlns:p="http://schemas.openxmlformats.org/presentationml/2006/main" xmlns:mc="http://schemas.openxmlformats.org/markup-compatibility/2006" xmlns:c="http://schemas.openxmlformats.org/drawingml/2006/chart" xmlns:ns6="http://schemas.openxmlformats.org/drawingml/2006/chartDrawing" xmlns:dgm="http://schemas.openxmlformats.org/drawingml/2006/diagram" xmlns:pic="http://schemas.openxmlformats.org/drawingml/2006/picture" xmlns:wp="http://schemas.openxmlformats.org/drawingml/2006/wordprocessingDrawing" xmlns:xdr="http://schemas.openxmlformats.org/drawingml/2006/spreadsheetDrawing" xmlns:ns11="http://schemas.openxmlformats.org/drawingml/2006/compatibility" xmlns:ns12="http://schemas.openxmlformats.org/drawingml/2006/lockedCanvas" type="obj" preserve="true">
   <p:cSld name="Title and Content">
     <p:spTree>
       <p:nvGrpSpPr>
@@ -684,7 +684,7 @@
 </file>
 
 <file path=ppt/slideLayouts/slideLayout3.xml><?xml version="1.0" encoding="utf-8"?>
-<p:sldLayout xmlns:p="http://schemas.openxmlformats.org/presentationml/2006/main" xmlns:r="http://schemas.openxmlformats.org/officeDocument/2006/relationships" xmlns:a="http://schemas.openxmlformats.org/drawingml/2006/main" xmlns:mc="http://schemas.openxmlformats.org/markup-compatibility/2006" xmlns:c="http://schemas.openxmlformats.org/drawingml/2006/chart" xmlns:ns6="http://schemas.openxmlformats.org/drawingml/2006/chartDrawing" xmlns:dgm="http://schemas.openxmlformats.org/drawingml/2006/diagram" xmlns:pic="http://schemas.openxmlformats.org/drawingml/2006/picture" xmlns:wp="http://schemas.openxmlformats.org/drawingml/2006/wordprocessingDrawing" xmlns:xdr="http://schemas.openxmlformats.org/drawingml/2006/spreadsheetDrawing" xmlns:ns11="http://schemas.openxmlformats.org/drawingml/2006/compatibility" xmlns:ns12="http://schemas.openxmlformats.org/drawingml/2006/lockedCanvas" type="secHead" preserve="true">
+<p:sldLayout xmlns:a="http://schemas.openxmlformats.org/drawingml/2006/main" xmlns:r="http://schemas.openxmlformats.org/officeDocument/2006/relationships" xmlns:p="http://schemas.openxmlformats.org/presentationml/2006/main" xmlns:mc="http://schemas.openxmlformats.org/markup-compatibility/2006" xmlns:c="http://schemas.openxmlformats.org/drawingml/2006/chart" xmlns:ns6="http://schemas.openxmlformats.org/drawingml/2006/chartDrawing" xmlns:dgm="http://schemas.openxmlformats.org/drawingml/2006/diagram" xmlns:pic="http://schemas.openxmlformats.org/drawingml/2006/picture" xmlns:wp="http://schemas.openxmlformats.org/drawingml/2006/wordprocessingDrawing" xmlns:xdr="http://schemas.openxmlformats.org/drawingml/2006/spreadsheetDrawing" xmlns:ns11="http://schemas.openxmlformats.org/drawingml/2006/compatibility" xmlns:ns12="http://schemas.openxmlformats.org/drawingml/2006/lockedCanvas" type="secHead" preserve="true">
   <p:cSld name="Section Header">
     <p:spTree>
       <p:nvGrpSpPr>
@@ -937,7 +937,7 @@
 </file>
 
 <file path=ppt/slideLayouts/slideLayout4.xml><?xml version="1.0" encoding="utf-8"?>
-<p:sldLayout xmlns:p="http://schemas.openxmlformats.org/presentationml/2006/main" xmlns:r="http://schemas.openxmlformats.org/officeDocument/2006/relationships" xmlns:a="http://schemas.openxmlformats.org/drawingml/2006/main" xmlns:mc="http://schemas.openxmlformats.org/markup-compatibility/2006" xmlns:c="http://schemas.openxmlformats.org/drawingml/2006/chart" xmlns:ns6="http://schemas.openxmlformats.org/drawingml/2006/chartDrawing" xmlns:dgm="http://schemas.openxmlformats.org/drawingml/2006/diagram" xmlns:pic="http://schemas.openxmlformats.org/drawingml/2006/picture" xmlns:wp="http://schemas.openxmlformats.org/drawingml/2006/wordprocessingDrawing" xmlns:xdr="http://schemas.openxmlformats.org/drawingml/2006/spreadsheetDrawing" xmlns:ns11="http://schemas.openxmlformats.org/drawingml/2006/compatibility" xmlns:ns12="http://schemas.openxmlformats.org/drawingml/2006/lockedCanvas" type="twoObj" preserve="true">
+<p:sldLayout xmlns:a="http://schemas.openxmlformats.org/drawingml/2006/main" xmlns:r="http://schemas.openxmlformats.org/officeDocument/2006/relationships" xmlns:p="http://schemas.openxmlformats.org/presentationml/2006/main" xmlns:mc="http://schemas.openxmlformats.org/markup-compatibility/2006" xmlns:c="http://schemas.openxmlformats.org/drawingml/2006/chart" xmlns:ns6="http://schemas.openxmlformats.org/drawingml/2006/chartDrawing" xmlns:dgm="http://schemas.openxmlformats.org/drawingml/2006/diagram" xmlns:pic="http://schemas.openxmlformats.org/drawingml/2006/picture" xmlns:wp="http://schemas.openxmlformats.org/drawingml/2006/wordprocessingDrawing" xmlns:xdr="http://schemas.openxmlformats.org/drawingml/2006/spreadsheetDrawing" xmlns:ns11="http://schemas.openxmlformats.org/drawingml/2006/compatibility" xmlns:ns12="http://schemas.openxmlformats.org/drawingml/2006/lockedCanvas" type="twoObj" preserve="true">
   <p:cSld name="Two Content">
     <p:spTree>
       <p:nvGrpSpPr>
@@ -1176,7 +1176,7 @@
 </file>
 
 <file path=ppt/slideLayouts/slideLayout5.xml><?xml version="1.0" encoding="utf-8"?>
-<p:sldLayout xmlns:p="http://schemas.openxmlformats.org/presentationml/2006/main" xmlns:r="http://schemas.openxmlformats.org/officeDocument/2006/relationships" xmlns:a="http://schemas.openxmlformats.org/drawingml/2006/main" xmlns:mc="http://schemas.openxmlformats.org/markup-compatibility/2006" xmlns:c="http://schemas.openxmlformats.org/drawingml/2006/chart" xmlns:ns6="http://schemas.openxmlformats.org/drawingml/2006/chartDrawing" xmlns:dgm="http://schemas.openxmlformats.org/drawingml/2006/diagram" xmlns:pic="http://schemas.openxmlformats.org/drawingml/2006/picture" xmlns:wp="http://schemas.openxmlformats.org/drawingml/2006/wordprocessingDrawing" xmlns:xdr="http://schemas.openxmlformats.org/drawingml/2006/spreadsheetDrawing" xmlns:ns11="http://schemas.openxmlformats.org/drawingml/2006/compatibility" xmlns:ns12="http://schemas.openxmlformats.org/drawingml/2006/lockedCanvas" type="twoTxTwoObj" preserve="true">
+<p:sldLayout xmlns:a="http://schemas.openxmlformats.org/drawingml/2006/main" xmlns:r="http://schemas.openxmlformats.org/officeDocument/2006/relationships" xmlns:p="http://schemas.openxmlformats.org/presentationml/2006/main" xmlns:mc="http://schemas.openxmlformats.org/markup-compatibility/2006" xmlns:c="http://schemas.openxmlformats.org/drawingml/2006/chart" xmlns:ns6="http://schemas.openxmlformats.org/drawingml/2006/chartDrawing" xmlns:dgm="http://schemas.openxmlformats.org/drawingml/2006/diagram" xmlns:pic="http://schemas.openxmlformats.org/drawingml/2006/picture" xmlns:wp="http://schemas.openxmlformats.org/drawingml/2006/wordprocessingDrawing" xmlns:xdr="http://schemas.openxmlformats.org/drawingml/2006/spreadsheetDrawing" xmlns:ns11="http://schemas.openxmlformats.org/drawingml/2006/compatibility" xmlns:ns12="http://schemas.openxmlformats.org/drawingml/2006/lockedCanvas" type="twoTxTwoObj" preserve="true">
   <p:cSld name="Comparison">
     <p:spTree>
       <p:nvGrpSpPr>
@@ -1531,7 +1531,7 @@
 </file>
 
 <file path=ppt/slideLayouts/slideLayout6.xml><?xml version="1.0" encoding="utf-8"?>
-<p:sldLayout xmlns:p="http://schemas.openxmlformats.org/presentationml/2006/main" xmlns:r="http://schemas.openxmlformats.org/officeDocument/2006/relationships" xmlns:a="http://schemas.openxmlformats.org/drawingml/2006/main" xmlns:mc="http://schemas.openxmlformats.org/markup-compatibility/2006" xmlns:c="http://schemas.openxmlformats.org/drawingml/2006/chart" xmlns:ns6="http://schemas.openxmlformats.org/drawingml/2006/chartDrawing" xmlns:dgm="http://schemas.openxmlformats.org/drawingml/2006/diagram" xmlns:pic="http://schemas.openxmlformats.org/drawingml/2006/picture" xmlns:wp="http://schemas.openxmlformats.org/drawingml/2006/wordprocessingDrawing" xmlns:xdr="http://schemas.openxmlformats.org/drawingml/2006/spreadsheetDrawing" xmlns:ns11="http://schemas.openxmlformats.org/drawingml/2006/compatibility" xmlns:ns12="http://schemas.openxmlformats.org/drawingml/2006/lockedCanvas" type="titleOnly" preserve="true">
+<p:sldLayout xmlns:a="http://schemas.openxmlformats.org/drawingml/2006/main" xmlns:r="http://schemas.openxmlformats.org/officeDocument/2006/relationships" xmlns:p="http://schemas.openxmlformats.org/presentationml/2006/main" xmlns:mc="http://schemas.openxmlformats.org/markup-compatibility/2006" xmlns:c="http://schemas.openxmlformats.org/drawingml/2006/chart" xmlns:ns6="http://schemas.openxmlformats.org/drawingml/2006/chartDrawing" xmlns:dgm="http://schemas.openxmlformats.org/drawingml/2006/diagram" xmlns:pic="http://schemas.openxmlformats.org/drawingml/2006/picture" xmlns:wp="http://schemas.openxmlformats.org/drawingml/2006/wordprocessingDrawing" xmlns:xdr="http://schemas.openxmlformats.org/drawingml/2006/spreadsheetDrawing" xmlns:ns11="http://schemas.openxmlformats.org/drawingml/2006/compatibility" xmlns:ns12="http://schemas.openxmlformats.org/drawingml/2006/lockedCanvas" type="titleOnly" preserve="true">
   <p:cSld name="Title Only">
     <p:spTree>
       <p:nvGrpSpPr>
@@ -1656,7 +1656,7 @@
 </file>
 
 <file path=ppt/slideLayouts/slideLayout7.xml><?xml version="1.0" encoding="utf-8"?>
-<p:sldLayout xmlns:p="http://schemas.openxmlformats.org/presentationml/2006/main" xmlns:r="http://schemas.openxmlformats.org/officeDocument/2006/relationships" xmlns:a="http://schemas.openxmlformats.org/drawingml/2006/main" xmlns:mc="http://schemas.openxmlformats.org/markup-compatibility/2006" xmlns:c="http://schemas.openxmlformats.org/drawingml/2006/chart" xmlns:ns6="http://schemas.openxmlformats.org/drawingml/2006/chartDrawing" xmlns:dgm="http://schemas.openxmlformats.org/drawingml/2006/diagram" xmlns:pic="http://schemas.openxmlformats.org/drawingml/2006/picture" xmlns:wp="http://schemas.openxmlformats.org/drawingml/2006/wordprocessingDrawing" xmlns:xdr="http://schemas.openxmlformats.org/drawingml/2006/spreadsheetDrawing" xmlns:ns11="http://schemas.openxmlformats.org/drawingml/2006/compatibility" xmlns:ns12="http://schemas.openxmlformats.org/drawingml/2006/lockedCanvas" type="blank" preserve="true">
+<p:sldLayout xmlns:a="http://schemas.openxmlformats.org/drawingml/2006/main" xmlns:r="http://schemas.openxmlformats.org/officeDocument/2006/relationships" xmlns:p="http://schemas.openxmlformats.org/presentationml/2006/main" xmlns:mc="http://schemas.openxmlformats.org/markup-compatibility/2006" xmlns:c="http://schemas.openxmlformats.org/drawingml/2006/chart" xmlns:ns6="http://schemas.openxmlformats.org/drawingml/2006/chartDrawing" xmlns:dgm="http://schemas.openxmlformats.org/drawingml/2006/diagram" xmlns:pic="http://schemas.openxmlformats.org/drawingml/2006/picture" xmlns:wp="http://schemas.openxmlformats.org/drawingml/2006/wordprocessingDrawing" xmlns:xdr="http://schemas.openxmlformats.org/drawingml/2006/spreadsheetDrawing" xmlns:ns11="http://schemas.openxmlformats.org/drawingml/2006/compatibility" xmlns:ns12="http://schemas.openxmlformats.org/drawingml/2006/lockedCanvas" type="blank" preserve="true">
   <p:cSld name="Blank">
     <p:spTree>
       <p:nvGrpSpPr>
@@ -1758,7 +1758,7 @@
 </file>
 
 <file path=ppt/slideLayouts/slideLayout8.xml><?xml version="1.0" encoding="utf-8"?>
-<p:sldLayout xmlns:p="http://schemas.openxmlformats.org/presentationml/2006/main" xmlns:r="http://schemas.openxmlformats.org/officeDocument/2006/relationships" xmlns:a="http://schemas.openxmlformats.org/drawingml/2006/main" xmlns:mc="http://schemas.openxmlformats.org/markup-compatibility/2006" xmlns:c="http://schemas.openxmlformats.org/drawingml/2006/chart" xmlns:ns6="http://schemas.openxmlformats.org/drawingml/2006/chartDrawing" xmlns:dgm="http://schemas.openxmlformats.org/drawingml/2006/diagram" xmlns:pic="http://schemas.openxmlformats.org/drawingml/2006/picture" xmlns:wp="http://schemas.openxmlformats.org/drawingml/2006/wordprocessingDrawing" xmlns:xdr="http://schemas.openxmlformats.org/drawingml/2006/spreadsheetDrawing" xmlns:ns11="http://schemas.openxmlformats.org/drawingml/2006/compatibility" xmlns:ns12="http://schemas.openxmlformats.org/drawingml/2006/lockedCanvas" type="objTx" preserve="true">
+<p:sldLayout xmlns:a="http://schemas.openxmlformats.org/drawingml/2006/main" xmlns:r="http://schemas.openxmlformats.org/officeDocument/2006/relationships" xmlns:p="http://schemas.openxmlformats.org/presentationml/2006/main" xmlns:mc="http://schemas.openxmlformats.org/markup-compatibility/2006" xmlns:c="http://schemas.openxmlformats.org/drawingml/2006/chart" xmlns:ns6="http://schemas.openxmlformats.org/drawingml/2006/chartDrawing" xmlns:dgm="http://schemas.openxmlformats.org/drawingml/2006/diagram" xmlns:pic="http://schemas.openxmlformats.org/drawingml/2006/picture" xmlns:wp="http://schemas.openxmlformats.org/drawingml/2006/wordprocessingDrawing" xmlns:xdr="http://schemas.openxmlformats.org/drawingml/2006/spreadsheetDrawing" xmlns:ns11="http://schemas.openxmlformats.org/drawingml/2006/compatibility" xmlns:ns12="http://schemas.openxmlformats.org/drawingml/2006/lockedCanvas" type="objTx" preserve="true">
   <p:cSld name="Content with Caption">
     <p:spTree>
       <p:nvGrpSpPr>
@@ -2042,7 +2042,7 @@
 </file>
 
 <file path=ppt/slideLayouts/slideLayout9.xml><?xml version="1.0" encoding="utf-8"?>
-<p:sldLayout xmlns:p="http://schemas.openxmlformats.org/presentationml/2006/main" xmlns:r="http://schemas.openxmlformats.org/officeDocument/2006/relationships" xmlns:a="http://schemas.openxmlformats.org/drawingml/2006/main" xmlns:mc="http://schemas.openxmlformats.org/markup-compatibility/2006" xmlns:c="http://schemas.openxmlformats.org/drawingml/2006/chart" xmlns:ns6="http://schemas.openxmlformats.org/drawingml/2006/chartDrawing" xmlns:dgm="http://schemas.openxmlformats.org/drawingml/2006/diagram" xmlns:pic="http://schemas.openxmlformats.org/drawingml/2006/picture" xmlns:wp="http://schemas.openxmlformats.org/drawingml/2006/wordprocessingDrawing" xmlns:xdr="http://schemas.openxmlformats.org/drawingml/2006/spreadsheetDrawing" xmlns:ns11="http://schemas.openxmlformats.org/drawingml/2006/compatibility" xmlns:ns12="http://schemas.openxmlformats.org/drawingml/2006/lockedCanvas" type="vertTx" preserve="true">
+<p:sldLayout xmlns:a="http://schemas.openxmlformats.org/drawingml/2006/main" xmlns:r="http://schemas.openxmlformats.org/officeDocument/2006/relationships" xmlns:p="http://schemas.openxmlformats.org/presentationml/2006/main" xmlns:mc="http://schemas.openxmlformats.org/markup-compatibility/2006" xmlns:c="http://schemas.openxmlformats.org/drawingml/2006/chart" xmlns:ns6="http://schemas.openxmlformats.org/drawingml/2006/chartDrawing" xmlns:dgm="http://schemas.openxmlformats.org/drawingml/2006/diagram" xmlns:pic="http://schemas.openxmlformats.org/drawingml/2006/picture" xmlns:wp="http://schemas.openxmlformats.org/drawingml/2006/wordprocessingDrawing" xmlns:xdr="http://schemas.openxmlformats.org/drawingml/2006/spreadsheetDrawing" xmlns:ns11="http://schemas.openxmlformats.org/drawingml/2006/compatibility" xmlns:ns12="http://schemas.openxmlformats.org/drawingml/2006/lockedCanvas" type="vertTx" preserve="true">
   <p:cSld name="Title and Vertical Text">
     <p:spTree>
       <p:nvGrpSpPr>
@@ -2219,7 +2219,7 @@
 </file>
 
 <file path=ppt/slideMasters/slideMaster1.xml><?xml version="1.0" encoding="utf-8"?>
-<p:sldMaster xmlns:p="http://schemas.openxmlformats.org/presentationml/2006/main" xmlns:r="http://schemas.openxmlformats.org/officeDocument/2006/relationships" xmlns:a="http://schemas.openxmlformats.org/drawingml/2006/main" xmlns:mc="http://schemas.openxmlformats.org/markup-compatibility/2006" xmlns:c="http://schemas.openxmlformats.org/drawingml/2006/chart" xmlns:ns6="http://schemas.openxmlformats.org/drawingml/2006/chartDrawing" xmlns:dgm="http://schemas.openxmlformats.org/drawingml/2006/diagram" xmlns:pic="http://schemas.openxmlformats.org/drawingml/2006/picture" xmlns:wp="http://schemas.openxmlformats.org/drawingml/2006/wordprocessingDrawing" xmlns:xdr="http://schemas.openxmlformats.org/drawingml/2006/spreadsheetDrawing" xmlns:ns11="http://schemas.openxmlformats.org/drawingml/2006/compatibility" xmlns:ns12="http://schemas.openxmlformats.org/drawingml/2006/lockedCanvas">
+<p:sldMaster xmlns:a="http://schemas.openxmlformats.org/drawingml/2006/main" xmlns:r="http://schemas.openxmlformats.org/officeDocument/2006/relationships" xmlns:p="http://schemas.openxmlformats.org/presentationml/2006/main" xmlns:mc="http://schemas.openxmlformats.org/markup-compatibility/2006" xmlns:c="http://schemas.openxmlformats.org/drawingml/2006/chart" xmlns:ns6="http://schemas.openxmlformats.org/drawingml/2006/chartDrawing" xmlns:dgm="http://schemas.openxmlformats.org/drawingml/2006/diagram" xmlns:pic="http://schemas.openxmlformats.org/drawingml/2006/picture" xmlns:wp="http://schemas.openxmlformats.org/drawingml/2006/wordprocessingDrawing" xmlns:xdr="http://schemas.openxmlformats.org/drawingml/2006/spreadsheetDrawing" xmlns:ns11="http://schemas.openxmlformats.org/drawingml/2006/compatibility" xmlns:ns12="http://schemas.openxmlformats.org/drawingml/2006/lockedCanvas">
   <p:cSld>
     <p:bg>
       <p:bgRef idx="1001">
@@ -2765,7 +2765,7 @@
 </file>
 
 <file path=ppt/slides/slide1.xml><?xml version="1.0" encoding="utf-8"?>
-<p:sld xmlns:p="http://schemas.openxmlformats.org/presentationml/2006/main" xmlns:r="http://schemas.openxmlformats.org/officeDocument/2006/relationships" xmlns:a="http://schemas.openxmlformats.org/drawingml/2006/main" xmlns:mc="http://schemas.openxmlformats.org/markup-compatibility/2006" xmlns:c="http://schemas.openxmlformats.org/drawingml/2006/chart" xmlns:ns6="http://schemas.openxmlformats.org/drawingml/2006/chartDrawing" xmlns:dgm="http://schemas.openxmlformats.org/drawingml/2006/diagram" xmlns:pic="http://schemas.openxmlformats.org/drawingml/2006/picture" xmlns:wp="http://schemas.openxmlformats.org/drawingml/2006/wordprocessingDrawing" xmlns:xdr="http://schemas.openxmlformats.org/drawingml/2006/spreadsheetDrawing" xmlns:ns11="http://schemas.openxmlformats.org/drawingml/2006/compatibility" xmlns:ns12="http://schemas.openxmlformats.org/drawingml/2006/lockedCanvas">
+<p:sld xmlns:a="http://schemas.openxmlformats.org/drawingml/2006/main" xmlns:r="http://schemas.openxmlformats.org/officeDocument/2006/relationships" xmlns:p="http://schemas.openxmlformats.org/presentationml/2006/main" xmlns:mc="http://schemas.openxmlformats.org/markup-compatibility/2006" xmlns:c="http://schemas.openxmlformats.org/drawingml/2006/chart" xmlns:ns6="http://schemas.openxmlformats.org/drawingml/2006/chartDrawing" xmlns:dgm="http://schemas.openxmlformats.org/drawingml/2006/diagram" xmlns:pic="http://schemas.openxmlformats.org/drawingml/2006/picture" xmlns:wp="http://schemas.openxmlformats.org/drawingml/2006/wordprocessingDrawing" xmlns:xdr="http://schemas.openxmlformats.org/drawingml/2006/spreadsheetDrawing" xmlns:ns11="http://schemas.openxmlformats.org/drawingml/2006/compatibility" xmlns:ns12="http://schemas.openxmlformats.org/drawingml/2006/lockedCanvas">
   <p:cSld>
     <p:spTree>
       <p:nvGrpSpPr>
@@ -2827,7 +2827,7 @@
 </file>
 
 <file path=ppt/slides/slide2.xml><?xml version="1.0" encoding="utf-8"?>
-<p:sld xmlns:p="http://schemas.openxmlformats.org/presentationml/2006/main" xmlns:r="http://schemas.openxmlformats.org/officeDocument/2006/relationships" xmlns:a="http://schemas.openxmlformats.org/drawingml/2006/main" xmlns:mc="http://schemas.openxmlformats.org/markup-compatibility/2006" xmlns:c="http://schemas.openxmlformats.org/drawingml/2006/chart" xmlns:ns6="http://schemas.openxmlformats.org/drawingml/2006/chartDrawing" xmlns:dgm="http://schemas.openxmlformats.org/drawingml/2006/diagram" xmlns:pic="http://schemas.openxmlformats.org/drawingml/2006/picture" xmlns:wp="http://schemas.openxmlformats.org/drawingml/2006/wordprocessingDrawing" xmlns:xdr="http://schemas.openxmlformats.org/drawingml/2006/spreadsheetDrawing" xmlns:ns11="http://schemas.openxmlformats.org/drawingml/2006/compatibility" xmlns:ns12="http://schemas.openxmlformats.org/drawingml/2006/lockedCanvas">
+<p:sld xmlns:a="http://schemas.openxmlformats.org/drawingml/2006/main" xmlns:r="http://schemas.openxmlformats.org/officeDocument/2006/relationships" xmlns:p="http://schemas.openxmlformats.org/presentationml/2006/main" xmlns:mc="http://schemas.openxmlformats.org/markup-compatibility/2006" xmlns:c="http://schemas.openxmlformats.org/drawingml/2006/chart" xmlns:ns6="http://schemas.openxmlformats.org/drawingml/2006/chartDrawing" xmlns:dgm="http://schemas.openxmlformats.org/drawingml/2006/diagram" xmlns:pic="http://schemas.openxmlformats.org/drawingml/2006/picture" xmlns:wp="http://schemas.openxmlformats.org/drawingml/2006/wordprocessingDrawing" xmlns:xdr="http://schemas.openxmlformats.org/drawingml/2006/spreadsheetDrawing" xmlns:ns11="http://schemas.openxmlformats.org/drawingml/2006/compatibility" xmlns:ns12="http://schemas.openxmlformats.org/drawingml/2006/lockedCanvas">
   <p:cSld>
     <p:spTree>
       <p:nvGrpSpPr>
@@ -3008,7 +3008,7 @@
 </file>
 
 <file path=ppt/slides/slide3.xml><?xml version="1.0" encoding="utf-8"?>
-<p:sld xmlns:p="http://schemas.openxmlformats.org/presentationml/2006/main" xmlns:r="http://schemas.openxmlformats.org/officeDocument/2006/relationships" xmlns:a="http://schemas.openxmlformats.org/drawingml/2006/main" xmlns:mc="http://schemas.openxmlformats.org/markup-compatibility/2006" xmlns:c="http://schemas.openxmlformats.org/drawingml/2006/chart" xmlns:ns6="http://schemas.openxmlformats.org/drawingml/2006/chartDrawing" xmlns:dgm="http://schemas.openxmlformats.org/drawingml/2006/diagram" xmlns:pic="http://schemas.openxmlformats.org/drawingml/2006/picture" xmlns:wp="http://schemas.openxmlformats.org/drawingml/2006/wordprocessingDrawing" xmlns:xdr="http://schemas.openxmlformats.org/drawingml/2006/spreadsheetDrawing" xmlns:ns11="http://schemas.openxmlformats.org/drawingml/2006/compatibility" xmlns:ns12="http://schemas.openxmlformats.org/drawingml/2006/lockedCanvas">
+<p:sld xmlns:a="http://schemas.openxmlformats.org/drawingml/2006/main" xmlns:r="http://schemas.openxmlformats.org/officeDocument/2006/relationships" xmlns:p="http://schemas.openxmlformats.org/presentationml/2006/main" xmlns:mc="http://schemas.openxmlformats.org/markup-compatibility/2006" xmlns:c="http://schemas.openxmlformats.org/drawingml/2006/chart" xmlns:ns6="http://schemas.openxmlformats.org/drawingml/2006/chartDrawing" xmlns:dgm="http://schemas.openxmlformats.org/drawingml/2006/diagram" xmlns:pic="http://schemas.openxmlformats.org/drawingml/2006/picture" xmlns:wp="http://schemas.openxmlformats.org/drawingml/2006/wordprocessingDrawing" xmlns:xdr="http://schemas.openxmlformats.org/drawingml/2006/spreadsheetDrawing" xmlns:ns11="http://schemas.openxmlformats.org/drawingml/2006/compatibility" xmlns:ns12="http://schemas.openxmlformats.org/drawingml/2006/lockedCanvas">
   <p:cSld>
     <p:spTree>
       <p:nvGrpSpPr>
@@ -3067,7 +3067,7 @@
           <p:spPr>
             <a:xfrm>
               <a:off x="838200" y="1825625"/>
-              <a:ext cx="10515599" cy="4351337"/>
+              <a:ext cx="10515600" cy="4351337"/>
             </a:xfrm>
             <a:prstGeom prst="rect">
               <a:avLst/>
@@ -3101,8 +3101,8 @@
           </p:nvSpPr>
           <p:spPr>
             <a:xfrm>
-              <a:off x="1209741" y="1895214"/>
-              <a:ext cx="9113822" cy="3896187"/>
+              <a:off x="1209817" y="1895214"/>
+              <a:ext cx="9113746" cy="3896161"/>
             </a:xfrm>
             <a:prstGeom prst="rect">
               <a:avLst/>
@@ -3127,21 +3127,21 @@
           </p:nvSpPr>
           <p:spPr>
             <a:xfrm>
-              <a:off x="1209741" y="5614302"/>
-              <a:ext cx="9113822" cy="0"/>
+              <a:off x="1209817" y="5614277"/>
+              <a:ext cx="9113746" cy="0"/>
             </a:xfrm>
             <a:custGeom>
               <a:avLst/>
               <a:pathLst>
-                <a:path w="9113822" h="0">
+                <a:path w="9113746" h="0">
                   <a:moveTo>
                     <a:pt x="0" y="0"/>
                   </a:moveTo>
                   <a:lnTo>
-                    <a:pt x="9113822" y="0"/>
+                    <a:pt x="9113746" y="0"/>
                   </a:lnTo>
                   <a:lnTo>
-                    <a:pt x="9113822" y="0"/>
+                    <a:pt x="9113746" y="0"/>
                   </a:lnTo>
                 </a:path>
               </a:pathLst>
@@ -3170,21 +3170,21 @@
           </p:nvSpPr>
           <p:spPr>
             <a:xfrm>
-              <a:off x="1209741" y="4413628"/>
-              <a:ext cx="9113822" cy="0"/>
+              <a:off x="1209817" y="4413611"/>
+              <a:ext cx="9113746" cy="0"/>
             </a:xfrm>
             <a:custGeom>
               <a:avLst/>
               <a:pathLst>
-                <a:path w="9113822" h="0">
+                <a:path w="9113746" h="0">
                   <a:moveTo>
                     <a:pt x="0" y="0"/>
                   </a:moveTo>
                   <a:lnTo>
-                    <a:pt x="9113822" y="0"/>
+                    <a:pt x="9113746" y="0"/>
                   </a:lnTo>
                   <a:lnTo>
-                    <a:pt x="9113822" y="0"/>
+                    <a:pt x="9113746" y="0"/>
                   </a:lnTo>
                 </a:path>
               </a:pathLst>
@@ -3213,21 +3213,21 @@
           </p:nvSpPr>
           <p:spPr>
             <a:xfrm>
-              <a:off x="1209741" y="3212953"/>
-              <a:ext cx="9113822" cy="0"/>
+              <a:off x="1209817" y="3212945"/>
+              <a:ext cx="9113746" cy="0"/>
             </a:xfrm>
             <a:custGeom>
               <a:avLst/>
               <a:pathLst>
-                <a:path w="9113822" h="0">
+                <a:path w="9113746" h="0">
                   <a:moveTo>
                     <a:pt x="0" y="0"/>
                   </a:moveTo>
                   <a:lnTo>
-                    <a:pt x="9113822" y="0"/>
+                    <a:pt x="9113746" y="0"/>
                   </a:lnTo>
                   <a:lnTo>
-                    <a:pt x="9113822" y="0"/>
+                    <a:pt x="9113746" y="0"/>
                   </a:lnTo>
                 </a:path>
               </a:pathLst>
@@ -3256,21 +3256,21 @@
           </p:nvSpPr>
           <p:spPr>
             <a:xfrm>
-              <a:off x="1209741" y="2012279"/>
-              <a:ext cx="9113822" cy="0"/>
+              <a:off x="1209817" y="2012278"/>
+              <a:ext cx="9113746" cy="0"/>
             </a:xfrm>
             <a:custGeom>
               <a:avLst/>
               <a:pathLst>
-                <a:path w="9113822" h="0">
+                <a:path w="9113746" h="0">
                   <a:moveTo>
                     <a:pt x="0" y="0"/>
                   </a:moveTo>
                   <a:lnTo>
-                    <a:pt x="9113822" y="0"/>
+                    <a:pt x="9113746" y="0"/>
                   </a:lnTo>
                   <a:lnTo>
-                    <a:pt x="9113822" y="0"/>
+                    <a:pt x="9113746" y="0"/>
                   </a:lnTo>
                 </a:path>
               </a:pathLst>
@@ -3299,15 +3299,15 @@
           </p:nvSpPr>
           <p:spPr>
             <a:xfrm>
-              <a:off x="2084300" y="1895214"/>
-              <a:ext cx="0" cy="3896187"/>
+              <a:off x="2084368" y="1895214"/>
+              <a:ext cx="0" cy="3896161"/>
             </a:xfrm>
             <a:custGeom>
               <a:avLst/>
               <a:pathLst>
-                <a:path w="0" h="3896187">
+                <a:path w="0" h="3896161">
                   <a:moveTo>
-                    <a:pt x="0" y="3896187"/>
+                    <a:pt x="0" y="3896161"/>
                   </a:moveTo>
                   <a:lnTo>
                     <a:pt x="0" y="0"/>
@@ -3342,15 +3342,15 @@
           </p:nvSpPr>
           <p:spPr>
             <a:xfrm>
-              <a:off x="4385770" y="1895214"/>
-              <a:ext cx="0" cy="3896187"/>
+              <a:off x="4385819" y="1895214"/>
+              <a:ext cx="0" cy="3896161"/>
             </a:xfrm>
             <a:custGeom>
               <a:avLst/>
               <a:pathLst>
-                <a:path w="0" h="3896187">
+                <a:path w="0" h="3896161">
                   <a:moveTo>
-                    <a:pt x="0" y="3896187"/>
+                    <a:pt x="0" y="3896161"/>
                   </a:moveTo>
                   <a:lnTo>
                     <a:pt x="0" y="0"/>
@@ -3385,15 +3385,15 @@
           </p:nvSpPr>
           <p:spPr>
             <a:xfrm>
-              <a:off x="6687240" y="1895214"/>
-              <a:ext cx="0" cy="3896187"/>
+              <a:off x="6687270" y="1895214"/>
+              <a:ext cx="0" cy="3896161"/>
             </a:xfrm>
             <a:custGeom>
               <a:avLst/>
               <a:pathLst>
-                <a:path w="0" h="3896187">
+                <a:path w="0" h="3896161">
                   <a:moveTo>
-                    <a:pt x="0" y="3896187"/>
+                    <a:pt x="0" y="3896161"/>
                   </a:moveTo>
                   <a:lnTo>
                     <a:pt x="0" y="0"/>
@@ -3428,15 +3428,15 @@
           </p:nvSpPr>
           <p:spPr>
             <a:xfrm>
-              <a:off x="8988710" y="1895214"/>
-              <a:ext cx="0" cy="3896187"/>
+              <a:off x="8988722" y="1895214"/>
+              <a:ext cx="0" cy="3896161"/>
             </a:xfrm>
             <a:custGeom>
               <a:avLst/>
               <a:pathLst>
-                <a:path w="0" h="3896187">
+                <a:path w="0" h="3896161">
                   <a:moveTo>
-                    <a:pt x="0" y="3896187"/>
+                    <a:pt x="0" y="3896161"/>
                   </a:moveTo>
                   <a:lnTo>
                     <a:pt x="0" y="0"/>
@@ -3471,21 +3471,21 @@
           </p:nvSpPr>
           <p:spPr>
             <a:xfrm>
-              <a:off x="1209741" y="5013965"/>
-              <a:ext cx="9113822" cy="0"/>
+              <a:off x="1209817" y="5013944"/>
+              <a:ext cx="9113746" cy="0"/>
             </a:xfrm>
             <a:custGeom>
               <a:avLst/>
               <a:pathLst>
-                <a:path w="9113822" h="0">
+                <a:path w="9113746" h="0">
                   <a:moveTo>
                     <a:pt x="0" y="0"/>
                   </a:moveTo>
                   <a:lnTo>
-                    <a:pt x="9113822" y="0"/>
+                    <a:pt x="9113746" y="0"/>
                   </a:lnTo>
                   <a:lnTo>
-                    <a:pt x="9113822" y="0"/>
+                    <a:pt x="9113746" y="0"/>
                   </a:lnTo>
                 </a:path>
               </a:pathLst>
@@ -3514,21 +3514,21 @@
           </p:nvSpPr>
           <p:spPr>
             <a:xfrm>
-              <a:off x="1209741" y="3813290"/>
-              <a:ext cx="9113822" cy="0"/>
+              <a:off x="1209817" y="3813278"/>
+              <a:ext cx="9113746" cy="0"/>
             </a:xfrm>
             <a:custGeom>
               <a:avLst/>
               <a:pathLst>
-                <a:path w="9113822" h="0">
+                <a:path w="9113746" h="0">
                   <a:moveTo>
                     <a:pt x="0" y="0"/>
                   </a:moveTo>
                   <a:lnTo>
-                    <a:pt x="9113822" y="0"/>
+                    <a:pt x="9113746" y="0"/>
                   </a:lnTo>
                   <a:lnTo>
-                    <a:pt x="9113822" y="0"/>
+                    <a:pt x="9113746" y="0"/>
                   </a:lnTo>
                 </a:path>
               </a:pathLst>
@@ -3557,21 +3557,21 @@
           </p:nvSpPr>
           <p:spPr>
             <a:xfrm>
-              <a:off x="1209741" y="2612616"/>
-              <a:ext cx="9113822" cy="0"/>
+              <a:off x="1209817" y="2612612"/>
+              <a:ext cx="9113746" cy="0"/>
             </a:xfrm>
             <a:custGeom>
               <a:avLst/>
               <a:pathLst>
-                <a:path w="9113822" h="0">
+                <a:path w="9113746" h="0">
                   <a:moveTo>
                     <a:pt x="0" y="0"/>
                   </a:moveTo>
                   <a:lnTo>
-                    <a:pt x="9113822" y="0"/>
+                    <a:pt x="9113746" y="0"/>
                   </a:lnTo>
                   <a:lnTo>
-                    <a:pt x="9113822" y="0"/>
+                    <a:pt x="9113746" y="0"/>
                   </a:lnTo>
                 </a:path>
               </a:pathLst>
@@ -3600,15 +3600,15 @@
           </p:nvSpPr>
           <p:spPr>
             <a:xfrm>
-              <a:off x="3235035" y="1895214"/>
-              <a:ext cx="0" cy="3896187"/>
+              <a:off x="3235094" y="1895214"/>
+              <a:ext cx="0" cy="3896161"/>
             </a:xfrm>
             <a:custGeom>
               <a:avLst/>
               <a:pathLst>
-                <a:path w="0" h="3896187">
+                <a:path w="0" h="3896161">
                   <a:moveTo>
-                    <a:pt x="0" y="3896187"/>
+                    <a:pt x="0" y="3896161"/>
                   </a:moveTo>
                   <a:lnTo>
                     <a:pt x="0" y="0"/>
@@ -3643,15 +3643,15 @@
           </p:nvSpPr>
           <p:spPr>
             <a:xfrm>
-              <a:off x="5536505" y="1895214"/>
-              <a:ext cx="0" cy="3896187"/>
+              <a:off x="5536545" y="1895214"/>
+              <a:ext cx="0" cy="3896161"/>
             </a:xfrm>
             <a:custGeom>
               <a:avLst/>
               <a:pathLst>
-                <a:path w="0" h="3896187">
+                <a:path w="0" h="3896161">
                   <a:moveTo>
-                    <a:pt x="0" y="3896187"/>
+                    <a:pt x="0" y="3896161"/>
                   </a:moveTo>
                   <a:lnTo>
                     <a:pt x="0" y="0"/>
@@ -3686,15 +3686,15 @@
           </p:nvSpPr>
           <p:spPr>
             <a:xfrm>
-              <a:off x="7837975" y="1895214"/>
-              <a:ext cx="0" cy="3896187"/>
+              <a:off x="7837996" y="1895214"/>
+              <a:ext cx="0" cy="3896161"/>
             </a:xfrm>
             <a:custGeom>
               <a:avLst/>
               <a:pathLst>
-                <a:path w="0" h="3896187">
+                <a:path w="0" h="3896161">
                   <a:moveTo>
-                    <a:pt x="0" y="3896187"/>
+                    <a:pt x="0" y="3896161"/>
                   </a:moveTo>
                   <a:lnTo>
                     <a:pt x="0" y="0"/>
@@ -3729,15 +3729,15 @@
           </p:nvSpPr>
           <p:spPr>
             <a:xfrm>
-              <a:off x="10139446" y="1895214"/>
-              <a:ext cx="0" cy="3896187"/>
+              <a:off x="10139447" y="1895214"/>
+              <a:ext cx="0" cy="3896161"/>
             </a:xfrm>
             <a:custGeom>
               <a:avLst/>
               <a:pathLst>
-                <a:path w="0" h="3896187">
+                <a:path w="0" h="3896161">
                   <a:moveTo>
-                    <a:pt x="0" y="3896187"/>
+                    <a:pt x="0" y="3896161"/>
                   </a:moveTo>
                   <a:lnTo>
                     <a:pt x="0" y="0"/>
@@ -3772,7 +3772,7 @@
           </p:nvSpPr>
           <p:spPr>
             <a:xfrm>
-              <a:off x="3433301" y="5342286"/>
+              <a:off x="3433358" y="5342263"/>
               <a:ext cx="63761" cy="63761"/>
             </a:xfrm>
             <a:prstGeom prst="ellipse">
@@ -3807,7 +3807,7 @@
           </p:nvSpPr>
           <p:spPr>
             <a:xfrm>
-              <a:off x="2973007" y="5342286"/>
+              <a:off x="2973068" y="5342263"/>
               <a:ext cx="63761" cy="63761"/>
             </a:xfrm>
             <a:prstGeom prst="ellipse">
@@ -3842,7 +3842,7 @@
           </p:nvSpPr>
           <p:spPr>
             <a:xfrm>
-              <a:off x="2512713" y="5402320"/>
+              <a:off x="2512778" y="5402296"/>
               <a:ext cx="63761" cy="63761"/>
             </a:xfrm>
             <a:prstGeom prst="ellipse">
@@ -3877,7 +3877,7 @@
           </p:nvSpPr>
           <p:spPr>
             <a:xfrm>
-              <a:off x="2282566" y="5282253"/>
+              <a:off x="2282633" y="5282230"/>
               <a:ext cx="63761" cy="63761"/>
             </a:xfrm>
             <a:prstGeom prst="ellipse">
@@ -3912,7 +3912,7 @@
           </p:nvSpPr>
           <p:spPr>
             <a:xfrm>
-              <a:off x="3203154" y="5342286"/>
+              <a:off x="3203213" y="5342263"/>
               <a:ext cx="63761" cy="63761"/>
             </a:xfrm>
             <a:prstGeom prst="ellipse">
@@ -3947,7 +3947,7 @@
           </p:nvSpPr>
           <p:spPr>
             <a:xfrm>
-              <a:off x="4113618" y="5152061"/>
+              <a:off x="4113669" y="5152039"/>
               <a:ext cx="84009" cy="84009"/>
             </a:xfrm>
             <a:prstGeom prst="ellipse">
@@ -3982,7 +3982,7 @@
           </p:nvSpPr>
           <p:spPr>
             <a:xfrm>
-              <a:off x="2276837" y="5336558"/>
+              <a:off x="2276904" y="5336534"/>
               <a:ext cx="75218" cy="75218"/>
             </a:xfrm>
             <a:prstGeom prst="ellipse">
@@ -4017,7 +4017,7 @@
           </p:nvSpPr>
           <p:spPr>
             <a:xfrm>
-              <a:off x="3203154" y="5282253"/>
+              <a:off x="3203213" y="5282230"/>
               <a:ext cx="63761" cy="63761"/>
             </a:xfrm>
             <a:prstGeom prst="ellipse">
@@ -4052,7 +4052,7 @@
           </p:nvSpPr>
           <p:spPr>
             <a:xfrm>
-              <a:off x="1822272" y="5342286"/>
+              <a:off x="1822343" y="5342263"/>
               <a:ext cx="63761" cy="63761"/>
             </a:xfrm>
             <a:prstGeom prst="ellipse">
@@ -4087,7 +4087,7 @@
           </p:nvSpPr>
           <p:spPr>
             <a:xfrm>
-              <a:off x="2986837" y="5296083"/>
+              <a:off x="2986898" y="5296060"/>
               <a:ext cx="36101" cy="36101"/>
             </a:xfrm>
             <a:prstGeom prst="ellipse">
@@ -4122,7 +4122,7 @@
           </p:nvSpPr>
           <p:spPr>
             <a:xfrm>
-              <a:off x="4123742" y="5282253"/>
+              <a:off x="4123794" y="5282230"/>
               <a:ext cx="63761" cy="63761"/>
             </a:xfrm>
             <a:prstGeom prst="ellipse">
@@ -4157,7 +4157,7 @@
           </p:nvSpPr>
           <p:spPr>
             <a:xfrm>
-              <a:off x="2742860" y="5222219"/>
+              <a:off x="2742923" y="5222196"/>
               <a:ext cx="63761" cy="63761"/>
             </a:xfrm>
             <a:prstGeom prst="ellipse">
@@ -4192,7 +4192,7 @@
           </p:nvSpPr>
           <p:spPr>
             <a:xfrm>
-              <a:off x="2756690" y="5356116"/>
+              <a:off x="2756753" y="5356093"/>
               <a:ext cx="36101" cy="36101"/>
             </a:xfrm>
             <a:prstGeom prst="ellipse">
@@ -4227,7 +4227,7 @@
           </p:nvSpPr>
           <p:spPr>
             <a:xfrm>
-              <a:off x="1605955" y="5536217"/>
+              <a:off x="1606027" y="5536193"/>
               <a:ext cx="36101" cy="36101"/>
             </a:xfrm>
             <a:prstGeom prst="ellipse">
@@ -4262,7 +4262,7 @@
           </p:nvSpPr>
           <p:spPr>
             <a:xfrm>
-              <a:off x="5044330" y="5462354"/>
+              <a:off x="5044374" y="5462330"/>
               <a:ext cx="63761" cy="63761"/>
             </a:xfrm>
             <a:prstGeom prst="ellipse">
@@ -4297,7 +4297,7 @@
           </p:nvSpPr>
           <p:spPr>
             <a:xfrm>
-              <a:off x="4804059" y="5272128"/>
+              <a:off x="4804105" y="5272105"/>
               <a:ext cx="84009" cy="84009"/>
             </a:xfrm>
             <a:prstGeom prst="ellipse">
@@ -4332,7 +4332,7 @@
           </p:nvSpPr>
           <p:spPr>
             <a:xfrm>
-              <a:off x="4113618" y="5392196"/>
+              <a:off x="4113669" y="5392172"/>
               <a:ext cx="84009" cy="84009"/>
             </a:xfrm>
             <a:prstGeom prst="ellipse">
@@ -4367,7 +4367,7 @@
           </p:nvSpPr>
           <p:spPr>
             <a:xfrm>
-              <a:off x="3427573" y="5336558"/>
+              <a:off x="3427630" y="5336534"/>
               <a:ext cx="75218" cy="75218"/>
             </a:xfrm>
             <a:prstGeom prst="ellipse">
@@ -4402,7 +4402,7 @@
           </p:nvSpPr>
           <p:spPr>
             <a:xfrm>
-              <a:off x="4808455" y="5156456"/>
+              <a:off x="4808500" y="5156434"/>
               <a:ext cx="75218" cy="75218"/>
             </a:xfrm>
             <a:prstGeom prst="ellipse">
@@ -4437,7 +4437,7 @@
           </p:nvSpPr>
           <p:spPr>
             <a:xfrm>
-              <a:off x="3427573" y="5276524"/>
+              <a:off x="3427630" y="5276501"/>
               <a:ext cx="75218" cy="75218"/>
             </a:xfrm>
             <a:prstGeom prst="ellipse">
@@ -4472,7 +4472,7 @@
           </p:nvSpPr>
           <p:spPr>
             <a:xfrm>
-              <a:off x="4123742" y="5162185"/>
+              <a:off x="4123794" y="5162163"/>
               <a:ext cx="63761" cy="63761"/>
             </a:xfrm>
             <a:prstGeom prst="ellipse">
@@ -4507,7 +4507,7 @@
           </p:nvSpPr>
           <p:spPr>
             <a:xfrm>
-              <a:off x="3423177" y="5272128"/>
+              <a:off x="3423234" y="5272105"/>
               <a:ext cx="84009" cy="84009"/>
             </a:xfrm>
             <a:prstGeom prst="ellipse">
@@ -4542,7 +4542,7 @@
           </p:nvSpPr>
           <p:spPr>
             <a:xfrm>
-              <a:off x="2282566" y="5582421"/>
+              <a:off x="2282633" y="5582396"/>
               <a:ext cx="63761" cy="63761"/>
             </a:xfrm>
             <a:prstGeom prst="ellipse">
@@ -4577,7 +4577,7 @@
           </p:nvSpPr>
           <p:spPr>
             <a:xfrm>
-              <a:off x="3419471" y="5148355"/>
+              <a:off x="3419528" y="5148333"/>
               <a:ext cx="91421" cy="91421"/>
             </a:xfrm>
             <a:prstGeom prst="ellipse">
@@ -4612,7 +4612,7 @@
           </p:nvSpPr>
           <p:spPr>
             <a:xfrm>
-              <a:off x="2742860" y="5042118"/>
+              <a:off x="2742923" y="5042096"/>
               <a:ext cx="63761" cy="63761"/>
             </a:xfrm>
             <a:prstGeom prst="ellipse">
@@ -4647,7 +4647,7 @@
           </p:nvSpPr>
           <p:spPr>
             <a:xfrm>
-              <a:off x="3203154" y="5222219"/>
+              <a:off x="3203213" y="5222196"/>
               <a:ext cx="63761" cy="63761"/>
             </a:xfrm>
             <a:prstGeom prst="ellipse">
@@ -4682,7 +4682,7 @@
           </p:nvSpPr>
           <p:spPr>
             <a:xfrm>
-              <a:off x="3193030" y="5212095"/>
+              <a:off x="3193089" y="5212072"/>
               <a:ext cx="84009" cy="84009"/>
             </a:xfrm>
             <a:prstGeom prst="ellipse">
@@ -4717,7 +4717,7 @@
           </p:nvSpPr>
           <p:spPr>
             <a:xfrm>
-              <a:off x="3663448" y="5282253"/>
+              <a:off x="3663503" y="5282230"/>
               <a:ext cx="63761" cy="63761"/>
             </a:xfrm>
             <a:prstGeom prst="ellipse">
@@ -4752,7 +4752,7 @@
           </p:nvSpPr>
           <p:spPr>
             <a:xfrm>
-              <a:off x="3663448" y="5342286"/>
+              <a:off x="3663503" y="5342263"/>
               <a:ext cx="63761" cy="63761"/>
             </a:xfrm>
             <a:prstGeom prst="ellipse">
@@ -4787,7 +4787,7 @@
           </p:nvSpPr>
           <p:spPr>
             <a:xfrm>
-              <a:off x="2512713" y="5222219"/>
+              <a:off x="2512778" y="5222196"/>
               <a:ext cx="63761" cy="63761"/>
             </a:xfrm>
             <a:prstGeom prst="ellipse">
@@ -4822,7 +4822,7 @@
           </p:nvSpPr>
           <p:spPr>
             <a:xfrm>
-              <a:off x="2742860" y="5222219"/>
+              <a:off x="2742923" y="5222196"/>
               <a:ext cx="63761" cy="63761"/>
             </a:xfrm>
             <a:prstGeom prst="ellipse">
@@ -4857,7 +4857,7 @@
           </p:nvSpPr>
           <p:spPr>
             <a:xfrm>
-              <a:off x="4113618" y="5272128"/>
+              <a:off x="4113669" y="5272105"/>
               <a:ext cx="84009" cy="84009"/>
             </a:xfrm>
             <a:prstGeom prst="ellipse">
@@ -4892,7 +4892,7 @@
           </p:nvSpPr>
           <p:spPr>
             <a:xfrm>
-              <a:off x="3677278" y="5296083"/>
+              <a:off x="3677333" y="5296060"/>
               <a:ext cx="36101" cy="36101"/>
             </a:xfrm>
             <a:prstGeom prst="ellipse">
@@ -4927,7 +4927,7 @@
           </p:nvSpPr>
           <p:spPr>
             <a:xfrm>
-              <a:off x="4353889" y="5342286"/>
+              <a:off x="4353939" y="5342263"/>
               <a:ext cx="63761" cy="63761"/>
             </a:xfrm>
             <a:prstGeom prst="ellipse">
@@ -4962,7 +4962,7 @@
           </p:nvSpPr>
           <p:spPr>
             <a:xfrm>
-              <a:off x="2973007" y="5282253"/>
+              <a:off x="2973068" y="5282230"/>
               <a:ext cx="63761" cy="63761"/>
             </a:xfrm>
             <a:prstGeom prst="ellipse">
@@ -4997,7 +4997,7 @@
           </p:nvSpPr>
           <p:spPr>
             <a:xfrm>
-              <a:off x="3203154" y="5462354"/>
+              <a:off x="3203213" y="5462330"/>
               <a:ext cx="63761" cy="63761"/>
             </a:xfrm>
             <a:prstGeom prst="ellipse">
@@ -5032,7 +5032,7 @@
           </p:nvSpPr>
           <p:spPr>
             <a:xfrm>
-              <a:off x="4353889" y="5402320"/>
+              <a:off x="4353939" y="5402296"/>
               <a:ext cx="63761" cy="63761"/>
             </a:xfrm>
             <a:prstGeom prst="ellipse">
@@ -5067,7 +5067,7 @@
           </p:nvSpPr>
           <p:spPr>
             <a:xfrm>
-              <a:off x="2986837" y="5356116"/>
+              <a:off x="2986898" y="5356093"/>
               <a:ext cx="36101" cy="36101"/>
             </a:xfrm>
             <a:prstGeom prst="ellipse">
@@ -5102,7 +5102,7 @@
           </p:nvSpPr>
           <p:spPr>
             <a:xfrm>
-              <a:off x="1822272" y="5402320"/>
+              <a:off x="1822343" y="5402296"/>
               <a:ext cx="63761" cy="63761"/>
             </a:xfrm>
             <a:prstGeom prst="ellipse">
@@ -5137,7 +5137,7 @@
           </p:nvSpPr>
           <p:spPr>
             <a:xfrm>
-              <a:off x="3433301" y="5282253"/>
+              <a:off x="3433358" y="5282230"/>
               <a:ext cx="63761" cy="63761"/>
             </a:xfrm>
             <a:prstGeom prst="ellipse">
@@ -5172,7 +5172,7 @@
           </p:nvSpPr>
           <p:spPr>
             <a:xfrm>
-              <a:off x="3197426" y="5396591"/>
+              <a:off x="3197485" y="5396568"/>
               <a:ext cx="75218" cy="75218"/>
             </a:xfrm>
             <a:prstGeom prst="ellipse">
@@ -5207,7 +5207,7 @@
           </p:nvSpPr>
           <p:spPr>
             <a:xfrm>
-              <a:off x="2046690" y="5396591"/>
+              <a:off x="2046759" y="5396568"/>
               <a:ext cx="75218" cy="75218"/>
             </a:xfrm>
             <a:prstGeom prst="ellipse">
@@ -5242,7 +5242,7 @@
           </p:nvSpPr>
           <p:spPr>
             <a:xfrm>
-              <a:off x="1822272" y="5402320"/>
+              <a:off x="1822343" y="5402296"/>
               <a:ext cx="63761" cy="63761"/>
             </a:xfrm>
             <a:prstGeom prst="ellipse">
@@ -5277,7 +5277,7 @@
           </p:nvSpPr>
           <p:spPr>
             <a:xfrm>
-              <a:off x="3186059" y="5205124"/>
+              <a:off x="3186118" y="5205101"/>
               <a:ext cx="97951" cy="97951"/>
             </a:xfrm>
             <a:prstGeom prst="ellipse">
@@ -5312,7 +5312,7 @@
           </p:nvSpPr>
           <p:spPr>
             <a:xfrm>
-              <a:off x="3423177" y="5031993"/>
+              <a:off x="3423234" y="5031972"/>
               <a:ext cx="84009" cy="84009"/>
             </a:xfrm>
             <a:prstGeom prst="ellipse">
@@ -5347,7 +5347,7 @@
           </p:nvSpPr>
           <p:spPr>
             <a:xfrm>
-              <a:off x="2737131" y="5336558"/>
+              <a:off x="2737194" y="5336534"/>
               <a:ext cx="75218" cy="75218"/>
             </a:xfrm>
             <a:prstGeom prst="ellipse">
@@ -5382,7 +5382,7 @@
           </p:nvSpPr>
           <p:spPr>
             <a:xfrm>
-              <a:off x="3433301" y="5222219"/>
+              <a:off x="3433358" y="5222196"/>
               <a:ext cx="63761" cy="63761"/>
             </a:xfrm>
             <a:prstGeom prst="ellipse">
@@ -5417,7 +5417,7 @@
           </p:nvSpPr>
           <p:spPr>
             <a:xfrm>
-              <a:off x="2282566" y="5342286"/>
+              <a:off x="2282633" y="5342263"/>
               <a:ext cx="63761" cy="63761"/>
             </a:xfrm>
             <a:prstGeom prst="ellipse">
@@ -5452,7 +5452,7 @@
           </p:nvSpPr>
           <p:spPr>
             <a:xfrm>
-              <a:off x="3893595" y="5282253"/>
+              <a:off x="3893648" y="5282230"/>
               <a:ext cx="63761" cy="63761"/>
             </a:xfrm>
             <a:prstGeom prst="ellipse">
@@ -5487,7 +5487,7 @@
           </p:nvSpPr>
           <p:spPr>
             <a:xfrm>
-              <a:off x="3203154" y="5342286"/>
+              <a:off x="3203213" y="5342263"/>
               <a:ext cx="63761" cy="63761"/>
             </a:xfrm>
             <a:prstGeom prst="ellipse">
@@ -5522,7 +5522,7 @@
           </p:nvSpPr>
           <p:spPr>
             <a:xfrm>
-              <a:off x="7770060" y="3325139"/>
+              <a:off x="7770080" y="3325129"/>
               <a:ext cx="135831" cy="135831"/>
             </a:xfrm>
             <a:prstGeom prst="ellipse">
@@ -5557,7 +5557,7 @@
           </p:nvSpPr>
           <p:spPr>
             <a:xfrm>
-              <a:off x="6387295" y="3443324"/>
+              <a:off x="6387327" y="3443313"/>
               <a:ext cx="139595" cy="139595"/>
             </a:xfrm>
             <a:prstGeom prst="ellipse">
@@ -5592,7 +5592,7 @@
           </p:nvSpPr>
           <p:spPr>
             <a:xfrm>
-              <a:off x="7538030" y="3203189"/>
+              <a:off x="7538053" y="3203180"/>
               <a:ext cx="139595" cy="139595"/>
             </a:xfrm>
             <a:prstGeom prst="ellipse">
@@ -5627,7 +5627,7 @@
           </p:nvSpPr>
           <p:spPr>
             <a:xfrm>
-              <a:off x="4319811" y="3747331"/>
+              <a:off x="4319860" y="3747318"/>
               <a:ext cx="131918" cy="131918"/>
             </a:xfrm>
             <a:prstGeom prst="ellipse">
@@ -5662,7 +5662,7 @@
           </p:nvSpPr>
           <p:spPr>
             <a:xfrm>
-              <a:off x="6617442" y="3383290"/>
+              <a:off x="6617473" y="3383280"/>
               <a:ext cx="139595" cy="139595"/>
             </a:xfrm>
             <a:prstGeom prst="ellipse">
@@ -5697,7 +5697,7 @@
           </p:nvSpPr>
           <p:spPr>
             <a:xfrm>
-              <a:off x="4780105" y="3447163"/>
+              <a:off x="4780150" y="3447152"/>
               <a:ext cx="131918" cy="131918"/>
             </a:xfrm>
             <a:prstGeom prst="ellipse">
@@ -5732,7 +5732,7 @@
           </p:nvSpPr>
           <p:spPr>
             <a:xfrm>
-              <a:off x="6155332" y="3321440"/>
+              <a:off x="6155366" y="3321430"/>
               <a:ext cx="143228" cy="143228"/>
             </a:xfrm>
             <a:prstGeom prst="ellipse">
@@ -5767,7 +5767,7 @@
           </p:nvSpPr>
           <p:spPr>
             <a:xfrm>
-              <a:off x="2945347" y="4173986"/>
+              <a:off x="2945408" y="4173970"/>
               <a:ext cx="119081" cy="119081"/>
             </a:xfrm>
             <a:prstGeom prst="ellipse">
@@ -5802,7 +5802,7 @@
           </p:nvSpPr>
           <p:spPr>
             <a:xfrm>
-              <a:off x="6851428" y="3387129"/>
+              <a:off x="6851456" y="3387119"/>
               <a:ext cx="131918" cy="131918"/>
             </a:xfrm>
             <a:prstGeom prst="ellipse">
@@ -5837,7 +5837,7 @@
           </p:nvSpPr>
           <p:spPr>
             <a:xfrm>
-              <a:off x="3627413" y="3805409"/>
+              <a:off x="3627468" y="3805395"/>
               <a:ext cx="135831" cy="135831"/>
             </a:xfrm>
             <a:prstGeom prst="ellipse">
@@ -5872,7 +5872,7 @@
           </p:nvSpPr>
           <p:spPr>
             <a:xfrm>
-              <a:off x="3175494" y="4053918"/>
+              <a:off x="3175553" y="4053903"/>
               <a:ext cx="119081" cy="119081"/>
             </a:xfrm>
             <a:prstGeom prst="ellipse">
@@ -5907,7 +5907,7 @@
           </p:nvSpPr>
           <p:spPr>
             <a:xfrm>
-              <a:off x="5236560" y="3623425"/>
+              <a:off x="5236602" y="3623413"/>
               <a:ext cx="139595" cy="139595"/>
             </a:xfrm>
             <a:prstGeom prst="ellipse">
@@ -5942,7 +5942,7 @@
           </p:nvSpPr>
           <p:spPr>
             <a:xfrm>
-              <a:off x="5476964" y="3753750"/>
+              <a:off x="5477004" y="3753737"/>
               <a:ext cx="119081" cy="119081"/>
             </a:xfrm>
             <a:prstGeom prst="ellipse">
@@ -5977,7 +5977,7 @@
           </p:nvSpPr>
           <p:spPr>
             <a:xfrm>
-              <a:off x="5698736" y="3325139"/>
+              <a:off x="5698774" y="3325129"/>
               <a:ext cx="135831" cy="135831"/>
             </a:xfrm>
             <a:prstGeom prst="ellipse">
@@ -6012,7 +6012,7 @@
           </p:nvSpPr>
           <p:spPr>
             <a:xfrm>
-              <a:off x="4549958" y="3987466"/>
+              <a:off x="4550005" y="3987452"/>
               <a:ext cx="131918" cy="131918"/>
             </a:xfrm>
             <a:prstGeom prst="ellipse">
@@ -6047,7 +6047,7 @@
           </p:nvSpPr>
           <p:spPr>
             <a:xfrm>
-              <a:off x="7079619" y="3505240"/>
+              <a:off x="7079645" y="3505229"/>
               <a:ext cx="135831" cy="135831"/>
             </a:xfrm>
             <a:prstGeom prst="ellipse">
@@ -6082,7 +6082,7 @@
           </p:nvSpPr>
           <p:spPr>
             <a:xfrm>
-              <a:off x="4546119" y="3443324"/>
+              <a:off x="4546167" y="3443313"/>
               <a:ext cx="139595" cy="139595"/>
             </a:xfrm>
             <a:prstGeom prst="ellipse">
@@ -6117,7 +6117,7 @@
           </p:nvSpPr>
           <p:spPr>
             <a:xfrm>
-              <a:off x="5016670" y="3693716"/>
+              <a:off x="5016714" y="3693704"/>
               <a:ext cx="119081" cy="119081"/>
             </a:xfrm>
             <a:prstGeom prst="ellipse">
@@ -6152,7 +6152,7 @@
           </p:nvSpPr>
           <p:spPr>
             <a:xfrm>
-              <a:off x="5927001" y="3443324"/>
+              <a:off x="5927037" y="3443313"/>
               <a:ext cx="139595" cy="139595"/>
             </a:xfrm>
             <a:prstGeom prst="ellipse">
@@ -6187,7 +6187,7 @@
           </p:nvSpPr>
           <p:spPr>
             <a:xfrm>
-              <a:off x="4554132" y="3811539"/>
+              <a:off x="4554179" y="3811526"/>
               <a:ext cx="123570" cy="123570"/>
             </a:xfrm>
             <a:prstGeom prst="ellipse">
@@ -6222,7 +6222,7 @@
           </p:nvSpPr>
           <p:spPr>
             <a:xfrm>
-              <a:off x="5231285" y="3257947"/>
+              <a:off x="5231326" y="3257938"/>
               <a:ext cx="150146" cy="150146"/>
             </a:xfrm>
             <a:prstGeom prst="ellipse">
@@ -6257,7 +6257,7 @@
           </p:nvSpPr>
           <p:spPr>
             <a:xfrm>
-              <a:off x="5700693" y="3747331"/>
+              <a:off x="5700731" y="3747318"/>
               <a:ext cx="131918" cy="131918"/>
             </a:xfrm>
             <a:prstGeom prst="ellipse">
@@ -6292,7 +6292,7 @@
           </p:nvSpPr>
           <p:spPr>
             <a:xfrm>
-              <a:off x="6157148" y="3203189"/>
+              <a:off x="6157182" y="3203180"/>
               <a:ext cx="139595" cy="139595"/>
             </a:xfrm>
             <a:prstGeom prst="ellipse">
@@ -6327,7 +6327,7 @@
           </p:nvSpPr>
           <p:spPr>
             <a:xfrm>
-              <a:off x="5702732" y="3329135"/>
+              <a:off x="5702770" y="3329125"/>
               <a:ext cx="127839" cy="127839"/>
             </a:xfrm>
             <a:prstGeom prst="ellipse">
@@ -6362,7 +6362,7 @@
           </p:nvSpPr>
           <p:spPr>
             <a:xfrm>
-              <a:off x="6391134" y="3567230"/>
+              <a:off x="6391166" y="3567218"/>
               <a:ext cx="131918" cy="131918"/>
             </a:xfrm>
             <a:prstGeom prst="ellipse">
@@ -6397,7 +6397,7 @@
           </p:nvSpPr>
           <p:spPr>
             <a:xfrm>
-              <a:off x="6849472" y="3505240"/>
+              <a:off x="6849500" y="3505229"/>
               <a:ext cx="135831" cy="135831"/>
             </a:xfrm>
             <a:prstGeom prst="ellipse">
@@ -6432,7 +6432,7 @@
           </p:nvSpPr>
           <p:spPr>
             <a:xfrm>
-              <a:off x="7309766" y="3265105"/>
+              <a:off x="7309790" y="3265096"/>
               <a:ext cx="135831" cy="135831"/>
             </a:xfrm>
             <a:prstGeom prst="ellipse">
@@ -6467,7 +6467,7 @@
           </p:nvSpPr>
           <p:spPr>
             <a:xfrm>
-              <a:off x="7074163" y="3139583"/>
+              <a:off x="7074190" y="3139574"/>
               <a:ext cx="146741" cy="146741"/>
             </a:xfrm>
             <a:prstGeom prst="ellipse">
@@ -6502,7 +6502,7 @@
           </p:nvSpPr>
           <p:spPr>
             <a:xfrm>
-              <a:off x="5466707" y="3443324"/>
+              <a:off x="5466747" y="3443313"/>
               <a:ext cx="139595" cy="139595"/>
             </a:xfrm>
             <a:prstGeom prst="ellipse">
@@ -6537,7 +6537,7 @@
           </p:nvSpPr>
           <p:spPr>
             <a:xfrm>
-              <a:off x="4786523" y="4053918"/>
+              <a:off x="4786569" y="4053903"/>
               <a:ext cx="119081" cy="119081"/>
             </a:xfrm>
             <a:prstGeom prst="ellipse">
@@ -6572,7 +6572,7 @@
           </p:nvSpPr>
           <p:spPr>
             <a:xfrm>
-              <a:off x="4323985" y="3871573"/>
+              <a:off x="4324034" y="3871559"/>
               <a:ext cx="123570" cy="123570"/>
             </a:xfrm>
             <a:prstGeom prst="ellipse">
@@ -6607,7 +6607,7 @@
           </p:nvSpPr>
           <p:spPr>
             <a:xfrm>
-              <a:off x="4326229" y="3933851"/>
+              <a:off x="4326279" y="3933837"/>
               <a:ext cx="119081" cy="119081"/>
             </a:xfrm>
             <a:prstGeom prst="ellipse">
@@ -6642,7 +6642,7 @@
           </p:nvSpPr>
           <p:spPr>
             <a:xfrm>
-              <a:off x="5012291" y="3809404"/>
+              <a:off x="5012335" y="3809391"/>
               <a:ext cx="127839" cy="127839"/>
             </a:xfrm>
             <a:prstGeom prst="ellipse">
@@ -6677,7 +6677,7 @@
           </p:nvSpPr>
           <p:spPr>
             <a:xfrm>
-              <a:off x="5464891" y="3081306"/>
+              <a:off x="5464931" y="3081297"/>
               <a:ext cx="143228" cy="143228"/>
             </a:xfrm>
             <a:prstGeom prst="ellipse">
@@ -6712,7 +6712,7 @@
           </p:nvSpPr>
           <p:spPr>
             <a:xfrm>
-              <a:off x="4085825" y="3443324"/>
+              <a:off x="4085876" y="3443313"/>
               <a:ext cx="139595" cy="139595"/>
             </a:xfrm>
             <a:prstGeom prst="ellipse">
@@ -6747,7 +6747,7 @@
           </p:nvSpPr>
           <p:spPr>
             <a:xfrm>
-              <a:off x="5464891" y="3441508"/>
+              <a:off x="5464931" y="3441497"/>
               <a:ext cx="143228" cy="143228"/>
             </a:xfrm>
             <a:prstGeom prst="ellipse">
@@ -6782,7 +6782,7 @@
           </p:nvSpPr>
           <p:spPr>
             <a:xfrm>
-              <a:off x="7077736" y="3323257"/>
+              <a:off x="7077763" y="3323247"/>
               <a:ext cx="139595" cy="139595"/>
             </a:xfrm>
             <a:prstGeom prst="ellipse">
@@ -6817,7 +6817,7 @@
           </p:nvSpPr>
           <p:spPr>
             <a:xfrm>
-              <a:off x="6160987" y="3507196"/>
+              <a:off x="6161021" y="3507185"/>
               <a:ext cx="131918" cy="131918"/>
             </a:xfrm>
             <a:prstGeom prst="ellipse">
@@ -6852,7 +6852,7 @@
           </p:nvSpPr>
           <p:spPr>
             <a:xfrm>
-              <a:off x="4549958" y="3687297"/>
+              <a:off x="4550005" y="3687285"/>
               <a:ext cx="131918" cy="131918"/>
             </a:xfrm>
             <a:prstGeom prst="ellipse">
@@ -6887,7 +6887,7 @@
           </p:nvSpPr>
           <p:spPr>
             <a:xfrm>
-              <a:off x="4319811" y="3747331"/>
+              <a:off x="4319860" y="3747318"/>
               <a:ext cx="131918" cy="131918"/>
             </a:xfrm>
             <a:prstGeom prst="ellipse">
@@ -6922,7 +6922,7 @@
           </p:nvSpPr>
           <p:spPr>
             <a:xfrm>
-              <a:off x="4321850" y="3509236"/>
+              <a:off x="4321900" y="3509225"/>
               <a:ext cx="127839" cy="127839"/>
             </a:xfrm>
             <a:prstGeom prst="ellipse">
@@ -6957,7 +6957,7 @@
           </p:nvSpPr>
           <p:spPr>
             <a:xfrm>
-              <a:off x="5698736" y="3385173"/>
+              <a:off x="5698774" y="3385162"/>
               <a:ext cx="135831" cy="135831"/>
             </a:xfrm>
             <a:prstGeom prst="ellipse">
@@ -6992,7 +6992,7 @@
           </p:nvSpPr>
           <p:spPr>
             <a:xfrm>
-              <a:off x="5012291" y="3749371"/>
+              <a:off x="5012335" y="3749358"/>
               <a:ext cx="127839" cy="127839"/>
             </a:xfrm>
             <a:prstGeom prst="ellipse">
@@ -7027,7 +7027,7 @@
           </p:nvSpPr>
           <p:spPr>
             <a:xfrm>
-              <a:off x="3175494" y="4173986"/>
+              <a:off x="3175553" y="4173970"/>
               <a:ext cx="119081" cy="119081"/>
             </a:xfrm>
             <a:prstGeom prst="ellipse">
@@ -7062,7 +7062,7 @@
           </p:nvSpPr>
           <p:spPr>
             <a:xfrm>
-              <a:off x="4549958" y="3627264"/>
+              <a:off x="4550005" y="3627252"/>
               <a:ext cx="131918" cy="131918"/>
             </a:xfrm>
             <a:prstGeom prst="ellipse">
@@ -7097,7 +7097,7 @@
           </p:nvSpPr>
           <p:spPr>
             <a:xfrm>
-              <a:off x="4782144" y="3629303"/>
+              <a:off x="4782190" y="3629291"/>
               <a:ext cx="127839" cy="127839"/>
             </a:xfrm>
             <a:prstGeom prst="ellipse">
@@ -7132,7 +7132,7 @@
           </p:nvSpPr>
           <p:spPr>
             <a:xfrm>
-              <a:off x="4780105" y="3627264"/>
+              <a:off x="4780150" y="3627252"/>
               <a:ext cx="131918" cy="131918"/>
             </a:xfrm>
             <a:prstGeom prst="ellipse">
@@ -7167,7 +7167,7 @@
           </p:nvSpPr>
           <p:spPr>
             <a:xfrm>
-              <a:off x="5930840" y="3567230"/>
+              <a:off x="5930876" y="3567218"/>
               <a:ext cx="131918" cy="131918"/>
             </a:xfrm>
             <a:prstGeom prst="ellipse">
@@ -7202,7 +7202,7 @@
           </p:nvSpPr>
           <p:spPr>
             <a:xfrm>
-              <a:off x="3403397" y="4351842"/>
+              <a:off x="3403454" y="4351826"/>
               <a:ext cx="123570" cy="123570"/>
             </a:xfrm>
             <a:prstGeom prst="ellipse">
@@ -7237,7 +7237,7 @@
           </p:nvSpPr>
           <p:spPr>
             <a:xfrm>
-              <a:off x="4780105" y="3687297"/>
+              <a:off x="4780150" y="3687285"/>
               <a:ext cx="131918" cy="131918"/>
             </a:xfrm>
             <a:prstGeom prst="ellipse">
@@ -7272,7 +7272,7 @@
           </p:nvSpPr>
           <p:spPr>
             <a:xfrm>
-              <a:off x="6141142" y="2526813"/>
+              <a:off x="6141176" y="2526808"/>
               <a:ext cx="171607" cy="171607"/>
             </a:xfrm>
             <a:prstGeom prst="ellipse">
@@ -7307,7 +7307,7 @@
           </p:nvSpPr>
           <p:spPr>
             <a:xfrm>
-              <a:off x="4999484" y="3076193"/>
+              <a:off x="4999528" y="3076185"/>
               <a:ext cx="153453" cy="153453"/>
             </a:xfrm>
             <a:prstGeom prst="ellipse">
@@ -7342,7 +7342,7 @@
           </p:nvSpPr>
           <p:spPr>
             <a:xfrm>
-              <a:off x="7988222" y="2592750"/>
+              <a:off x="7988241" y="2592744"/>
               <a:ext cx="159800" cy="159800"/>
             </a:xfrm>
             <a:prstGeom prst="ellipse">
@@ -7377,7 +7377,7 @@
           </p:nvSpPr>
           <p:spPr>
             <a:xfrm>
-              <a:off x="6151873" y="2777678"/>
+              <a:off x="6151907" y="2777671"/>
               <a:ext cx="150146" cy="150146"/>
             </a:xfrm>
             <a:prstGeom prst="ellipse">
@@ -7412,7 +7412,7 @@
           </p:nvSpPr>
           <p:spPr>
             <a:xfrm>
-              <a:off x="6605812" y="2651256"/>
+              <a:off x="6605843" y="2651250"/>
               <a:ext cx="162855" cy="162855"/>
             </a:xfrm>
             <a:prstGeom prst="ellipse">
@@ -7447,7 +7447,7 @@
           </p:nvSpPr>
           <p:spPr>
             <a:xfrm>
-              <a:off x="9138957" y="2172514"/>
+              <a:off x="9138966" y="2172511"/>
               <a:ext cx="159800" cy="159800"/>
             </a:xfrm>
             <a:prstGeom prst="ellipse">
@@ -7482,7 +7482,7 @@
           </p:nvSpPr>
           <p:spPr>
             <a:xfrm>
-              <a:off x="2931517" y="3439751"/>
+              <a:off x="2931578" y="3439740"/>
               <a:ext cx="146741" cy="146741"/>
             </a:xfrm>
             <a:prstGeom prst="ellipse">
@@ -7517,7 +7517,7 @@
           </p:nvSpPr>
           <p:spPr>
             <a:xfrm>
-              <a:off x="8453343" y="2357442"/>
+              <a:off x="8453358" y="2357438"/>
               <a:ext cx="150146" cy="150146"/>
             </a:xfrm>
             <a:prstGeom prst="ellipse">
@@ -7552,7 +7552,7 @@
           </p:nvSpPr>
           <p:spPr>
             <a:xfrm>
-              <a:off x="7072461" y="2657610"/>
+              <a:off x="7072487" y="2657605"/>
               <a:ext cx="150146" cy="150146"/>
             </a:xfrm>
             <a:prstGeom prst="ellipse">
@@ -7587,7 +7587,7 @@
           </p:nvSpPr>
           <p:spPr>
             <a:xfrm>
-              <a:off x="8212466" y="2466779"/>
+              <a:off x="8212482" y="2466774"/>
               <a:ext cx="171607" cy="171607"/>
             </a:xfrm>
             <a:prstGeom prst="ellipse">
@@ -7622,7 +7622,7 @@
           </p:nvSpPr>
           <p:spPr>
             <a:xfrm>
-              <a:off x="6608906" y="3074585"/>
+              <a:off x="6608936" y="3074577"/>
               <a:ext cx="156668" cy="156668"/>
             </a:xfrm>
             <a:prstGeom prst="ellipse">
@@ -7657,7 +7657,7 @@
           </p:nvSpPr>
           <p:spPr>
             <a:xfrm>
-              <a:off x="6380367" y="2956126"/>
+              <a:off x="6380399" y="2956118"/>
               <a:ext cx="153453" cy="153453"/>
             </a:xfrm>
             <a:prstGeom prst="ellipse">
@@ -7692,7 +7692,7 @@
           </p:nvSpPr>
           <p:spPr>
             <a:xfrm>
-              <a:off x="7297781" y="2832884"/>
+              <a:off x="7297805" y="2832878"/>
               <a:ext cx="159800" cy="159800"/>
             </a:xfrm>
             <a:prstGeom prst="ellipse">
@@ -7727,7 +7727,7 @@
           </p:nvSpPr>
           <p:spPr>
             <a:xfrm>
-              <a:off x="4767730" y="3134619"/>
+              <a:off x="4767775" y="3134610"/>
               <a:ext cx="156668" cy="156668"/>
             </a:xfrm>
             <a:prstGeom prst="ellipse">
@@ -7762,7 +7762,7 @@
           </p:nvSpPr>
           <p:spPr>
             <a:xfrm>
-              <a:off x="4991834" y="3068543"/>
+              <a:off x="4991877" y="3068534"/>
               <a:ext cx="168754" cy="168754"/>
             </a:xfrm>
             <a:prstGeom prst="ellipse">
@@ -7797,7 +7797,7 @@
           </p:nvSpPr>
           <p:spPr>
             <a:xfrm>
-              <a:off x="6374174" y="2949933"/>
+              <a:off x="6374206" y="2949925"/>
               <a:ext cx="165838" cy="165838"/>
             </a:xfrm>
             <a:prstGeom prst="ellipse">
@@ -7832,7 +7832,7 @@
           </p:nvSpPr>
           <p:spPr>
             <a:xfrm>
-              <a:off x="6612167" y="2837712"/>
+              <a:off x="6612197" y="2837705"/>
               <a:ext cx="150146" cy="150146"/>
             </a:xfrm>
             <a:prstGeom prst="ellipse">
@@ -7867,7 +7867,7 @@
           </p:nvSpPr>
           <p:spPr>
             <a:xfrm>
-              <a:off x="9367577" y="2110953"/>
+              <a:off x="9367584" y="2110951"/>
               <a:ext cx="162855" cy="162855"/>
             </a:xfrm>
             <a:prstGeom prst="ellipse">
@@ -7902,7 +7902,7 @@
           </p:nvSpPr>
           <p:spPr>
             <a:xfrm>
-              <a:off x="9366085" y="1989394"/>
+              <a:off x="9366092" y="1989392"/>
               <a:ext cx="165838" cy="165838"/>
             </a:xfrm>
             <a:prstGeom prst="ellipse">
@@ -7937,7 +7937,7 @@
           </p:nvSpPr>
           <p:spPr>
             <a:xfrm>
-              <a:off x="5466707" y="3143155"/>
+              <a:off x="5466747" y="3143147"/>
               <a:ext cx="139595" cy="139595"/>
             </a:xfrm>
             <a:prstGeom prst="ellipse">
@@ -7972,7 +7972,7 @@
           </p:nvSpPr>
           <p:spPr>
             <a:xfrm>
-              <a:off x="7524909" y="2709798"/>
+              <a:off x="7524932" y="2709792"/>
               <a:ext cx="165838" cy="165838"/>
             </a:xfrm>
             <a:prstGeom prst="ellipse">
@@ -8007,7 +8007,7 @@
           </p:nvSpPr>
           <p:spPr>
             <a:xfrm>
-              <a:off x="4537583" y="3194653"/>
+              <a:off x="4537630" y="3194644"/>
               <a:ext cx="156668" cy="156668"/>
             </a:xfrm>
             <a:prstGeom prst="ellipse">
@@ -8042,7 +8042,7 @@
           </p:nvSpPr>
           <p:spPr>
             <a:xfrm>
-              <a:off x="9370670" y="2114046"/>
+              <a:off x="9370677" y="2114044"/>
               <a:ext cx="156668" cy="156668"/>
             </a:xfrm>
             <a:prstGeom prst="ellipse">
@@ -8077,7 +8077,7 @@
           </p:nvSpPr>
           <p:spPr>
             <a:xfrm>
-              <a:off x="6151873" y="3197914"/>
+              <a:off x="6151907" y="3197905"/>
               <a:ext cx="150146" cy="150146"/>
             </a:xfrm>
             <a:prstGeom prst="ellipse">
@@ -8112,7 +8112,7 @@
           </p:nvSpPr>
           <p:spPr>
             <a:xfrm>
-              <a:off x="7067634" y="2712817"/>
+              <a:off x="7067660" y="2712811"/>
               <a:ext cx="159800" cy="159800"/>
             </a:xfrm>
             <a:prstGeom prst="ellipse">
@@ -8147,7 +8147,7 @@
           </p:nvSpPr>
           <p:spPr>
             <a:xfrm>
-              <a:off x="8223196" y="2537543"/>
+              <a:off x="8223213" y="2537538"/>
               <a:ext cx="150146" cy="150146"/>
             </a:xfrm>
             <a:prstGeom prst="ellipse">
@@ -8182,7 +8182,7 @@
           </p:nvSpPr>
           <p:spPr>
             <a:xfrm>
-              <a:off x="5921726" y="3257947"/>
+              <a:off x="5921762" y="3257938"/>
               <a:ext cx="150146" cy="150146"/>
             </a:xfrm>
             <a:prstGeom prst="ellipse">
@@ -8217,7 +8217,7 @@
           </p:nvSpPr>
           <p:spPr>
             <a:xfrm>
-              <a:off x="5691579" y="3197914"/>
+              <a:off x="5691617" y="3197905"/>
               <a:ext cx="150146" cy="150146"/>
             </a:xfrm>
             <a:prstGeom prst="ellipse">
@@ -8252,7 +8252,7 @@
           </p:nvSpPr>
           <p:spPr>
             <a:xfrm>
-              <a:off x="6377193" y="2772851"/>
+              <a:off x="6377225" y="2772844"/>
               <a:ext cx="159800" cy="159800"/>
             </a:xfrm>
             <a:prstGeom prst="ellipse">
@@ -8287,7 +8287,7 @@
           </p:nvSpPr>
           <p:spPr>
             <a:xfrm>
-              <a:off x="8226655" y="2661070"/>
+              <a:off x="8226672" y="2661064"/>
               <a:ext cx="143228" cy="143228"/>
             </a:xfrm>
             <a:prstGeom prst="ellipse">
@@ -8322,7 +8322,7 @@
           </p:nvSpPr>
           <p:spPr>
             <a:xfrm>
-              <a:off x="8681837" y="2475856"/>
+              <a:off x="8681850" y="2475852"/>
               <a:ext cx="153453" cy="153453"/>
             </a:xfrm>
             <a:prstGeom prst="ellipse">
@@ -8357,7 +8357,7 @@
           </p:nvSpPr>
           <p:spPr>
             <a:xfrm>
-              <a:off x="9830964" y="2294147"/>
+              <a:off x="9830968" y="2294144"/>
               <a:ext cx="156668" cy="156668"/>
             </a:xfrm>
             <a:prstGeom prst="ellipse">
@@ -8392,7 +8392,7 @@
           </p:nvSpPr>
           <p:spPr>
             <a:xfrm>
-              <a:off x="6375665" y="2771323"/>
+              <a:off x="6375697" y="2771317"/>
               <a:ext cx="162855" cy="162855"/>
             </a:xfrm>
             <a:prstGeom prst="ellipse">
@@ -8427,7 +8427,7 @@
           </p:nvSpPr>
           <p:spPr>
             <a:xfrm>
-              <a:off x="6157148" y="3083122"/>
+              <a:off x="6157182" y="3083113"/>
               <a:ext cx="139595" cy="139595"/>
             </a:xfrm>
             <a:prstGeom prst="ellipse">
@@ -8462,7 +8462,7 @@
           </p:nvSpPr>
           <p:spPr>
             <a:xfrm>
-              <a:off x="5698736" y="2784836"/>
+              <a:off x="5698774" y="2784829"/>
               <a:ext cx="135831" cy="135831"/>
             </a:xfrm>
             <a:prstGeom prst="ellipse">
@@ -8497,7 +8497,7 @@
           </p:nvSpPr>
           <p:spPr>
             <a:xfrm>
-              <a:off x="9366085" y="2469663"/>
+              <a:off x="9366092" y="2469659"/>
               <a:ext cx="165838" cy="165838"/>
             </a:xfrm>
             <a:prstGeom prst="ellipse">
@@ -8532,7 +8532,7 @@
           </p:nvSpPr>
           <p:spPr>
             <a:xfrm>
-              <a:off x="6142569" y="2768374"/>
+              <a:off x="6142603" y="2768368"/>
               <a:ext cx="168754" cy="168754"/>
             </a:xfrm>
             <a:prstGeom prst="ellipse">
@@ -8567,7 +8567,7 @@
           </p:nvSpPr>
           <p:spPr>
             <a:xfrm>
-              <a:off x="6382020" y="2837712"/>
+              <a:off x="6382052" y="2837705"/>
               <a:ext cx="150146" cy="150146"/>
             </a:xfrm>
             <a:prstGeom prst="ellipse">
@@ -8602,7 +8602,7 @@
           </p:nvSpPr>
           <p:spPr>
             <a:xfrm>
-              <a:off x="5461432" y="3257947"/>
+              <a:off x="5461472" y="3257938"/>
               <a:ext cx="150146" cy="150146"/>
             </a:xfrm>
             <a:prstGeom prst="ellipse">
@@ -8637,7 +8637,7 @@
           </p:nvSpPr>
           <p:spPr>
             <a:xfrm>
-              <a:off x="7527928" y="2892918"/>
+              <a:off x="7527950" y="2892911"/>
               <a:ext cx="159800" cy="159800"/>
             </a:xfrm>
             <a:prstGeom prst="ellipse">
@@ -8672,7 +8672,7 @@
           </p:nvSpPr>
           <p:spPr>
             <a:xfrm>
-              <a:off x="7063157" y="2768374"/>
+              <a:off x="7063183" y="2768368"/>
               <a:ext cx="168754" cy="168754"/>
             </a:xfrm>
             <a:prstGeom prst="ellipse">
@@ -8707,7 +8707,7 @@
           </p:nvSpPr>
           <p:spPr>
             <a:xfrm>
-              <a:off x="7524909" y="3070000"/>
+              <a:off x="7524932" y="3069992"/>
               <a:ext cx="165838" cy="165838"/>
             </a:xfrm>
             <a:prstGeom prst="ellipse">
@@ -8742,7 +8742,7 @@
           </p:nvSpPr>
           <p:spPr>
             <a:xfrm>
-              <a:off x="4999484" y="3076193"/>
+              <a:off x="4999528" y="3076185"/>
               <a:ext cx="153453" cy="153453"/>
             </a:xfrm>
             <a:prstGeom prst="ellipse">
@@ -8777,7 +8777,7 @@
           </p:nvSpPr>
           <p:spPr>
             <a:xfrm>
-              <a:off x="7294762" y="2589731"/>
+              <a:off x="7294786" y="2589726"/>
               <a:ext cx="165838" cy="165838"/>
             </a:xfrm>
             <a:prstGeom prst="ellipse">
@@ -8812,7 +8812,7 @@
           </p:nvSpPr>
           <p:spPr>
             <a:xfrm>
-              <a:off x="7061730" y="2706914"/>
+              <a:off x="7061757" y="2706908"/>
               <a:ext cx="171607" cy="171607"/>
             </a:xfrm>
             <a:prstGeom prst="ellipse">
@@ -8847,7 +8847,7 @@
           </p:nvSpPr>
           <p:spPr>
             <a:xfrm>
-              <a:off x="7064615" y="3009967"/>
+              <a:off x="7064641" y="3009959"/>
               <a:ext cx="165838" cy="165838"/>
             </a:xfrm>
             <a:prstGeom prst="ellipse">
@@ -8882,7 +8882,7 @@
           </p:nvSpPr>
           <p:spPr>
             <a:xfrm>
-              <a:off x="6150220" y="3136227"/>
+              <a:off x="6150254" y="3136218"/>
               <a:ext cx="153453" cy="153453"/>
             </a:xfrm>
             <a:prstGeom prst="ellipse">
@@ -8917,7 +8917,7 @@
           </p:nvSpPr>
           <p:spPr>
             <a:xfrm>
-              <a:off x="6608906" y="3014552"/>
+              <a:off x="6608936" y="3014544"/>
               <a:ext cx="156668" cy="156668"/>
             </a:xfrm>
             <a:prstGeom prst="ellipse">
@@ -8952,7 +8952,7 @@
           </p:nvSpPr>
           <p:spPr>
             <a:xfrm>
-              <a:off x="5913880" y="2889899"/>
+              <a:off x="5913916" y="2889892"/>
               <a:ext cx="165838" cy="165838"/>
             </a:xfrm>
             <a:prstGeom prst="ellipse">
@@ -8987,7 +8987,7 @@
           </p:nvSpPr>
           <p:spPr>
             <a:xfrm>
-              <a:off x="5231285" y="3077846"/>
+              <a:off x="5231326" y="3077838"/>
               <a:ext cx="150146" cy="150146"/>
             </a:xfrm>
             <a:prstGeom prst="ellipse">
@@ -9022,8 +9022,8 @@
           </p:nvSpPr>
           <p:spPr>
             <a:xfrm>
-              <a:off x="1090487" y="4977651"/>
-              <a:ext cx="56623" cy="71635"/>
+              <a:off x="1090543" y="4977600"/>
+              <a:ext cx="56643" cy="71650"/>
             </a:xfrm>
             <a:prstGeom prst="rect">
               <a:avLst/>
@@ -9068,8 +9068,8 @@
           </p:nvSpPr>
           <p:spPr>
             <a:xfrm>
-              <a:off x="1090487" y="3777373"/>
-              <a:ext cx="56623" cy="71239"/>
+              <a:off x="1090543" y="3777316"/>
+              <a:ext cx="56643" cy="71268"/>
             </a:xfrm>
             <a:prstGeom prst="rect">
               <a:avLst/>
@@ -9114,8 +9114,8 @@
           </p:nvSpPr>
           <p:spPr>
             <a:xfrm>
-              <a:off x="1090487" y="2575310"/>
-              <a:ext cx="56623" cy="72628"/>
+              <a:off x="1090543" y="2575285"/>
+              <a:ext cx="56643" cy="72633"/>
             </a:xfrm>
             <a:prstGeom prst="rect">
               <a:avLst/>
@@ -9160,7 +9160,7 @@
           </p:nvSpPr>
           <p:spPr>
             <a:xfrm>
-              <a:off x="1174946" y="5013965"/>
+              <a:off x="1175022" y="5013944"/>
               <a:ext cx="34794" cy="0"/>
             </a:xfrm>
             <a:custGeom>
@@ -9200,7 +9200,7 @@
           </p:nvSpPr>
           <p:spPr>
             <a:xfrm>
-              <a:off x="1174946" y="3813290"/>
+              <a:off x="1175022" y="3813278"/>
               <a:ext cx="34794" cy="0"/>
             </a:xfrm>
             <a:custGeom>
@@ -9240,7 +9240,7 @@
           </p:nvSpPr>
           <p:spPr>
             <a:xfrm>
-              <a:off x="1174946" y="2612616"/>
+              <a:off x="1175022" y="2612612"/>
               <a:ext cx="34794" cy="0"/>
             </a:xfrm>
             <a:custGeom>
@@ -9280,7 +9280,7 @@
           </p:nvSpPr>
           <p:spPr>
             <a:xfrm>
-              <a:off x="3235035" y="5791401"/>
+              <a:off x="3235094" y="5791375"/>
               <a:ext cx="0" cy="34794"/>
             </a:xfrm>
             <a:custGeom>
@@ -9320,7 +9320,7 @@
           </p:nvSpPr>
           <p:spPr>
             <a:xfrm>
-              <a:off x="5536505" y="5791401"/>
+              <a:off x="5536545" y="5791375"/>
               <a:ext cx="0" cy="34794"/>
             </a:xfrm>
             <a:custGeom>
@@ -9360,7 +9360,7 @@
           </p:nvSpPr>
           <p:spPr>
             <a:xfrm>
-              <a:off x="7837975" y="5791401"/>
+              <a:off x="7837996" y="5791375"/>
               <a:ext cx="0" cy="34794"/>
             </a:xfrm>
             <a:custGeom>
@@ -9400,7 +9400,7 @@
           </p:nvSpPr>
           <p:spPr>
             <a:xfrm>
-              <a:off x="10139446" y="5791401"/>
+              <a:off x="10139447" y="5791375"/>
               <a:ext cx="0" cy="34794"/>
             </a:xfrm>
             <a:custGeom>
@@ -9440,8 +9440,8 @@
           </p:nvSpPr>
           <p:spPr>
             <a:xfrm>
-              <a:off x="3206723" y="5853039"/>
-              <a:ext cx="56623" cy="71635"/>
+              <a:off x="3206772" y="5852968"/>
+              <a:ext cx="56643" cy="71650"/>
             </a:xfrm>
             <a:prstGeom prst="rect">
               <a:avLst/>
@@ -9486,8 +9486,8 @@
           </p:nvSpPr>
           <p:spPr>
             <a:xfrm>
-              <a:off x="5508193" y="5852047"/>
-              <a:ext cx="56623" cy="72628"/>
+              <a:off x="5508223" y="5851986"/>
+              <a:ext cx="56643" cy="72633"/>
             </a:xfrm>
             <a:prstGeom prst="rect">
               <a:avLst/>
@@ -9532,8 +9532,8 @@
           </p:nvSpPr>
           <p:spPr>
             <a:xfrm>
-              <a:off x="7809663" y="5853634"/>
-              <a:ext cx="56623" cy="71040"/>
+              <a:off x="7809674" y="5853678"/>
+              <a:ext cx="56643" cy="70941"/>
             </a:xfrm>
             <a:prstGeom prst="rect">
               <a:avLst/>
@@ -9578,8 +9578,8 @@
           </p:nvSpPr>
           <p:spPr>
             <a:xfrm>
-              <a:off x="10111134" y="5852047"/>
-              <a:ext cx="56623" cy="72628"/>
+              <a:off x="10111125" y="5851932"/>
+              <a:ext cx="56643" cy="72687"/>
             </a:xfrm>
             <a:prstGeom prst="rect">
               <a:avLst/>
@@ -9624,8 +9624,8 @@
           </p:nvSpPr>
           <p:spPr>
             <a:xfrm>
-              <a:off x="5402191" y="5962713"/>
-              <a:ext cx="728922" cy="119856"/>
+              <a:off x="5402229" y="5962557"/>
+              <a:ext cx="728922" cy="119918"/>
             </a:xfrm>
             <a:prstGeom prst="rect">
               <a:avLst/>
@@ -9670,8 +9670,8 @@
           </p:nvSpPr>
           <p:spPr>
             <a:xfrm rot="-5400000">
-              <a:off x="581015" y="3783379"/>
-              <a:ext cx="710300" cy="119856"/>
+              <a:off x="580946" y="3783335"/>
+              <a:ext cx="710300" cy="119918"/>
             </a:xfrm>
             <a:prstGeom prst="rect">
               <a:avLst/>
@@ -9716,8 +9716,8 @@
           </p:nvSpPr>
           <p:spPr>
             <a:xfrm>
-              <a:off x="10467563" y="2663117"/>
-              <a:ext cx="816647" cy="1299212"/>
+              <a:off x="10467563" y="2663211"/>
+              <a:ext cx="816647" cy="1299017"/>
             </a:xfrm>
             <a:prstGeom prst="rect">
               <a:avLst/>
@@ -9742,8 +9742,8 @@
           </p:nvSpPr>
           <p:spPr>
             <a:xfrm>
-              <a:off x="10539563" y="2727676"/>
-              <a:ext cx="672647" cy="96440"/>
+              <a:off x="10539563" y="2727810"/>
+              <a:ext cx="672647" cy="96316"/>
             </a:xfrm>
             <a:prstGeom prst="rect">
               <a:avLst/>
@@ -9788,7 +9788,7 @@
           </p:nvSpPr>
           <p:spPr>
             <a:xfrm>
-              <a:off x="10539563" y="2869658"/>
+              <a:off x="10539563" y="2869556"/>
               <a:ext cx="215999" cy="201168"/>
             </a:xfrm>
             <a:prstGeom prst="rect">
@@ -9823,7 +9823,7 @@
           </p:nvSpPr>
           <p:spPr>
             <a:xfrm>
-              <a:off x="10601852" y="2924531"/>
+              <a:off x="10601852" y="2924430"/>
               <a:ext cx="91421" cy="91421"/>
             </a:xfrm>
             <a:prstGeom prst="ellipse">
@@ -9858,7 +9858,7 @@
           </p:nvSpPr>
           <p:spPr>
             <a:xfrm>
-              <a:off x="10539563" y="3070826"/>
+              <a:off x="10539563" y="3070724"/>
               <a:ext cx="215999" cy="201168"/>
             </a:xfrm>
             <a:prstGeom prst="rect">
@@ -9893,7 +9893,7 @@
           </p:nvSpPr>
           <p:spPr>
             <a:xfrm>
-              <a:off x="10588022" y="3111869"/>
+              <a:off x="10588022" y="3111767"/>
               <a:ext cx="119081" cy="119081"/>
             </a:xfrm>
             <a:prstGeom prst="ellipse">
@@ -9928,7 +9928,7 @@
           </p:nvSpPr>
           <p:spPr>
             <a:xfrm>
-              <a:off x="10539563" y="3271994"/>
+              <a:off x="10539563" y="3271892"/>
               <a:ext cx="215999" cy="201167"/>
             </a:xfrm>
             <a:prstGeom prst="rect">
@@ -9963,7 +9963,7 @@
           </p:nvSpPr>
           <p:spPr>
             <a:xfrm>
-              <a:off x="10577765" y="3302780"/>
+              <a:off x="10577765" y="3302678"/>
               <a:ext cx="139595" cy="139595"/>
             </a:xfrm>
             <a:prstGeom prst="ellipse">
@@ -9998,8 +9998,8 @@
           </p:nvSpPr>
           <p:spPr>
             <a:xfrm>
-              <a:off x="10539563" y="3473162"/>
-              <a:ext cx="215999" cy="201167"/>
+              <a:off x="10539563" y="3473060"/>
+              <a:ext cx="215999" cy="201168"/>
             </a:xfrm>
             <a:prstGeom prst="rect">
               <a:avLst/>
@@ -10033,7 +10033,7 @@
           </p:nvSpPr>
           <p:spPr>
             <a:xfrm>
-              <a:off x="10569229" y="3495411"/>
+              <a:off x="10569229" y="3495310"/>
               <a:ext cx="156668" cy="156668"/>
             </a:xfrm>
             <a:prstGeom prst="ellipse">
@@ -10068,7 +10068,7 @@
           </p:nvSpPr>
           <p:spPr>
             <a:xfrm>
-              <a:off x="10539563" y="3674330"/>
+              <a:off x="10539563" y="3674228"/>
               <a:ext cx="215999" cy="215999"/>
             </a:xfrm>
             <a:prstGeom prst="rect">
@@ -10103,7 +10103,7 @@
           </p:nvSpPr>
           <p:spPr>
             <a:xfrm>
-              <a:off x="10561759" y="3696526"/>
+              <a:off x="10561759" y="3696424"/>
               <a:ext cx="171607" cy="171607"/>
             </a:xfrm>
             <a:prstGeom prst="ellipse">
@@ -10138,8 +10138,8 @@
           </p:nvSpPr>
           <p:spPr>
             <a:xfrm>
-              <a:off x="10780709" y="2932935"/>
-              <a:ext cx="141450" cy="72628"/>
+              <a:off x="10780709" y="2932760"/>
+              <a:ext cx="141500" cy="72687"/>
             </a:xfrm>
             <a:prstGeom prst="rect">
               <a:avLst/>
@@ -10184,8 +10184,8 @@
           </p:nvSpPr>
           <p:spPr>
             <a:xfrm>
-              <a:off x="10780709" y="3134103"/>
-              <a:ext cx="141450" cy="72628"/>
+              <a:off x="10780709" y="3133928"/>
+              <a:ext cx="141500" cy="72687"/>
             </a:xfrm>
             <a:prstGeom prst="rect">
               <a:avLst/>
@@ -10230,8 +10230,8 @@
           </p:nvSpPr>
           <p:spPr>
             <a:xfrm>
-              <a:off x="10780709" y="3335867"/>
-              <a:ext cx="141450" cy="72032"/>
+              <a:off x="10780709" y="3335641"/>
+              <a:ext cx="141500" cy="72141"/>
             </a:xfrm>
             <a:prstGeom prst="rect">
               <a:avLst/>
@@ -10276,8 +10276,8 @@
           </p:nvSpPr>
           <p:spPr>
             <a:xfrm>
-              <a:off x="10780709" y="3536439"/>
-              <a:ext cx="141450" cy="72628"/>
+              <a:off x="10780709" y="3536264"/>
+              <a:ext cx="141500" cy="72687"/>
             </a:xfrm>
             <a:prstGeom prst="rect">
               <a:avLst/>
@@ -10322,8 +10322,8 @@
           </p:nvSpPr>
           <p:spPr>
             <a:xfrm>
-              <a:off x="10780709" y="3745023"/>
-              <a:ext cx="141450" cy="72628"/>
+              <a:off x="10780709" y="3744848"/>
+              <a:ext cx="141500" cy="72687"/>
             </a:xfrm>
             <a:prstGeom prst="rect">
               <a:avLst/>
@@ -10368,8 +10368,8 @@
           </p:nvSpPr>
           <p:spPr>
             <a:xfrm>
-              <a:off x="10467563" y="4106330"/>
-              <a:ext cx="814304" cy="917168"/>
+              <a:off x="10467563" y="4106228"/>
+              <a:ext cx="814461" cy="917149"/>
             </a:xfrm>
             <a:prstGeom prst="rect">
               <a:avLst/>
@@ -10394,8 +10394,8 @@
           </p:nvSpPr>
           <p:spPr>
             <a:xfrm>
-              <a:off x="10539563" y="4163744"/>
-              <a:ext cx="422374" cy="115292"/>
+              <a:off x="10539563" y="4163562"/>
+              <a:ext cx="422374" cy="115347"/>
             </a:xfrm>
             <a:prstGeom prst="rect">
               <a:avLst/>
@@ -10440,8 +10440,8 @@
           </p:nvSpPr>
           <p:spPr>
             <a:xfrm>
-              <a:off x="10539563" y="4347994"/>
-              <a:ext cx="201168" cy="201168"/>
+              <a:off x="10539563" y="4347874"/>
+              <a:ext cx="201168" cy="201167"/>
             </a:xfrm>
             <a:prstGeom prst="rect">
               <a:avLst/>
@@ -10475,7 +10475,7 @@
           </p:nvSpPr>
           <p:spPr>
             <a:xfrm>
-              <a:off x="10615321" y="4423752"/>
+              <a:off x="10615321" y="4423632"/>
               <a:ext cx="49651" cy="49651"/>
             </a:xfrm>
             <a:prstGeom prst="ellipse">
@@ -10510,8 +10510,8 @@
           </p:nvSpPr>
           <p:spPr>
             <a:xfrm>
-              <a:off x="10539563" y="4549162"/>
-              <a:ext cx="201168" cy="201167"/>
+              <a:off x="10539563" y="4549042"/>
+              <a:ext cx="201168" cy="201168"/>
             </a:xfrm>
             <a:prstGeom prst="rect">
               <a:avLst/>
@@ -10545,7 +10545,7 @@
           </p:nvSpPr>
           <p:spPr>
             <a:xfrm>
-              <a:off x="10615321" y="4624920"/>
+              <a:off x="10615321" y="4624800"/>
               <a:ext cx="49651" cy="49651"/>
             </a:xfrm>
             <a:prstGeom prst="ellipse">
@@ -10580,7 +10580,7 @@
           </p:nvSpPr>
           <p:spPr>
             <a:xfrm>
-              <a:off x="10539563" y="4750330"/>
+              <a:off x="10539563" y="4750210"/>
               <a:ext cx="201168" cy="201167"/>
             </a:xfrm>
             <a:prstGeom prst="rect">
@@ -10615,7 +10615,7 @@
           </p:nvSpPr>
           <p:spPr>
             <a:xfrm>
-              <a:off x="10615321" y="4826088"/>
+              <a:off x="10615321" y="4825968"/>
               <a:ext cx="49651" cy="49651"/>
             </a:xfrm>
             <a:prstGeom prst="ellipse">
@@ -10650,8 +10650,8 @@
           </p:nvSpPr>
           <p:spPr>
             <a:xfrm>
-              <a:off x="10765877" y="4417621"/>
-              <a:ext cx="292829" cy="66278"/>
+              <a:off x="10765877" y="4417407"/>
+              <a:ext cx="292933" cy="66357"/>
             </a:xfrm>
             <a:prstGeom prst="rect">
               <a:avLst/>
@@ -10696,8 +10696,8 @@
           </p:nvSpPr>
           <p:spPr>
             <a:xfrm>
-              <a:off x="10765877" y="4608074"/>
-              <a:ext cx="443990" cy="76993"/>
+              <a:off x="10765877" y="4607879"/>
+              <a:ext cx="444147" cy="77053"/>
             </a:xfrm>
             <a:prstGeom prst="rect">
               <a:avLst/>
@@ -10742,8 +10742,8 @@
           </p:nvSpPr>
           <p:spPr>
             <a:xfrm>
-              <a:off x="10765877" y="4793962"/>
-              <a:ext cx="378365" cy="92273"/>
+              <a:off x="10765877" y="4793768"/>
+              <a:ext cx="378499" cy="92332"/>
             </a:xfrm>
             <a:prstGeom prst="rect">
               <a:avLst/>
@@ -10787,7 +10787,7 @@
 </file>
 
 <file path=ppt/slides/slide4.xml><?xml version="1.0" encoding="utf-8"?>
-<p:sld xmlns:p="http://schemas.openxmlformats.org/presentationml/2006/main" xmlns:r="http://schemas.openxmlformats.org/officeDocument/2006/relationships" xmlns:a="http://schemas.openxmlformats.org/drawingml/2006/main" xmlns:mc="http://schemas.openxmlformats.org/markup-compatibility/2006" xmlns:c="http://schemas.openxmlformats.org/drawingml/2006/chart" xmlns:ns6="http://schemas.openxmlformats.org/drawingml/2006/chartDrawing" xmlns:dgm="http://schemas.openxmlformats.org/drawingml/2006/diagram" xmlns:pic="http://schemas.openxmlformats.org/drawingml/2006/picture" xmlns:wp="http://schemas.openxmlformats.org/drawingml/2006/wordprocessingDrawing" xmlns:xdr="http://schemas.openxmlformats.org/drawingml/2006/spreadsheetDrawing" xmlns:ns11="http://schemas.openxmlformats.org/drawingml/2006/compatibility" xmlns:ns12="http://schemas.openxmlformats.org/drawingml/2006/lockedCanvas">
+<p:sld xmlns:a="http://schemas.openxmlformats.org/drawingml/2006/main" xmlns:r="http://schemas.openxmlformats.org/officeDocument/2006/relationships" xmlns:p="http://schemas.openxmlformats.org/presentationml/2006/main" xmlns:mc="http://schemas.openxmlformats.org/markup-compatibility/2006" xmlns:c="http://schemas.openxmlformats.org/drawingml/2006/chart" xmlns:ns6="http://schemas.openxmlformats.org/drawingml/2006/chartDrawing" xmlns:dgm="http://schemas.openxmlformats.org/drawingml/2006/diagram" xmlns:pic="http://schemas.openxmlformats.org/drawingml/2006/picture" xmlns:wp="http://schemas.openxmlformats.org/drawingml/2006/wordprocessingDrawing" xmlns:xdr="http://schemas.openxmlformats.org/drawingml/2006/spreadsheetDrawing" xmlns:ns11="http://schemas.openxmlformats.org/drawingml/2006/compatibility" xmlns:ns12="http://schemas.openxmlformats.org/drawingml/2006/lockedCanvas">
   <p:cSld>
     <p:spTree>
       <p:nvGrpSpPr>
